--- a/taoiq.pptx
+++ b/taoiq.pptx
@@ -21,30 +21,33 @@
     <p:sldId id="266" r:id="rId17"/>
     <p:sldId id="267" r:id="rId18"/>
     <p:sldId id="268" r:id="rId19"/>
+    <p:sldId id="269" r:id="rId20"/>
+    <p:sldId id="270" r:id="rId21"/>
+    <p:sldId id="271" r:id="rId22"/>
   </p:sldIdLst>
   <p:sldSz cy="5143500" cx="9144000"/>
   <p:notesSz cx="6858000" cy="9144000"/>
   <p:embeddedFontLst>
     <p:embeddedFont>
       <p:font typeface="Roboto"/>
-      <p:regular r:id="rId20"/>
-      <p:bold r:id="rId21"/>
-      <p:italic r:id="rId22"/>
-      <p:boldItalic r:id="rId23"/>
+      <p:regular r:id="rId23"/>
+      <p:bold r:id="rId24"/>
+      <p:italic r:id="rId25"/>
+      <p:boldItalic r:id="rId26"/>
     </p:embeddedFont>
     <p:embeddedFont>
       <p:font typeface="Montserrat"/>
-      <p:regular r:id="rId24"/>
-      <p:bold r:id="rId25"/>
-      <p:italic r:id="rId26"/>
-      <p:boldItalic r:id="rId27"/>
+      <p:regular r:id="rId27"/>
+      <p:bold r:id="rId28"/>
+      <p:italic r:id="rId29"/>
+      <p:boldItalic r:id="rId30"/>
     </p:embeddedFont>
     <p:embeddedFont>
       <p:font typeface="Inter"/>
-      <p:regular r:id="rId28"/>
-      <p:bold r:id="rId29"/>
-      <p:italic r:id="rId30"/>
-      <p:boldItalic r:id="rId31"/>
+      <p:regular r:id="rId31"/>
+      <p:bold r:id="rId32"/>
+      <p:italic r:id="rId33"/>
+      <p:boldItalic r:id="rId34"/>
     </p:embeddedFont>
   </p:embeddedFontLst>
   <p:defaultTextStyle>
@@ -836,7 +839,7 @@
   <p:cSld>
     <p:spTree>
       <p:nvGrpSpPr>
-        <p:cNvPr id="145" name="Shape 145"/>
+        <p:cNvPr id="147" name="Shape 147"/>
         <p:cNvGrpSpPr/>
         <p:nvPr/>
       </p:nvGrpSpPr>
@@ -850,7 +853,7 @@
       </p:grpSpPr>
       <p:sp>
         <p:nvSpPr>
-          <p:cNvPr id="146" name="Google Shape;146;g34f735a8a8f_0_202:notes"/>
+          <p:cNvPr id="148" name="Google Shape;148;g34f735a8a8f_0_192:notes"/>
           <p:cNvSpPr/>
           <p:nvPr>
             <p:ph idx="2" type="sldImg"/>
@@ -885,7 +888,7 @@
       </p:sp>
       <p:sp>
         <p:nvSpPr>
-          <p:cNvPr id="147" name="Google Shape;147;g34f735a8a8f_0_202:notes"/>
+          <p:cNvPr id="149" name="Google Shape;149;g34f735a8a8f_0_192:notes"/>
           <p:cNvSpPr txBox="1"/>
           <p:nvPr>
             <p:ph idx="1" type="body"/>
@@ -913,6 +916,35 @@
               <a:spcAft>
                 <a:spcPts val="0"/>
               </a:spcAft>
+              <a:buClr>
+                <a:schemeClr val="dk1"/>
+              </a:buClr>
+              <a:buSzPts val="1100"/>
+              <a:buFont typeface="Arial"/>
+              <a:buNone/>
+            </a:pPr>
+            <a:r>
+              <a:rPr lang="en-GB">
+                <a:solidFill>
+                  <a:schemeClr val="dk1"/>
+                </a:solidFill>
+              </a:rPr>
+              <a:t>Put it in main deck , compers in table</a:t>
+            </a:r>
+            <a:endParaRPr>
+              <a:solidFill>
+                <a:schemeClr val="dk1"/>
+              </a:solidFill>
+            </a:endParaRPr>
+          </a:p>
+          <a:p>
+            <a:pPr indent="0" lvl="0" marL="0" rtl="0" algn="l">
+              <a:spcBef>
+                <a:spcPts val="0"/>
+              </a:spcBef>
+              <a:spcAft>
+                <a:spcPts val="0"/>
+              </a:spcAft>
               <a:buNone/>
             </a:pPr>
             <a:r>
@@ -935,7 +967,7 @@
   <p:cSld>
     <p:spTree>
       <p:nvGrpSpPr>
-        <p:cNvPr id="151" name="Shape 151"/>
+        <p:cNvPr id="156" name="Shape 156"/>
         <p:cNvGrpSpPr/>
         <p:nvPr/>
       </p:nvGrpSpPr>
@@ -949,7 +981,7 @@
       </p:grpSpPr>
       <p:sp>
         <p:nvSpPr>
-          <p:cNvPr id="152" name="Google Shape;152;g34f735a8a8f_0_175:notes"/>
+          <p:cNvPr id="157" name="Google Shape;157;g33fb4d4ce2f_0_26:notes"/>
           <p:cNvSpPr/>
           <p:nvPr>
             <p:ph idx="2" type="sldImg"/>
@@ -984,7 +1016,7 @@
       </p:sp>
       <p:sp>
         <p:nvSpPr>
-          <p:cNvPr id="153" name="Google Shape;153;g34f735a8a8f_0_175:notes"/>
+          <p:cNvPr id="158" name="Google Shape;158;g33fb4d4ce2f_0_26:notes"/>
           <p:cNvSpPr txBox="1"/>
           <p:nvPr>
             <p:ph idx="1" type="body"/>
@@ -1034,7 +1066,7 @@
   <p:cSld>
     <p:spTree>
       <p:nvGrpSpPr>
-        <p:cNvPr id="157" name="Shape 157"/>
+        <p:cNvPr id="165" name="Shape 165"/>
         <p:cNvGrpSpPr/>
         <p:nvPr/>
       </p:nvGrpSpPr>
@@ -1048,7 +1080,7 @@
       </p:grpSpPr>
       <p:sp>
         <p:nvSpPr>
-          <p:cNvPr id="158" name="Google Shape;158;g34f735a8a8f_0_192:notes"/>
+          <p:cNvPr id="166" name="Google Shape;166;g34f801ad995_0_0:notes"/>
           <p:cNvSpPr/>
           <p:nvPr>
             <p:ph idx="2" type="sldImg"/>
@@ -1083,7 +1115,7 @@
       </p:sp>
       <p:sp>
         <p:nvSpPr>
-          <p:cNvPr id="159" name="Google Shape;159;g34f735a8a8f_0_192:notes"/>
+          <p:cNvPr id="167" name="Google Shape;167;g34f801ad995_0_0:notes"/>
           <p:cNvSpPr txBox="1"/>
           <p:nvPr>
             <p:ph idx="1" type="body"/>
@@ -1114,6 +1146,65 @@
               <a:buNone/>
             </a:pPr>
             <a:r>
+              <a:rPr lang="en-GB"/>
+              <a:t>Give more description also , why this architecture is good as compared to basic architecture, offers </a:t>
+            </a:r>
+            <a:r>
+              <a:rPr lang="en-GB"/>
+              <a:t>security</a:t>
+            </a:r>
+            <a:r>
+              <a:rPr lang="en-GB"/>
+              <a:t>, multi user</a:t>
+            </a:r>
+            <a:endParaRPr/>
+          </a:p>
+          <a:p>
+            <a:pPr indent="0" lvl="0" marL="0" rtl="0" algn="l">
+              <a:spcBef>
+                <a:spcPts val="0"/>
+              </a:spcBef>
+              <a:spcAft>
+                <a:spcPts val="0"/>
+              </a:spcAft>
+              <a:buNone/>
+            </a:pPr>
+            <a:r>
+              <a:t/>
+            </a:r>
+            <a:endParaRPr/>
+          </a:p>
+          <a:p>
+            <a:pPr indent="0" lvl="0" marL="0" rtl="0" algn="l">
+              <a:spcBef>
+                <a:spcPts val="0"/>
+              </a:spcBef>
+              <a:spcAft>
+                <a:spcPts val="0"/>
+              </a:spcAft>
+              <a:buNone/>
+            </a:pPr>
+            <a:r>
+              <a:rPr lang="en-GB"/>
+              <a:t>Separate</a:t>
+            </a:r>
+            <a:r>
+              <a:rPr lang="en-GB"/>
+              <a:t> slide streamlit app</a:t>
+            </a:r>
+            <a:endParaRPr/>
+          </a:p>
+          <a:p>
+            <a:pPr indent="0" lvl="0" marL="0" rtl="0" algn="l">
+              <a:spcBef>
+                <a:spcPts val="0"/>
+              </a:spcBef>
+              <a:spcAft>
+                <a:spcPts val="0"/>
+              </a:spcAft>
+              <a:buNone/>
+            </a:pPr>
+            <a:r>
               <a:t/>
             </a:r>
             <a:endParaRPr/>
@@ -1133,7 +1224,7 @@
   <p:cSld>
     <p:spTree>
       <p:nvGrpSpPr>
-        <p:cNvPr id="163" name="Shape 163"/>
+        <p:cNvPr id="175" name="Shape 175"/>
         <p:cNvGrpSpPr/>
         <p:nvPr/>
       </p:nvGrpSpPr>
@@ -1147,7 +1238,7 @@
       </p:grpSpPr>
       <p:sp>
         <p:nvSpPr>
-          <p:cNvPr id="164" name="Google Shape;164;g34f735a8a8f_0_197:notes"/>
+          <p:cNvPr id="176" name="Google Shape;176;g35128245791_0_0:notes"/>
           <p:cNvSpPr/>
           <p:nvPr>
             <p:ph idx="2" type="sldImg"/>
@@ -1182,7 +1273,362 @@
       </p:sp>
       <p:sp>
         <p:nvSpPr>
-          <p:cNvPr id="165" name="Google Shape;165;g34f735a8a8f_0_197:notes"/>
+          <p:cNvPr id="177" name="Google Shape;177;g35128245791_0_0:notes"/>
+          <p:cNvSpPr txBox="1"/>
+          <p:nvPr>
+            <p:ph idx="1" type="body"/>
+          </p:nvPr>
+        </p:nvSpPr>
+        <p:spPr>
+          <a:xfrm>
+            <a:off x="685800" y="4343400"/>
+            <a:ext cx="5486400" cy="4114800"/>
+          </a:xfrm>
+          <a:prstGeom prst="rect">
+            <a:avLst/>
+          </a:prstGeom>
+        </p:spPr>
+        <p:txBody>
+          <a:bodyPr anchorCtr="0" anchor="t" bIns="91425" lIns="91425" spcFirstLastPara="1" rIns="91425" wrap="square" tIns="91425">
+            <a:noAutofit/>
+          </a:bodyPr>
+          <a:lstStyle/>
+          <a:p>
+            <a:pPr indent="0" lvl="0" marL="0" rtl="0" algn="l">
+              <a:spcBef>
+                <a:spcPts val="0"/>
+              </a:spcBef>
+              <a:spcAft>
+                <a:spcPts val="0"/>
+              </a:spcAft>
+              <a:buNone/>
+            </a:pPr>
+            <a:r>
+              <a:rPr lang="en-GB"/>
+              <a:t>Give more description also , why this architecture is good as compared to basic architecture, offers security, multi user</a:t>
+            </a:r>
+            <a:endParaRPr/>
+          </a:p>
+          <a:p>
+            <a:pPr indent="0" lvl="0" marL="0" rtl="0" algn="l">
+              <a:spcBef>
+                <a:spcPts val="0"/>
+              </a:spcBef>
+              <a:spcAft>
+                <a:spcPts val="0"/>
+              </a:spcAft>
+              <a:buNone/>
+            </a:pPr>
+            <a:r>
+              <a:t/>
+            </a:r>
+            <a:endParaRPr/>
+          </a:p>
+          <a:p>
+            <a:pPr indent="0" lvl="0" marL="0" rtl="0" algn="l">
+              <a:spcBef>
+                <a:spcPts val="0"/>
+              </a:spcBef>
+              <a:spcAft>
+                <a:spcPts val="0"/>
+              </a:spcAft>
+              <a:buNone/>
+            </a:pPr>
+            <a:r>
+              <a:rPr lang="en-GB"/>
+              <a:t>Separate slide streamlit app</a:t>
+            </a:r>
+            <a:endParaRPr/>
+          </a:p>
+          <a:p>
+            <a:pPr indent="0" lvl="0" marL="0" rtl="0" algn="l">
+              <a:spcBef>
+                <a:spcPts val="0"/>
+              </a:spcBef>
+              <a:spcAft>
+                <a:spcPts val="0"/>
+              </a:spcAft>
+              <a:buNone/>
+            </a:pPr>
+            <a:r>
+              <a:t/>
+            </a:r>
+            <a:endParaRPr/>
+          </a:p>
+        </p:txBody>
+      </p:sp>
+    </p:spTree>
+  </p:cSld>
+  <p:clrMapOvr>
+    <a:masterClrMapping/>
+  </p:clrMapOvr>
+</p:notes>
+</file>
+
+<file path=ppt/notesSlides/notesSlide14.xml><?xml version="1.0" encoding="utf-8"?>
+<p:notes xmlns:a="http://schemas.openxmlformats.org/drawingml/2006/main" xmlns:r="http://schemas.openxmlformats.org/officeDocument/2006/relationships" xmlns:mc="http://schemas.openxmlformats.org/markup-compatibility/2006" xmlns:mv="urn:schemas-microsoft-com:mac:vml" xmlns:p="http://schemas.openxmlformats.org/presentationml/2006/main" xmlns:c="http://schemas.openxmlformats.org/drawingml/2006/chart" xmlns:dgm="http://schemas.openxmlformats.org/drawingml/2006/diagram" xmlns:o="urn:schemas-microsoft-com:office:office" xmlns:v="urn:schemas-microsoft-com:vml" xmlns:pvml="urn:schemas-microsoft-com:office:powerpoint" xmlns:com="http://schemas.openxmlformats.org/drawingml/2006/compatibility" xmlns:p14="http://schemas.microsoft.com/office/powerpoint/2010/main" xmlns:p15="http://schemas.microsoft.com/office/powerpoint/2012/main" xmlns:ahyp="http://schemas.microsoft.com/office/drawing/2018/hyperlinkcolor" showMasterPhAnim="0" showMasterSp="0">
+  <p:cSld>
+    <p:spTree>
+      <p:nvGrpSpPr>
+        <p:cNvPr id="183" name="Shape 183"/>
+        <p:cNvGrpSpPr/>
+        <p:nvPr/>
+      </p:nvGrpSpPr>
+      <p:grpSpPr>
+        <a:xfrm>
+          <a:off x="0" y="0"/>
+          <a:ext cx="0" cy="0"/>
+          <a:chOff x="0" y="0"/>
+          <a:chExt cx="0" cy="0"/>
+        </a:xfrm>
+      </p:grpSpPr>
+      <p:sp>
+        <p:nvSpPr>
+          <p:cNvPr id="184" name="Google Shape;184;g34fc09a2773_1_0:notes"/>
+          <p:cNvSpPr/>
+          <p:nvPr>
+            <p:ph idx="2" type="sldImg"/>
+          </p:nvPr>
+        </p:nvSpPr>
+        <p:spPr>
+          <a:xfrm>
+            <a:off x="381300" y="685800"/>
+            <a:ext cx="6096000" cy="3429000"/>
+          </a:xfrm>
+          <a:custGeom>
+            <a:rect b="b" l="l" r="r" t="t"/>
+            <a:pathLst>
+              <a:path extrusionOk="0" h="120000" w="120000">
+                <a:moveTo>
+                  <a:pt x="0" y="0"/>
+                </a:moveTo>
+                <a:lnTo>
+                  <a:pt x="120000" y="0"/>
+                </a:lnTo>
+                <a:lnTo>
+                  <a:pt x="120000" y="120000"/>
+                </a:lnTo>
+                <a:lnTo>
+                  <a:pt x="0" y="120000"/>
+                </a:lnTo>
+                <a:close/>
+              </a:path>
+            </a:pathLst>
+          </a:custGeom>
+        </p:spPr>
+      </p:sp>
+      <p:sp>
+        <p:nvSpPr>
+          <p:cNvPr id="185" name="Google Shape;185;g34fc09a2773_1_0:notes"/>
+          <p:cNvSpPr txBox="1"/>
+          <p:nvPr>
+            <p:ph idx="1" type="body"/>
+          </p:nvPr>
+        </p:nvSpPr>
+        <p:spPr>
+          <a:xfrm>
+            <a:off x="685800" y="4343400"/>
+            <a:ext cx="5486400" cy="4114800"/>
+          </a:xfrm>
+          <a:prstGeom prst="rect">
+            <a:avLst/>
+          </a:prstGeom>
+        </p:spPr>
+        <p:txBody>
+          <a:bodyPr anchorCtr="0" anchor="t" bIns="91425" lIns="91425" spcFirstLastPara="1" rIns="91425" wrap="square" tIns="91425">
+            <a:noAutofit/>
+          </a:bodyPr>
+          <a:lstStyle/>
+          <a:p>
+            <a:pPr indent="0" lvl="0" marL="0" marR="203200" rtl="0" algn="l">
+              <a:lnSpc>
+                <a:spcPct val="142857"/>
+              </a:lnSpc>
+              <a:spcBef>
+                <a:spcPts val="0"/>
+              </a:spcBef>
+              <a:spcAft>
+                <a:spcPts val="0"/>
+              </a:spcAft>
+              <a:buNone/>
+            </a:pPr>
+            <a:r>
+              <a:t/>
+            </a:r>
+            <a:endParaRPr sz="1050">
+              <a:solidFill>
+                <a:srgbClr val="444746"/>
+              </a:solidFill>
+              <a:latin typeface="Roboto"/>
+              <a:ea typeface="Roboto"/>
+              <a:cs typeface="Roboto"/>
+              <a:sym typeface="Roboto"/>
+            </a:endParaRPr>
+          </a:p>
+        </p:txBody>
+      </p:sp>
+    </p:spTree>
+  </p:cSld>
+  <p:clrMapOvr>
+    <a:masterClrMapping/>
+  </p:clrMapOvr>
+</p:notes>
+</file>
+
+<file path=ppt/notesSlides/notesSlide15.xml><?xml version="1.0" encoding="utf-8"?>
+<p:notes xmlns:a="http://schemas.openxmlformats.org/drawingml/2006/main" xmlns:r="http://schemas.openxmlformats.org/officeDocument/2006/relationships" xmlns:mc="http://schemas.openxmlformats.org/markup-compatibility/2006" xmlns:mv="urn:schemas-microsoft-com:mac:vml" xmlns:p="http://schemas.openxmlformats.org/presentationml/2006/main" xmlns:c="http://schemas.openxmlformats.org/drawingml/2006/chart" xmlns:dgm="http://schemas.openxmlformats.org/drawingml/2006/diagram" xmlns:o="urn:schemas-microsoft-com:office:office" xmlns:v="urn:schemas-microsoft-com:vml" xmlns:pvml="urn:schemas-microsoft-com:office:powerpoint" xmlns:com="http://schemas.openxmlformats.org/drawingml/2006/compatibility" xmlns:p14="http://schemas.microsoft.com/office/powerpoint/2010/main" xmlns:p15="http://schemas.microsoft.com/office/powerpoint/2012/main" xmlns:ahyp="http://schemas.microsoft.com/office/drawing/2018/hyperlinkcolor" showMasterPhAnim="0" showMasterSp="0">
+  <p:cSld>
+    <p:spTree>
+      <p:nvGrpSpPr>
+        <p:cNvPr id="192" name="Shape 192"/>
+        <p:cNvGrpSpPr/>
+        <p:nvPr/>
+      </p:nvGrpSpPr>
+      <p:grpSpPr>
+        <a:xfrm>
+          <a:off x="0" y="0"/>
+          <a:ext cx="0" cy="0"/>
+          <a:chOff x="0" y="0"/>
+          <a:chExt cx="0" cy="0"/>
+        </a:xfrm>
+      </p:grpSpPr>
+      <p:sp>
+        <p:nvSpPr>
+          <p:cNvPr id="193" name="Google Shape;193;g34f735a8a8f_0_202:notes"/>
+          <p:cNvSpPr/>
+          <p:nvPr>
+            <p:ph idx="2" type="sldImg"/>
+          </p:nvPr>
+        </p:nvSpPr>
+        <p:spPr>
+          <a:xfrm>
+            <a:off x="381300" y="685800"/>
+            <a:ext cx="6096000" cy="3429000"/>
+          </a:xfrm>
+          <a:custGeom>
+            <a:rect b="b" l="l" r="r" t="t"/>
+            <a:pathLst>
+              <a:path extrusionOk="0" h="120000" w="120000">
+                <a:moveTo>
+                  <a:pt x="0" y="0"/>
+                </a:moveTo>
+                <a:lnTo>
+                  <a:pt x="120000" y="0"/>
+                </a:lnTo>
+                <a:lnTo>
+                  <a:pt x="120000" y="120000"/>
+                </a:lnTo>
+                <a:lnTo>
+                  <a:pt x="0" y="120000"/>
+                </a:lnTo>
+                <a:close/>
+              </a:path>
+            </a:pathLst>
+          </a:custGeom>
+        </p:spPr>
+      </p:sp>
+      <p:sp>
+        <p:nvSpPr>
+          <p:cNvPr id="194" name="Google Shape;194;g34f735a8a8f_0_202:notes"/>
+          <p:cNvSpPr txBox="1"/>
+          <p:nvPr>
+            <p:ph idx="1" type="body"/>
+          </p:nvPr>
+        </p:nvSpPr>
+        <p:spPr>
+          <a:xfrm>
+            <a:off x="685800" y="4343400"/>
+            <a:ext cx="5486400" cy="4114800"/>
+          </a:xfrm>
+          <a:prstGeom prst="rect">
+            <a:avLst/>
+          </a:prstGeom>
+        </p:spPr>
+        <p:txBody>
+          <a:bodyPr anchorCtr="0" anchor="t" bIns="91425" lIns="91425" spcFirstLastPara="1" rIns="91425" wrap="square" tIns="91425">
+            <a:noAutofit/>
+          </a:bodyPr>
+          <a:lstStyle/>
+          <a:p>
+            <a:pPr indent="0" lvl="0" marL="0" rtl="0" algn="l">
+              <a:spcBef>
+                <a:spcPts val="0"/>
+              </a:spcBef>
+              <a:spcAft>
+                <a:spcPts val="0"/>
+              </a:spcAft>
+              <a:buNone/>
+            </a:pPr>
+            <a:r>
+              <a:t/>
+            </a:r>
+            <a:endParaRPr/>
+          </a:p>
+        </p:txBody>
+      </p:sp>
+    </p:spTree>
+  </p:cSld>
+  <p:clrMapOvr>
+    <a:masterClrMapping/>
+  </p:clrMapOvr>
+</p:notes>
+</file>
+
+<file path=ppt/notesSlides/notesSlide16.xml><?xml version="1.0" encoding="utf-8"?>
+<p:notes xmlns:a="http://schemas.openxmlformats.org/drawingml/2006/main" xmlns:r="http://schemas.openxmlformats.org/officeDocument/2006/relationships" xmlns:mc="http://schemas.openxmlformats.org/markup-compatibility/2006" xmlns:mv="urn:schemas-microsoft-com:mac:vml" xmlns:p="http://schemas.openxmlformats.org/presentationml/2006/main" xmlns:c="http://schemas.openxmlformats.org/drawingml/2006/chart" xmlns:dgm="http://schemas.openxmlformats.org/drawingml/2006/diagram" xmlns:o="urn:schemas-microsoft-com:office:office" xmlns:v="urn:schemas-microsoft-com:vml" xmlns:pvml="urn:schemas-microsoft-com:office:powerpoint" xmlns:com="http://schemas.openxmlformats.org/drawingml/2006/compatibility" xmlns:p14="http://schemas.microsoft.com/office/powerpoint/2010/main" xmlns:p15="http://schemas.microsoft.com/office/powerpoint/2012/main" xmlns:ahyp="http://schemas.microsoft.com/office/drawing/2018/hyperlinkcolor" showMasterPhAnim="0" showMasterSp="0">
+  <p:cSld>
+    <p:spTree>
+      <p:nvGrpSpPr>
+        <p:cNvPr id="198" name="Shape 198"/>
+        <p:cNvGrpSpPr/>
+        <p:nvPr/>
+      </p:nvGrpSpPr>
+      <p:grpSpPr>
+        <a:xfrm>
+          <a:off x="0" y="0"/>
+          <a:ext cx="0" cy="0"/>
+          <a:chOff x="0" y="0"/>
+          <a:chExt cx="0" cy="0"/>
+        </a:xfrm>
+      </p:grpSpPr>
+      <p:sp>
+        <p:nvSpPr>
+          <p:cNvPr id="199" name="Google Shape;199;g34f735a8a8f_0_197:notes"/>
+          <p:cNvSpPr/>
+          <p:nvPr>
+            <p:ph idx="2" type="sldImg"/>
+          </p:nvPr>
+        </p:nvSpPr>
+        <p:spPr>
+          <a:xfrm>
+            <a:off x="381300" y="685800"/>
+            <a:ext cx="6096000" cy="3429000"/>
+          </a:xfrm>
+          <a:custGeom>
+            <a:rect b="b" l="l" r="r" t="t"/>
+            <a:pathLst>
+              <a:path extrusionOk="0" h="120000" w="120000">
+                <a:moveTo>
+                  <a:pt x="0" y="0"/>
+                </a:moveTo>
+                <a:lnTo>
+                  <a:pt x="120000" y="0"/>
+                </a:lnTo>
+                <a:lnTo>
+                  <a:pt x="120000" y="120000"/>
+                </a:lnTo>
+                <a:lnTo>
+                  <a:pt x="0" y="120000"/>
+                </a:lnTo>
+                <a:close/>
+              </a:path>
+            </a:pathLst>
+          </a:custGeom>
+        </p:spPr>
+      </p:sp>
+      <p:sp>
+        <p:nvSpPr>
+          <p:cNvPr id="200" name="Google Shape;200;g34f735a8a8f_0_197:notes"/>
           <p:cNvSpPr txBox="1"/>
           <p:nvPr>
             <p:ph idx="1" type="body"/>
@@ -1429,7 +1875,8 @@
               <a:buNone/>
             </a:pPr>
             <a:r>
-              <a:t/>
+              <a:rPr lang="en-GB"/>
+              <a:t>Add bullets instead of table</a:t>
             </a:r>
             <a:endParaRPr/>
           </a:p>
@@ -1448,7 +1895,7 @@
   <p:cSld>
     <p:spTree>
       <p:nvGrpSpPr>
-        <p:cNvPr id="90" name="Shape 90"/>
+        <p:cNvPr id="89" name="Shape 89"/>
         <p:cNvGrpSpPr/>
         <p:nvPr/>
       </p:nvGrpSpPr>
@@ -1462,7 +1909,7 @@
       </p:grpSpPr>
       <p:sp>
         <p:nvSpPr>
-          <p:cNvPr id="91" name="Google Shape;91;g34f735a8a8f_0_18:notes"/>
+          <p:cNvPr id="90" name="Google Shape;90;g34f735a8a8f_0_18:notes"/>
           <p:cNvSpPr/>
           <p:nvPr>
             <p:ph idx="2" type="sldImg"/>
@@ -1497,7 +1944,7 @@
       </p:sp>
       <p:sp>
         <p:nvSpPr>
-          <p:cNvPr id="92" name="Google Shape;92;g34f735a8a8f_0_18:notes"/>
+          <p:cNvPr id="91" name="Google Shape;91;g34f735a8a8f_0_18:notes"/>
           <p:cNvSpPr txBox="1"/>
           <p:nvPr>
             <p:ph idx="1" type="body"/>
@@ -1518,17 +1965,70 @@
           </a:bodyPr>
           <a:lstStyle/>
           <a:p>
-            <a:pPr indent="0" lvl="0" marL="0" rtl="0" algn="l">
-              <a:spcBef>
-                <a:spcPts val="0"/>
-              </a:spcBef>
-              <a:spcAft>
-                <a:spcPts val="0"/>
-              </a:spcAft>
-              <a:buNone/>
+            <a:pPr indent="-298450" lvl="0" marL="457200" rtl="0" algn="l">
+              <a:spcBef>
+                <a:spcPts val="0"/>
+              </a:spcBef>
+              <a:spcAft>
+                <a:spcPts val="0"/>
+              </a:spcAft>
+              <a:buSzPts val="1100"/>
+              <a:buAutoNum type="arabicPeriod"/>
             </a:pPr>
             <a:r>
-              <a:t/>
+              <a:rPr lang="en-GB"/>
+              <a:t>Target = attrite</a:t>
+            </a:r>
+            <a:endParaRPr/>
+          </a:p>
+          <a:p>
+            <a:pPr indent="-298450" lvl="0" marL="457200" rtl="0" algn="l">
+              <a:spcBef>
+                <a:spcPts val="0"/>
+              </a:spcBef>
+              <a:spcAft>
+                <a:spcPts val="0"/>
+              </a:spcAft>
+              <a:buSzPts val="1100"/>
+              <a:buAutoNum type="arabicPeriod"/>
+            </a:pPr>
+            <a:r>
+              <a:rPr lang="en-GB"/>
+              <a:t>All attribute EDA with target</a:t>
+            </a:r>
+            <a:endParaRPr/>
+          </a:p>
+          <a:p>
+            <a:pPr indent="-298450" lvl="0" marL="457200" rtl="0" algn="l">
+              <a:spcBef>
+                <a:spcPts val="0"/>
+              </a:spcBef>
+              <a:spcAft>
+                <a:spcPts val="0"/>
+              </a:spcAft>
+              <a:buSzPts val="1100"/>
+              <a:buAutoNum type="arabicPeriod"/>
+            </a:pPr>
+            <a:r>
+              <a:rPr lang="en-GB"/>
+              <a:t>Add more plots (few positive and negative)</a:t>
+            </a:r>
+            <a:endParaRPr/>
+          </a:p>
+          <a:p>
+            <a:pPr indent="-298450" lvl="0" marL="457200" rtl="0" algn="l">
+              <a:spcBef>
+                <a:spcPts val="0"/>
+              </a:spcBef>
+              <a:spcAft>
+                <a:spcPts val="0"/>
+              </a:spcAft>
+              <a:buSzPts val="1100"/>
+              <a:buAutoNum type="arabicPeriod"/>
+            </a:pPr>
+            <a:r>
+              <a:rPr lang="en-GB"/>
+              <a:t>Data manupulatiion in new slide</a:t>
             </a:r>
             <a:endParaRPr/>
           </a:p>
@@ -1547,7 +2047,7 @@
   <p:cSld>
     <p:spTree>
       <p:nvGrpSpPr>
-        <p:cNvPr id="104" name="Shape 104"/>
+        <p:cNvPr id="102" name="Shape 102"/>
         <p:cNvGrpSpPr/>
         <p:nvPr/>
       </p:nvGrpSpPr>
@@ -1561,7 +2061,7 @@
       </p:grpSpPr>
       <p:sp>
         <p:nvSpPr>
-          <p:cNvPr id="105" name="Google Shape;105;g34f735a8a8f_0_40:notes"/>
+          <p:cNvPr id="103" name="Google Shape;103;g34fc09a2773_3_32:notes"/>
           <p:cNvSpPr/>
           <p:nvPr>
             <p:ph idx="2" type="sldImg"/>
@@ -1596,7 +2096,7 @@
       </p:sp>
       <p:sp>
         <p:nvSpPr>
-          <p:cNvPr id="106" name="Google Shape;106;g34f735a8a8f_0_40:notes"/>
+          <p:cNvPr id="104" name="Google Shape;104;g34fc09a2773_3_32:notes"/>
           <p:cNvSpPr txBox="1"/>
           <p:nvPr>
             <p:ph idx="1" type="body"/>
@@ -1617,17 +2117,70 @@
           </a:bodyPr>
           <a:lstStyle/>
           <a:p>
-            <a:pPr indent="0" lvl="0" marL="0" rtl="0" algn="l">
-              <a:spcBef>
-                <a:spcPts val="0"/>
-              </a:spcBef>
-              <a:spcAft>
-                <a:spcPts val="0"/>
-              </a:spcAft>
-              <a:buNone/>
+            <a:pPr indent="-298450" lvl="0" marL="457200" rtl="0" algn="l">
+              <a:spcBef>
+                <a:spcPts val="0"/>
+              </a:spcBef>
+              <a:spcAft>
+                <a:spcPts val="0"/>
+              </a:spcAft>
+              <a:buSzPts val="1100"/>
+              <a:buAutoNum type="arabicPeriod"/>
             </a:pPr>
             <a:r>
-              <a:t/>
+              <a:rPr lang="en-GB"/>
+              <a:t>Target = attrite</a:t>
+            </a:r>
+            <a:endParaRPr/>
+          </a:p>
+          <a:p>
+            <a:pPr indent="-298450" lvl="0" marL="457200" rtl="0" algn="l">
+              <a:spcBef>
+                <a:spcPts val="0"/>
+              </a:spcBef>
+              <a:spcAft>
+                <a:spcPts val="0"/>
+              </a:spcAft>
+              <a:buSzPts val="1100"/>
+              <a:buAutoNum type="arabicPeriod"/>
+            </a:pPr>
+            <a:r>
+              <a:rPr lang="en-GB"/>
+              <a:t>All attribute EDA with target</a:t>
+            </a:r>
+            <a:endParaRPr/>
+          </a:p>
+          <a:p>
+            <a:pPr indent="-298450" lvl="0" marL="457200" rtl="0" algn="l">
+              <a:spcBef>
+                <a:spcPts val="0"/>
+              </a:spcBef>
+              <a:spcAft>
+                <a:spcPts val="0"/>
+              </a:spcAft>
+              <a:buSzPts val="1100"/>
+              <a:buAutoNum type="arabicPeriod"/>
+            </a:pPr>
+            <a:r>
+              <a:rPr lang="en-GB"/>
+              <a:t>Add more plots (few positive and negative)</a:t>
+            </a:r>
+            <a:endParaRPr/>
+          </a:p>
+          <a:p>
+            <a:pPr indent="-298450" lvl="0" marL="457200" rtl="0" algn="l">
+              <a:spcBef>
+                <a:spcPts val="0"/>
+              </a:spcBef>
+              <a:spcAft>
+                <a:spcPts val="0"/>
+              </a:spcAft>
+              <a:buSzPts val="1100"/>
+              <a:buAutoNum type="arabicPeriod"/>
+            </a:pPr>
+            <a:r>
+              <a:rPr lang="en-GB"/>
+              <a:t>Data manupulatiion in new slide</a:t>
             </a:r>
             <a:endParaRPr/>
           </a:p>
@@ -1646,7 +2199,7 @@
   <p:cSld>
     <p:spTree>
       <p:nvGrpSpPr>
-        <p:cNvPr id="113" name="Shape 113"/>
+        <p:cNvPr id="115" name="Shape 115"/>
         <p:cNvGrpSpPr/>
         <p:nvPr/>
       </p:nvGrpSpPr>
@@ -1660,7 +2213,7 @@
       </p:grpSpPr>
       <p:sp>
         <p:nvSpPr>
-          <p:cNvPr id="114" name="Google Shape;114;g33fb4d4ce2f_0_26:notes"/>
+          <p:cNvPr id="116" name="Google Shape;116;g34fc09a2773_3_27:notes"/>
           <p:cNvSpPr/>
           <p:nvPr>
             <p:ph idx="2" type="sldImg"/>
@@ -1695,7 +2248,7 @@
       </p:sp>
       <p:sp>
         <p:nvSpPr>
-          <p:cNvPr id="115" name="Google Shape;115;g33fb4d4ce2f_0_26:notes"/>
+          <p:cNvPr id="117" name="Google Shape;117;g34fc09a2773_3_27:notes"/>
           <p:cNvSpPr txBox="1"/>
           <p:nvPr>
             <p:ph idx="1" type="body"/>
@@ -1759,7 +2312,7 @@
       </p:grpSpPr>
       <p:sp>
         <p:nvSpPr>
-          <p:cNvPr id="123" name="Google Shape;123;g34f801ad995_0_0:notes"/>
+          <p:cNvPr id="123" name="Google Shape;123;g34f735a8a8f_3_21:notes"/>
           <p:cNvSpPr/>
           <p:nvPr>
             <p:ph idx="2" type="sldImg"/>
@@ -1794,7 +2347,7 @@
       </p:sp>
       <p:sp>
         <p:nvSpPr>
-          <p:cNvPr id="124" name="Google Shape;124;g34f801ad995_0_0:notes"/>
+          <p:cNvPr id="124" name="Google Shape;124;g34f735a8a8f_3_21:notes"/>
           <p:cNvSpPr txBox="1"/>
           <p:nvPr>
             <p:ph idx="1" type="body"/>
@@ -1825,7 +2378,8 @@
               <a:buNone/>
             </a:pPr>
             <a:r>
-              <a:t/>
+              <a:rPr lang="en-GB"/>
+              <a:t>Put it in the main deck, put bullet points also, top 5 posive and negative factors</a:t>
             </a:r>
             <a:endParaRPr/>
           </a:p>
@@ -1844,7 +2398,7 @@
   <p:cSld>
     <p:spTree>
       <p:nvGrpSpPr>
-        <p:cNvPr id="130" name="Shape 130"/>
+        <p:cNvPr id="129" name="Shape 129"/>
         <p:cNvGrpSpPr/>
         <p:nvPr/>
       </p:nvGrpSpPr>
@@ -1858,7 +2412,7 @@
       </p:grpSpPr>
       <p:sp>
         <p:nvSpPr>
-          <p:cNvPr id="131" name="Google Shape;131;g34fc09a2773_1_0:notes"/>
+          <p:cNvPr id="130" name="Google Shape;130;g34f735a8a8f_0_40:notes"/>
           <p:cNvSpPr/>
           <p:nvPr>
             <p:ph idx="2" type="sldImg"/>
@@ -1893,7 +2447,7 @@
       </p:sp>
       <p:sp>
         <p:nvSpPr>
-          <p:cNvPr id="132" name="Google Shape;132;g34fc09a2773_1_0:notes"/>
+          <p:cNvPr id="131" name="Google Shape;131;g34f735a8a8f_0_40:notes"/>
           <p:cNvSpPr txBox="1"/>
           <p:nvPr>
             <p:ph idx="1" type="body"/>
@@ -1914,10 +2468,7 @@
           </a:bodyPr>
           <a:lstStyle/>
           <a:p>
-            <a:pPr indent="0" lvl="0" marL="0" marR="203200" rtl="0" algn="l">
-              <a:lnSpc>
-                <a:spcPct val="142857"/>
-              </a:lnSpc>
+            <a:pPr indent="0" lvl="0" marL="0" rtl="0" algn="l">
               <a:spcBef>
                 <a:spcPts val="0"/>
               </a:spcBef>
@@ -1927,17 +2478,18 @@
               <a:buNone/>
             </a:pPr>
             <a:r>
-              <a:t/>
-            </a:r>
-            <a:endParaRPr sz="1050">
-              <a:solidFill>
-                <a:srgbClr val="444746"/>
-              </a:solidFill>
-              <a:latin typeface="Roboto"/>
-              <a:ea typeface="Roboto"/>
-              <a:cs typeface="Roboto"/>
-              <a:sym typeface="Roboto"/>
-            </a:endParaRPr>
+              <a:rPr lang="en-GB"/>
+              <a:t>Call out all the modelling we did and </a:t>
+            </a:r>
+            <a:r>
+              <a:rPr lang="en-GB"/>
+              <a:t>ensemble</a:t>
+            </a:r>
+            <a:r>
+              <a:rPr lang="en-GB"/>
+              <a:t> model also</a:t>
+            </a:r>
+            <a:endParaRPr/>
           </a:p>
         </p:txBody>
       </p:sp>
@@ -1954,7 +2506,7 @@
   <p:cSld>
     <p:spTree>
       <p:nvGrpSpPr>
-        <p:cNvPr id="139" name="Shape 139"/>
+        <p:cNvPr id="138" name="Shape 138"/>
         <p:cNvGrpSpPr/>
         <p:nvPr/>
       </p:nvGrpSpPr>
@@ -1968,7 +2520,7 @@
       </p:grpSpPr>
       <p:sp>
         <p:nvSpPr>
-          <p:cNvPr id="140" name="Google Shape;140;g34f735a8a8f_3_21:notes"/>
+          <p:cNvPr id="139" name="Google Shape;139;g351104f7db1_3_9:notes"/>
           <p:cNvSpPr/>
           <p:nvPr>
             <p:ph idx="2" type="sldImg"/>
@@ -2003,7 +2555,7 @@
       </p:sp>
       <p:sp>
         <p:nvSpPr>
-          <p:cNvPr id="141" name="Google Shape;141;g34f735a8a8f_3_21:notes"/>
+          <p:cNvPr id="140" name="Google Shape;140;g351104f7db1_3_9:notes"/>
           <p:cNvSpPr txBox="1"/>
           <p:nvPr>
             <p:ph idx="1" type="body"/>
@@ -2023,6 +2575,35 @@
             <a:noAutofit/>
           </a:bodyPr>
           <a:lstStyle/>
+          <a:p>
+            <a:pPr indent="0" lvl="0" marL="0" rtl="0" algn="l">
+              <a:spcBef>
+                <a:spcPts val="0"/>
+              </a:spcBef>
+              <a:spcAft>
+                <a:spcPts val="0"/>
+              </a:spcAft>
+              <a:buClr>
+                <a:schemeClr val="dk1"/>
+              </a:buClr>
+              <a:buSzPts val="1100"/>
+              <a:buFont typeface="Arial"/>
+              <a:buNone/>
+            </a:pPr>
+            <a:r>
+              <a:rPr lang="en-GB">
+                <a:solidFill>
+                  <a:schemeClr val="dk1"/>
+                </a:solidFill>
+              </a:rPr>
+              <a:t>Put it in main deck , compers in table</a:t>
+            </a:r>
+            <a:endParaRPr>
+              <a:solidFill>
+                <a:schemeClr val="dk1"/>
+              </a:solidFill>
+            </a:endParaRPr>
+          </a:p>
           <a:p>
             <a:pPr indent="0" lvl="0" marL="0" rtl="0" algn="l">
               <a:spcBef>
@@ -9101,7 +9682,1814 @@
   <p:cSld>
     <p:spTree>
       <p:nvGrpSpPr>
-        <p:cNvPr id="148" name="Shape 148"/>
+        <p:cNvPr id="150" name="Shape 150"/>
+        <p:cNvGrpSpPr/>
+        <p:nvPr/>
+      </p:nvGrpSpPr>
+      <p:grpSpPr>
+        <a:xfrm>
+          <a:off x="0" y="0"/>
+          <a:ext cx="0" cy="0"/>
+          <a:chOff x="0" y="0"/>
+          <a:chExt cx="0" cy="0"/>
+        </a:xfrm>
+      </p:grpSpPr>
+      <p:pic>
+        <p:nvPicPr>
+          <p:cNvPr id="151" name="Google Shape;151;p23"/>
+          <p:cNvPicPr preferRelativeResize="0"/>
+          <p:nvPr/>
+        </p:nvPicPr>
+        <p:blipFill rotWithShape="1">
+          <a:blip r:embed="rId3">
+            <a:alphaModFix/>
+          </a:blip>
+          <a:srcRect b="0" l="49078" r="0" t="12411"/>
+          <a:stretch/>
+        </p:blipFill>
+        <p:spPr>
+          <a:xfrm>
+            <a:off x="4031850" y="1199875"/>
+            <a:ext cx="4500977" cy="3587426"/>
+          </a:xfrm>
+          <a:prstGeom prst="rect">
+            <a:avLst/>
+          </a:prstGeom>
+          <a:noFill/>
+          <a:ln>
+            <a:noFill/>
+          </a:ln>
+        </p:spPr>
+      </p:pic>
+      <p:pic>
+        <p:nvPicPr>
+          <p:cNvPr id="152" name="Google Shape;152;p23"/>
+          <p:cNvPicPr preferRelativeResize="0"/>
+          <p:nvPr/>
+        </p:nvPicPr>
+        <p:blipFill rotWithShape="1">
+          <a:blip r:embed="rId4">
+            <a:alphaModFix/>
+          </a:blip>
+          <a:srcRect b="2413" l="75755" r="0" t="92010"/>
+          <a:stretch/>
+        </p:blipFill>
+        <p:spPr>
+          <a:xfrm>
+            <a:off x="8157393" y="57007"/>
+            <a:ext cx="1003925" cy="246351"/>
+          </a:xfrm>
+          <a:prstGeom prst="rect">
+            <a:avLst/>
+          </a:prstGeom>
+          <a:noFill/>
+          <a:ln>
+            <a:noFill/>
+          </a:ln>
+        </p:spPr>
+      </p:pic>
+      <p:graphicFrame>
+        <p:nvGraphicFramePr>
+          <p:cNvPr id="153" name="Google Shape;153;p23"/>
+          <p:cNvGraphicFramePr/>
+          <p:nvPr/>
+        </p:nvGraphicFramePr>
+        <p:xfrm>
+          <a:off x="1023025" y="1924225"/>
+          <a:ext cx="3000000" cy="3000000"/>
+        </p:xfrm>
+        <a:graphic>
+          <a:graphicData uri="http://schemas.openxmlformats.org/drawingml/2006/table">
+            <a:tbl>
+              <a:tblPr>
+                <a:noFill/>
+                <a:tableStyleId>{D6A7A21B-003F-455C-A127-CE841FBD6F3E}</a:tableStyleId>
+              </a:tblPr>
+              <a:tblGrid>
+                <a:gridCol w="1163975"/>
+                <a:gridCol w="1019750"/>
+              </a:tblGrid>
+              <a:tr h="352100">
+                <a:tc>
+                  <a:txBody>
+                    <a:bodyPr/>
+                    <a:lstStyle/>
+                    <a:p>
+                      <a:pPr indent="0" lvl="0" marL="0" rtl="0" algn="l">
+                        <a:spcBef>
+                          <a:spcPts val="0"/>
+                        </a:spcBef>
+                        <a:spcAft>
+                          <a:spcPts val="0"/>
+                        </a:spcAft>
+                        <a:buNone/>
+                      </a:pPr>
+                      <a:r>
+                        <a:rPr b="1" lang="en-GB"/>
+                        <a:t>Metric</a:t>
+                      </a:r>
+                      <a:endParaRPr b="1"/>
+                    </a:p>
+                  </a:txBody>
+                  <a:tcPr marT="91425" marB="91425" marR="91425" marL="91425"/>
+                </a:tc>
+                <a:tc>
+                  <a:txBody>
+                    <a:bodyPr/>
+                    <a:lstStyle/>
+                    <a:p>
+                      <a:pPr indent="0" lvl="0" marL="0" rtl="0" algn="l">
+                        <a:spcBef>
+                          <a:spcPts val="0"/>
+                        </a:spcBef>
+                        <a:spcAft>
+                          <a:spcPts val="0"/>
+                        </a:spcAft>
+                        <a:buNone/>
+                      </a:pPr>
+                      <a:r>
+                        <a:rPr b="1" lang="en-GB"/>
+                        <a:t>Score</a:t>
+                      </a:r>
+                      <a:endParaRPr b="1"/>
+                    </a:p>
+                  </a:txBody>
+                  <a:tcPr marT="91425" marB="91425" marR="91425" marL="91425"/>
+                </a:tc>
+              </a:tr>
+              <a:tr h="352100">
+                <a:tc>
+                  <a:txBody>
+                    <a:bodyPr/>
+                    <a:lstStyle/>
+                    <a:p>
+                      <a:pPr indent="0" lvl="0" marL="0" rtl="0" algn="l">
+                        <a:spcBef>
+                          <a:spcPts val="0"/>
+                        </a:spcBef>
+                        <a:spcAft>
+                          <a:spcPts val="0"/>
+                        </a:spcAft>
+                        <a:buNone/>
+                      </a:pPr>
+                      <a:r>
+                        <a:rPr lang="en-GB"/>
+                        <a:t>Precision</a:t>
+                      </a:r>
+                      <a:endParaRPr/>
+                    </a:p>
+                  </a:txBody>
+                  <a:tcPr marT="91425" marB="91425" marR="91425" marL="91425"/>
+                </a:tc>
+                <a:tc>
+                  <a:txBody>
+                    <a:bodyPr/>
+                    <a:lstStyle/>
+                    <a:p>
+                      <a:pPr indent="0" lvl="0" marL="0" rtl="0" algn="l">
+                        <a:spcBef>
+                          <a:spcPts val="0"/>
+                        </a:spcBef>
+                        <a:spcAft>
+                          <a:spcPts val="0"/>
+                        </a:spcAft>
+                        <a:buNone/>
+                      </a:pPr>
+                      <a:r>
+                        <a:rPr lang="en-GB"/>
+                        <a:t>0.50</a:t>
+                      </a:r>
+                      <a:endParaRPr/>
+                    </a:p>
+                  </a:txBody>
+                  <a:tcPr marT="91425" marB="91425" marR="91425" marL="91425"/>
+                </a:tc>
+              </a:tr>
+              <a:tr h="352100">
+                <a:tc>
+                  <a:txBody>
+                    <a:bodyPr/>
+                    <a:lstStyle/>
+                    <a:p>
+                      <a:pPr indent="0" lvl="0" marL="0" rtl="0" algn="l">
+                        <a:spcBef>
+                          <a:spcPts val="0"/>
+                        </a:spcBef>
+                        <a:spcAft>
+                          <a:spcPts val="0"/>
+                        </a:spcAft>
+                        <a:buNone/>
+                      </a:pPr>
+                      <a:r>
+                        <a:rPr lang="en-GB"/>
+                        <a:t>Recall </a:t>
+                      </a:r>
+                      <a:endParaRPr/>
+                    </a:p>
+                  </a:txBody>
+                  <a:tcPr marT="91425" marB="91425" marR="91425" marL="91425"/>
+                </a:tc>
+                <a:tc>
+                  <a:txBody>
+                    <a:bodyPr/>
+                    <a:lstStyle/>
+                    <a:p>
+                      <a:pPr indent="0" lvl="0" marL="0" rtl="0" algn="l">
+                        <a:spcBef>
+                          <a:spcPts val="0"/>
+                        </a:spcBef>
+                        <a:spcAft>
+                          <a:spcPts val="0"/>
+                        </a:spcAft>
+                        <a:buNone/>
+                      </a:pPr>
+                      <a:r>
+                        <a:rPr lang="en-GB"/>
+                        <a:t>0.50</a:t>
+                      </a:r>
+                      <a:endParaRPr/>
+                    </a:p>
+                  </a:txBody>
+                  <a:tcPr marT="91425" marB="91425" marR="91425" marL="91425"/>
+                </a:tc>
+              </a:tr>
+              <a:tr h="352100">
+                <a:tc>
+                  <a:txBody>
+                    <a:bodyPr/>
+                    <a:lstStyle/>
+                    <a:p>
+                      <a:pPr indent="0" lvl="0" marL="0" rtl="0" algn="l">
+                        <a:spcBef>
+                          <a:spcPts val="0"/>
+                        </a:spcBef>
+                        <a:spcAft>
+                          <a:spcPts val="0"/>
+                        </a:spcAft>
+                        <a:buNone/>
+                      </a:pPr>
+                      <a:r>
+                        <a:rPr lang="en-GB"/>
+                        <a:t>F1 Score</a:t>
+                      </a:r>
+                      <a:endParaRPr/>
+                    </a:p>
+                  </a:txBody>
+                  <a:tcPr marT="91425" marB="91425" marR="91425" marL="91425"/>
+                </a:tc>
+                <a:tc>
+                  <a:txBody>
+                    <a:bodyPr/>
+                    <a:lstStyle/>
+                    <a:p>
+                      <a:pPr indent="0" lvl="0" marL="0" rtl="0" algn="l">
+                        <a:spcBef>
+                          <a:spcPts val="0"/>
+                        </a:spcBef>
+                        <a:spcAft>
+                          <a:spcPts val="0"/>
+                        </a:spcAft>
+                        <a:buNone/>
+                      </a:pPr>
+                      <a:r>
+                        <a:rPr lang="en-GB"/>
+                        <a:t>0.50</a:t>
+                      </a:r>
+                      <a:endParaRPr/>
+                    </a:p>
+                  </a:txBody>
+                  <a:tcPr marT="91425" marB="91425" marR="91425" marL="91425"/>
+                </a:tc>
+              </a:tr>
+              <a:tr h="352100">
+                <a:tc>
+                  <a:txBody>
+                    <a:bodyPr/>
+                    <a:lstStyle/>
+                    <a:p>
+                      <a:pPr indent="0" lvl="0" marL="0" rtl="0" algn="l">
+                        <a:spcBef>
+                          <a:spcPts val="0"/>
+                        </a:spcBef>
+                        <a:spcAft>
+                          <a:spcPts val="0"/>
+                        </a:spcAft>
+                        <a:buNone/>
+                      </a:pPr>
+                      <a:r>
+                        <a:rPr lang="en-GB"/>
+                        <a:t>AUC ROC</a:t>
+                      </a:r>
+                      <a:endParaRPr/>
+                    </a:p>
+                  </a:txBody>
+                  <a:tcPr marT="91425" marB="91425" marR="91425" marL="91425"/>
+                </a:tc>
+                <a:tc>
+                  <a:txBody>
+                    <a:bodyPr/>
+                    <a:lstStyle/>
+                    <a:p>
+                      <a:pPr indent="0" lvl="0" marL="0" rtl="0" algn="l">
+                        <a:spcBef>
+                          <a:spcPts val="0"/>
+                        </a:spcBef>
+                        <a:spcAft>
+                          <a:spcPts val="0"/>
+                        </a:spcAft>
+                        <a:buNone/>
+                      </a:pPr>
+                      <a:r>
+                        <a:rPr lang="en-GB"/>
+                        <a:t>0.79</a:t>
+                      </a:r>
+                      <a:endParaRPr/>
+                    </a:p>
+                  </a:txBody>
+                  <a:tcPr marT="91425" marB="91425" marR="91425" marL="91425"/>
+                </a:tc>
+              </a:tr>
+            </a:tbl>
+          </a:graphicData>
+        </a:graphic>
+      </p:graphicFrame>
+      <p:sp>
+        <p:nvSpPr>
+          <p:cNvPr id="154" name="Google Shape;154;p23"/>
+          <p:cNvSpPr txBox="1"/>
+          <p:nvPr>
+            <p:ph type="title"/>
+          </p:nvPr>
+        </p:nvSpPr>
+        <p:spPr>
+          <a:xfrm>
+            <a:off x="311700" y="216425"/>
+            <a:ext cx="8520600" cy="572700"/>
+          </a:xfrm>
+          <a:prstGeom prst="rect">
+            <a:avLst/>
+          </a:prstGeom>
+        </p:spPr>
+        <p:txBody>
+          <a:bodyPr anchorCtr="0" anchor="t" bIns="91425" lIns="91425" spcFirstLastPara="1" rIns="91425" wrap="square" tIns="91425">
+            <a:normAutofit fontScale="90000"/>
+          </a:bodyPr>
+          <a:lstStyle/>
+          <a:p>
+            <a:pPr indent="0" lvl="0" marL="0" rtl="0" algn="l">
+              <a:spcBef>
+                <a:spcPts val="0"/>
+              </a:spcBef>
+              <a:spcAft>
+                <a:spcPts val="0"/>
+              </a:spcAft>
+              <a:buNone/>
+            </a:pPr>
+            <a:r>
+              <a:rPr b="1" lang="en-GB">
+                <a:latin typeface="Inter"/>
+                <a:ea typeface="Inter"/>
+                <a:cs typeface="Inter"/>
+                <a:sym typeface="Inter"/>
+              </a:rPr>
+              <a:t>Evaluation</a:t>
+            </a:r>
+            <a:r>
+              <a:rPr b="1" lang="en-GB">
+                <a:latin typeface="Inter"/>
+                <a:ea typeface="Inter"/>
+                <a:cs typeface="Inter"/>
+                <a:sym typeface="Inter"/>
+              </a:rPr>
+              <a:t> Set Performance</a:t>
+            </a:r>
+            <a:endParaRPr b="1">
+              <a:latin typeface="Inter"/>
+              <a:ea typeface="Inter"/>
+              <a:cs typeface="Inter"/>
+              <a:sym typeface="Inter"/>
+            </a:endParaRPr>
+          </a:p>
+        </p:txBody>
+      </p:sp>
+      <p:cxnSp>
+        <p:nvCxnSpPr>
+          <p:cNvPr id="155" name="Google Shape;155;p23"/>
+          <p:cNvCxnSpPr/>
+          <p:nvPr/>
+        </p:nvCxnSpPr>
+        <p:spPr>
+          <a:xfrm>
+            <a:off x="164825" y="797944"/>
+            <a:ext cx="8842200" cy="9300"/>
+          </a:xfrm>
+          <a:prstGeom prst="straightConnector1">
+            <a:avLst/>
+          </a:prstGeom>
+          <a:noFill/>
+          <a:ln cap="flat" cmpd="sng" w="9525">
+            <a:solidFill>
+              <a:srgbClr val="B7B7B7"/>
+            </a:solidFill>
+            <a:prstDash val="dash"/>
+            <a:round/>
+            <a:headEnd len="sm" w="sm" type="none"/>
+            <a:tailEnd len="sm" w="sm" type="none"/>
+          </a:ln>
+        </p:spPr>
+      </p:cxnSp>
+    </p:spTree>
+  </p:cSld>
+  <p:clrMapOvr>
+    <a:masterClrMapping/>
+  </p:clrMapOvr>
+</p:sld>
+</file>
+
+<file path=ppt/slides/slide11.xml><?xml version="1.0" encoding="utf-8"?>
+<p:sld xmlns:a="http://schemas.openxmlformats.org/drawingml/2006/main" xmlns:r="http://schemas.openxmlformats.org/officeDocument/2006/relationships" xmlns:mc="http://schemas.openxmlformats.org/markup-compatibility/2006" xmlns:mv="urn:schemas-microsoft-com:mac:vml" xmlns:p="http://schemas.openxmlformats.org/presentationml/2006/main" xmlns:c="http://schemas.openxmlformats.org/drawingml/2006/chart" xmlns:dgm="http://schemas.openxmlformats.org/drawingml/2006/diagram" xmlns:o="urn:schemas-microsoft-com:office:office" xmlns:v="urn:schemas-microsoft-com:vml" xmlns:pvml="urn:schemas-microsoft-com:office:powerpoint" xmlns:com="http://schemas.openxmlformats.org/drawingml/2006/compatibility" xmlns:p14="http://schemas.microsoft.com/office/powerpoint/2010/main" xmlns:p15="http://schemas.microsoft.com/office/powerpoint/2012/main" xmlns:ahyp="http://schemas.microsoft.com/office/drawing/2018/hyperlinkcolor">
+  <p:cSld>
+    <p:spTree>
+      <p:nvGrpSpPr>
+        <p:cNvPr id="159" name="Shape 159"/>
+        <p:cNvGrpSpPr/>
+        <p:nvPr/>
+      </p:nvGrpSpPr>
+      <p:grpSpPr>
+        <a:xfrm>
+          <a:off x="0" y="0"/>
+          <a:ext cx="0" cy="0"/>
+          <a:chOff x="0" y="0"/>
+          <a:chExt cx="0" cy="0"/>
+        </a:xfrm>
+      </p:grpSpPr>
+      <p:sp>
+        <p:nvSpPr>
+          <p:cNvPr id="160" name="Google Shape;160;p24"/>
+          <p:cNvSpPr txBox="1"/>
+          <p:nvPr>
+            <p:ph idx="1" type="body"/>
+          </p:nvPr>
+        </p:nvSpPr>
+        <p:spPr>
+          <a:xfrm>
+            <a:off x="164825" y="797950"/>
+            <a:ext cx="8520600" cy="2792700"/>
+          </a:xfrm>
+          <a:prstGeom prst="rect">
+            <a:avLst/>
+          </a:prstGeom>
+          <a:solidFill>
+            <a:schemeClr val="lt1"/>
+          </a:solidFill>
+          <a:effectLst>
+            <a:outerShdw blurRad="57150" rotWithShape="0" algn="bl" dir="5400000" dist="19050">
+              <a:srgbClr val="000000">
+                <a:alpha val="50000"/>
+              </a:srgbClr>
+            </a:outerShdw>
+          </a:effectLst>
+        </p:spPr>
+        <p:txBody>
+          <a:bodyPr anchorCtr="0" anchor="t" bIns="91425" lIns="91425" spcFirstLastPara="1" rIns="91425" wrap="square" tIns="91425">
+            <a:normAutofit/>
+          </a:bodyPr>
+          <a:lstStyle/>
+          <a:p>
+            <a:pPr indent="0" lvl="0" marL="0" rtl="0" algn="l">
+              <a:lnSpc>
+                <a:spcPct val="122222"/>
+              </a:lnSpc>
+              <a:spcBef>
+                <a:spcPts val="0"/>
+              </a:spcBef>
+              <a:spcAft>
+                <a:spcPts val="0"/>
+              </a:spcAft>
+              <a:buNone/>
+            </a:pPr>
+            <a:r>
+              <a:t/>
+            </a:r>
+            <a:endParaRPr sz="1400">
+              <a:solidFill>
+                <a:srgbClr val="202124"/>
+              </a:solidFill>
+            </a:endParaRPr>
+          </a:p>
+          <a:p>
+            <a:pPr indent="0" lvl="0" marL="0" rtl="0" algn="l">
+              <a:lnSpc>
+                <a:spcPct val="122222"/>
+              </a:lnSpc>
+              <a:spcBef>
+                <a:spcPts val="1200"/>
+              </a:spcBef>
+              <a:spcAft>
+                <a:spcPts val="1200"/>
+              </a:spcAft>
+              <a:buNone/>
+            </a:pPr>
+            <a:r>
+              <a:t/>
+            </a:r>
+            <a:endParaRPr sz="1400">
+              <a:solidFill>
+                <a:srgbClr val="202124"/>
+              </a:solidFill>
+            </a:endParaRPr>
+          </a:p>
+        </p:txBody>
+      </p:sp>
+      <p:sp>
+        <p:nvSpPr>
+          <p:cNvPr id="161" name="Google Shape;161;p24"/>
+          <p:cNvSpPr txBox="1"/>
+          <p:nvPr>
+            <p:ph idx="1" type="body"/>
+          </p:nvPr>
+        </p:nvSpPr>
+        <p:spPr>
+          <a:xfrm>
+            <a:off x="311700" y="859900"/>
+            <a:ext cx="8520600" cy="2442000"/>
+          </a:xfrm>
+          <a:prstGeom prst="rect">
+            <a:avLst/>
+          </a:prstGeom>
+        </p:spPr>
+        <p:txBody>
+          <a:bodyPr anchorCtr="0" anchor="t" bIns="91425" lIns="91425" spcFirstLastPara="1" rIns="91425" wrap="square" tIns="91425">
+            <a:noAutofit/>
+          </a:bodyPr>
+          <a:lstStyle/>
+          <a:p>
+            <a:pPr indent="0" lvl="0" marL="0" rtl="0" algn="l">
+              <a:spcBef>
+                <a:spcPts val="0"/>
+              </a:spcBef>
+              <a:spcAft>
+                <a:spcPts val="0"/>
+              </a:spcAft>
+              <a:buNone/>
+            </a:pPr>
+            <a:r>
+              <a:rPr b="1" lang="en-GB" sz="1400">
+                <a:solidFill>
+                  <a:schemeClr val="dk1"/>
+                </a:solidFill>
+              </a:rPr>
+              <a:t>Most influencing factors in the model</a:t>
+            </a:r>
+            <a:endParaRPr b="1" sz="1400">
+              <a:solidFill>
+                <a:schemeClr val="dk1"/>
+              </a:solidFill>
+            </a:endParaRPr>
+          </a:p>
+          <a:p>
+            <a:pPr indent="-317500" lvl="0" marL="457200" rtl="0" algn="l">
+              <a:spcBef>
+                <a:spcPts val="0"/>
+              </a:spcBef>
+              <a:spcAft>
+                <a:spcPts val="0"/>
+              </a:spcAft>
+              <a:buClr>
+                <a:schemeClr val="dk1"/>
+              </a:buClr>
+              <a:buSzPts val="1400"/>
+              <a:buChar char="●"/>
+            </a:pPr>
+            <a:r>
+              <a:rPr lang="en-GB" sz="1400">
+                <a:solidFill>
+                  <a:schemeClr val="dk1"/>
+                </a:solidFill>
+              </a:rPr>
+              <a:t>JobHopRate, OverTime are the most influencing factors</a:t>
+            </a:r>
+            <a:endParaRPr sz="1400">
+              <a:solidFill>
+                <a:schemeClr val="dk1"/>
+              </a:solidFill>
+            </a:endParaRPr>
+          </a:p>
+          <a:p>
+            <a:pPr indent="0" lvl="0" marL="0" rtl="0" algn="l">
+              <a:spcBef>
+                <a:spcPts val="0"/>
+              </a:spcBef>
+              <a:spcAft>
+                <a:spcPts val="0"/>
+              </a:spcAft>
+              <a:buNone/>
+            </a:pPr>
+            <a:r>
+              <a:t/>
+            </a:r>
+            <a:endParaRPr b="1" sz="1400">
+              <a:solidFill>
+                <a:schemeClr val="dk1"/>
+              </a:solidFill>
+            </a:endParaRPr>
+          </a:p>
+          <a:p>
+            <a:pPr indent="0" lvl="0" marL="0" rtl="0" algn="l">
+              <a:spcBef>
+                <a:spcPts val="0"/>
+              </a:spcBef>
+              <a:spcAft>
+                <a:spcPts val="0"/>
+              </a:spcAft>
+              <a:buNone/>
+            </a:pPr>
+            <a:r>
+              <a:rPr b="1" lang="en-GB" sz="1400">
+                <a:solidFill>
+                  <a:schemeClr val="dk1"/>
+                </a:solidFill>
+              </a:rPr>
+              <a:t>Suggested improvements in the model</a:t>
+            </a:r>
+            <a:endParaRPr b="1" sz="1400">
+              <a:solidFill>
+                <a:schemeClr val="dk1"/>
+              </a:solidFill>
+            </a:endParaRPr>
+          </a:p>
+          <a:p>
+            <a:pPr indent="-317500" lvl="0" marL="457200" rtl="0" algn="l">
+              <a:spcBef>
+                <a:spcPts val="0"/>
+              </a:spcBef>
+              <a:spcAft>
+                <a:spcPts val="0"/>
+              </a:spcAft>
+              <a:buClr>
+                <a:schemeClr val="dk1"/>
+              </a:buClr>
+              <a:buSzPts val="1400"/>
+              <a:buChar char="●"/>
+            </a:pPr>
+            <a:r>
+              <a:rPr lang="en-GB" sz="1400">
+                <a:solidFill>
+                  <a:schemeClr val="dk1"/>
+                </a:solidFill>
+              </a:rPr>
+              <a:t>Removal of outliers</a:t>
+            </a:r>
+            <a:endParaRPr sz="1400">
+              <a:solidFill>
+                <a:schemeClr val="dk1"/>
+              </a:solidFill>
+            </a:endParaRPr>
+          </a:p>
+          <a:p>
+            <a:pPr indent="-317500" lvl="0" marL="457200" rtl="0" algn="l">
+              <a:spcBef>
+                <a:spcPts val="0"/>
+              </a:spcBef>
+              <a:spcAft>
+                <a:spcPts val="0"/>
+              </a:spcAft>
+              <a:buClr>
+                <a:schemeClr val="dk1"/>
+              </a:buClr>
+              <a:buSzPts val="1400"/>
+              <a:buChar char="●"/>
+            </a:pPr>
+            <a:r>
+              <a:rPr lang="en-GB" sz="1400">
+                <a:solidFill>
+                  <a:schemeClr val="dk1"/>
+                </a:solidFill>
+              </a:rPr>
+              <a:t>RANdom SAmple Consensus (RANSAC)</a:t>
+            </a:r>
+            <a:endParaRPr sz="1400">
+              <a:solidFill>
+                <a:schemeClr val="dk1"/>
+              </a:solidFill>
+            </a:endParaRPr>
+          </a:p>
+          <a:p>
+            <a:pPr indent="0" lvl="0" marL="0" rtl="0" algn="l">
+              <a:spcBef>
+                <a:spcPts val="0"/>
+              </a:spcBef>
+              <a:spcAft>
+                <a:spcPts val="0"/>
+              </a:spcAft>
+              <a:buNone/>
+            </a:pPr>
+            <a:r>
+              <a:t/>
+            </a:r>
+            <a:endParaRPr b="1" sz="1400">
+              <a:solidFill>
+                <a:schemeClr val="dk1"/>
+              </a:solidFill>
+            </a:endParaRPr>
+          </a:p>
+          <a:p>
+            <a:pPr indent="0" lvl="0" marL="0" rtl="0" algn="l">
+              <a:spcBef>
+                <a:spcPts val="0"/>
+              </a:spcBef>
+              <a:spcAft>
+                <a:spcPts val="0"/>
+              </a:spcAft>
+              <a:buNone/>
+            </a:pPr>
+            <a:r>
+              <a:rPr b="1" lang="en-GB" sz="1400">
+                <a:solidFill>
+                  <a:schemeClr val="dk1"/>
+                </a:solidFill>
+              </a:rPr>
+              <a:t>Recommendations</a:t>
+            </a:r>
+            <a:endParaRPr b="1" sz="1400">
+              <a:solidFill>
+                <a:schemeClr val="dk1"/>
+              </a:solidFill>
+            </a:endParaRPr>
+          </a:p>
+          <a:p>
+            <a:pPr indent="-317500" lvl="0" marL="457200" rtl="0" algn="l">
+              <a:spcBef>
+                <a:spcPts val="0"/>
+              </a:spcBef>
+              <a:spcAft>
+                <a:spcPts val="0"/>
+              </a:spcAft>
+              <a:buClr>
+                <a:schemeClr val="dk1"/>
+              </a:buClr>
+              <a:buSzPts val="1400"/>
+              <a:buChar char="●"/>
+            </a:pPr>
+            <a:r>
+              <a:rPr lang="en-GB" sz="1400">
+                <a:solidFill>
+                  <a:schemeClr val="dk1"/>
+                </a:solidFill>
+              </a:rPr>
+              <a:t>HR team can be cautions when recruiting candidates with frequent jobs shifts.</a:t>
+            </a:r>
+            <a:endParaRPr sz="1400">
+              <a:solidFill>
+                <a:schemeClr val="dk1"/>
+              </a:solidFill>
+            </a:endParaRPr>
+          </a:p>
+          <a:p>
+            <a:pPr indent="-317500" lvl="0" marL="457200" rtl="0" algn="l">
+              <a:spcBef>
+                <a:spcPts val="0"/>
+              </a:spcBef>
+              <a:spcAft>
+                <a:spcPts val="0"/>
+              </a:spcAft>
+              <a:buClr>
+                <a:schemeClr val="dk1"/>
+              </a:buClr>
+              <a:buSzPts val="1400"/>
+              <a:buChar char="●"/>
+            </a:pPr>
+            <a:r>
+              <a:rPr lang="en-GB" sz="1400">
+                <a:solidFill>
+                  <a:schemeClr val="dk1"/>
+                </a:solidFill>
+              </a:rPr>
+              <a:t>Company policy changes to improve for restricting working hours.</a:t>
+            </a:r>
+            <a:endParaRPr sz="1400">
+              <a:solidFill>
+                <a:schemeClr val="dk1"/>
+              </a:solidFill>
+            </a:endParaRPr>
+          </a:p>
+        </p:txBody>
+      </p:sp>
+      <p:sp>
+        <p:nvSpPr>
+          <p:cNvPr id="162" name="Google Shape;162;p24"/>
+          <p:cNvSpPr txBox="1"/>
+          <p:nvPr>
+            <p:ph type="title"/>
+          </p:nvPr>
+        </p:nvSpPr>
+        <p:spPr>
+          <a:xfrm>
+            <a:off x="311700" y="216425"/>
+            <a:ext cx="8520600" cy="572700"/>
+          </a:xfrm>
+          <a:prstGeom prst="rect">
+            <a:avLst/>
+          </a:prstGeom>
+        </p:spPr>
+        <p:txBody>
+          <a:bodyPr anchorCtr="0" anchor="t" bIns="91425" lIns="91425" spcFirstLastPara="1" rIns="91425" wrap="square" tIns="91425">
+            <a:normAutofit fontScale="90000"/>
+          </a:bodyPr>
+          <a:lstStyle/>
+          <a:p>
+            <a:pPr indent="0" lvl="0" marL="0" rtl="0" algn="l">
+              <a:spcBef>
+                <a:spcPts val="0"/>
+              </a:spcBef>
+              <a:spcAft>
+                <a:spcPts val="0"/>
+              </a:spcAft>
+              <a:buNone/>
+            </a:pPr>
+            <a:r>
+              <a:rPr b="1" lang="en-GB">
+                <a:latin typeface="Inter"/>
+                <a:ea typeface="Inter"/>
+                <a:cs typeface="Inter"/>
+                <a:sym typeface="Inter"/>
+              </a:rPr>
+              <a:t>Recommendations for </a:t>
+            </a:r>
+            <a:r>
+              <a:rPr b="1" lang="en-GB">
+                <a:latin typeface="Inter"/>
+                <a:ea typeface="Inter"/>
+                <a:cs typeface="Inter"/>
+                <a:sym typeface="Inter"/>
+              </a:rPr>
+              <a:t>Proactive Measure</a:t>
+            </a:r>
+            <a:r>
+              <a:rPr b="1" lang="en-GB">
+                <a:latin typeface="Inter"/>
+                <a:ea typeface="Inter"/>
+                <a:cs typeface="Inter"/>
+                <a:sym typeface="Inter"/>
+              </a:rPr>
+              <a:t>s</a:t>
+            </a:r>
+            <a:endParaRPr b="1">
+              <a:latin typeface="Inter"/>
+              <a:ea typeface="Inter"/>
+              <a:cs typeface="Inter"/>
+              <a:sym typeface="Inter"/>
+            </a:endParaRPr>
+          </a:p>
+        </p:txBody>
+      </p:sp>
+      <p:cxnSp>
+        <p:nvCxnSpPr>
+          <p:cNvPr id="163" name="Google Shape;163;p24"/>
+          <p:cNvCxnSpPr/>
+          <p:nvPr/>
+        </p:nvCxnSpPr>
+        <p:spPr>
+          <a:xfrm>
+            <a:off x="164825" y="797944"/>
+            <a:ext cx="8842200" cy="9300"/>
+          </a:xfrm>
+          <a:prstGeom prst="straightConnector1">
+            <a:avLst/>
+          </a:prstGeom>
+          <a:noFill/>
+          <a:ln cap="flat" cmpd="sng" w="9525">
+            <a:solidFill>
+              <a:srgbClr val="B7B7B7"/>
+            </a:solidFill>
+            <a:prstDash val="dash"/>
+            <a:round/>
+            <a:headEnd len="sm" w="sm" type="none"/>
+            <a:tailEnd len="sm" w="sm" type="none"/>
+          </a:ln>
+        </p:spPr>
+      </p:cxnSp>
+      <p:pic>
+        <p:nvPicPr>
+          <p:cNvPr id="164" name="Google Shape;164;p24"/>
+          <p:cNvPicPr preferRelativeResize="0"/>
+          <p:nvPr/>
+        </p:nvPicPr>
+        <p:blipFill rotWithShape="1">
+          <a:blip r:embed="rId3">
+            <a:alphaModFix/>
+          </a:blip>
+          <a:srcRect b="2413" l="75755" r="0" t="92010"/>
+          <a:stretch/>
+        </p:blipFill>
+        <p:spPr>
+          <a:xfrm>
+            <a:off x="8157393" y="57007"/>
+            <a:ext cx="1003925" cy="246351"/>
+          </a:xfrm>
+          <a:prstGeom prst="rect">
+            <a:avLst/>
+          </a:prstGeom>
+          <a:noFill/>
+          <a:ln>
+            <a:noFill/>
+          </a:ln>
+        </p:spPr>
+      </p:pic>
+    </p:spTree>
+  </p:cSld>
+  <p:clrMapOvr>
+    <a:masterClrMapping/>
+  </p:clrMapOvr>
+</p:sld>
+</file>
+
+<file path=ppt/slides/slide12.xml><?xml version="1.0" encoding="utf-8"?>
+<p:sld xmlns:a="http://schemas.openxmlformats.org/drawingml/2006/main" xmlns:r="http://schemas.openxmlformats.org/officeDocument/2006/relationships" xmlns:mc="http://schemas.openxmlformats.org/markup-compatibility/2006" xmlns:mv="urn:schemas-microsoft-com:mac:vml" xmlns:p="http://schemas.openxmlformats.org/presentationml/2006/main" xmlns:c="http://schemas.openxmlformats.org/drawingml/2006/chart" xmlns:dgm="http://schemas.openxmlformats.org/drawingml/2006/diagram" xmlns:o="urn:schemas-microsoft-com:office:office" xmlns:v="urn:schemas-microsoft-com:vml" xmlns:pvml="urn:schemas-microsoft-com:office:powerpoint" xmlns:com="http://schemas.openxmlformats.org/drawingml/2006/compatibility" xmlns:p14="http://schemas.microsoft.com/office/powerpoint/2010/main" xmlns:p15="http://schemas.microsoft.com/office/powerpoint/2012/main" xmlns:ahyp="http://schemas.microsoft.com/office/drawing/2018/hyperlinkcolor">
+  <p:cSld>
+    <p:spTree>
+      <p:nvGrpSpPr>
+        <p:cNvPr id="168" name="Shape 168"/>
+        <p:cNvGrpSpPr/>
+        <p:nvPr/>
+      </p:nvGrpSpPr>
+      <p:grpSpPr>
+        <a:xfrm>
+          <a:off x="0" y="0"/>
+          <a:ext cx="0" cy="0"/>
+          <a:chOff x="0" y="0"/>
+          <a:chExt cx="0" cy="0"/>
+        </a:xfrm>
+      </p:grpSpPr>
+      <p:sp>
+        <p:nvSpPr>
+          <p:cNvPr id="169" name="Google Shape;169;p25"/>
+          <p:cNvSpPr txBox="1"/>
+          <p:nvPr>
+            <p:ph type="title"/>
+          </p:nvPr>
+        </p:nvSpPr>
+        <p:spPr>
+          <a:xfrm>
+            <a:off x="311700" y="216425"/>
+            <a:ext cx="8520600" cy="572700"/>
+          </a:xfrm>
+          <a:prstGeom prst="rect">
+            <a:avLst/>
+          </a:prstGeom>
+        </p:spPr>
+        <p:txBody>
+          <a:bodyPr anchorCtr="0" anchor="t" bIns="91425" lIns="91425" spcFirstLastPara="1" rIns="91425" wrap="square" tIns="91425">
+            <a:normAutofit fontScale="90000"/>
+          </a:bodyPr>
+          <a:lstStyle/>
+          <a:p>
+            <a:pPr indent="0" lvl="0" marL="0" rtl="0" algn="l">
+              <a:spcBef>
+                <a:spcPts val="0"/>
+              </a:spcBef>
+              <a:spcAft>
+                <a:spcPts val="0"/>
+              </a:spcAft>
+              <a:buNone/>
+            </a:pPr>
+            <a:r>
+              <a:rPr b="1" lang="en-GB">
+                <a:latin typeface="Inter"/>
+                <a:ea typeface="Inter"/>
+                <a:cs typeface="Inter"/>
+                <a:sym typeface="Inter"/>
+              </a:rPr>
+              <a:t>Deployment Architecture</a:t>
+            </a:r>
+            <a:endParaRPr b="1">
+              <a:latin typeface="Inter"/>
+              <a:ea typeface="Inter"/>
+              <a:cs typeface="Inter"/>
+              <a:sym typeface="Inter"/>
+            </a:endParaRPr>
+          </a:p>
+        </p:txBody>
+      </p:sp>
+      <p:cxnSp>
+        <p:nvCxnSpPr>
+          <p:cNvPr id="170" name="Google Shape;170;p25"/>
+          <p:cNvCxnSpPr/>
+          <p:nvPr/>
+        </p:nvCxnSpPr>
+        <p:spPr>
+          <a:xfrm>
+            <a:off x="164825" y="797944"/>
+            <a:ext cx="8842200" cy="9300"/>
+          </a:xfrm>
+          <a:prstGeom prst="straightConnector1">
+            <a:avLst/>
+          </a:prstGeom>
+          <a:noFill/>
+          <a:ln cap="flat" cmpd="sng" w="9525">
+            <a:solidFill>
+              <a:srgbClr val="B7B7B7"/>
+            </a:solidFill>
+            <a:prstDash val="dash"/>
+            <a:round/>
+            <a:headEnd len="sm" w="sm" type="none"/>
+            <a:tailEnd len="sm" w="sm" type="none"/>
+          </a:ln>
+        </p:spPr>
+      </p:cxnSp>
+      <p:pic>
+        <p:nvPicPr>
+          <p:cNvPr id="171" name="Google Shape;171;p25"/>
+          <p:cNvPicPr preferRelativeResize="0"/>
+          <p:nvPr/>
+        </p:nvPicPr>
+        <p:blipFill rotWithShape="1">
+          <a:blip r:embed="rId3">
+            <a:alphaModFix/>
+          </a:blip>
+          <a:srcRect b="2413" l="75755" r="0" t="92010"/>
+          <a:stretch/>
+        </p:blipFill>
+        <p:spPr>
+          <a:xfrm>
+            <a:off x="8157393" y="57007"/>
+            <a:ext cx="1003925" cy="246351"/>
+          </a:xfrm>
+          <a:prstGeom prst="rect">
+            <a:avLst/>
+          </a:prstGeom>
+          <a:noFill/>
+          <a:ln>
+            <a:noFill/>
+          </a:ln>
+        </p:spPr>
+      </p:pic>
+      <p:pic>
+        <p:nvPicPr>
+          <p:cNvPr id="172" name="Google Shape;172;p25" title="taoiq.drawio2.png"/>
+          <p:cNvPicPr preferRelativeResize="0"/>
+          <p:nvPr/>
+        </p:nvPicPr>
+        <p:blipFill>
+          <a:blip r:embed="rId4">
+            <a:alphaModFix/>
+          </a:blip>
+          <a:stretch>
+            <a:fillRect/>
+          </a:stretch>
+        </p:blipFill>
+        <p:spPr>
+          <a:xfrm>
+            <a:off x="164825" y="816075"/>
+            <a:ext cx="5653802" cy="4139399"/>
+          </a:xfrm>
+          <a:prstGeom prst="rect">
+            <a:avLst/>
+          </a:prstGeom>
+          <a:noFill/>
+          <a:ln>
+            <a:noFill/>
+          </a:ln>
+        </p:spPr>
+      </p:pic>
+      <p:sp>
+        <p:nvSpPr>
+          <p:cNvPr id="173" name="Google Shape;173;p25"/>
+          <p:cNvSpPr txBox="1"/>
+          <p:nvPr/>
+        </p:nvSpPr>
+        <p:spPr>
+          <a:xfrm>
+            <a:off x="5953975" y="815950"/>
+            <a:ext cx="3093000" cy="4139400"/>
+          </a:xfrm>
+          <a:prstGeom prst="rect">
+            <a:avLst/>
+          </a:prstGeom>
+          <a:noFill/>
+          <a:ln>
+            <a:noFill/>
+          </a:ln>
+        </p:spPr>
+        <p:txBody>
+          <a:bodyPr anchorCtr="0" anchor="t" bIns="91425" lIns="91425" spcFirstLastPara="1" rIns="91425" wrap="square" tIns="91425">
+            <a:noAutofit/>
+          </a:bodyPr>
+          <a:lstStyle/>
+          <a:p>
+            <a:pPr indent="0" lvl="0" marL="0" rtl="0" algn="l">
+              <a:spcBef>
+                <a:spcPts val="0"/>
+              </a:spcBef>
+              <a:spcAft>
+                <a:spcPts val="0"/>
+              </a:spcAft>
+              <a:buNone/>
+            </a:pPr>
+            <a:r>
+              <a:t/>
+            </a:r>
+            <a:endParaRPr b="1" sz="2500">
+              <a:solidFill>
+                <a:schemeClr val="dk2"/>
+              </a:solidFill>
+            </a:endParaRPr>
+          </a:p>
+        </p:txBody>
+      </p:sp>
+      <p:sp>
+        <p:nvSpPr>
+          <p:cNvPr id="174" name="Google Shape;174;p25"/>
+          <p:cNvSpPr txBox="1"/>
+          <p:nvPr>
+            <p:ph idx="1" type="body"/>
+          </p:nvPr>
+        </p:nvSpPr>
+        <p:spPr>
+          <a:xfrm>
+            <a:off x="5953975" y="816025"/>
+            <a:ext cx="3053100" cy="4139400"/>
+          </a:xfrm>
+          <a:prstGeom prst="rect">
+            <a:avLst/>
+          </a:prstGeom>
+          <a:solidFill>
+            <a:schemeClr val="lt1"/>
+          </a:solidFill>
+          <a:effectLst>
+            <a:outerShdw blurRad="57150" rotWithShape="0" algn="bl" dir="5400000" dist="19050">
+              <a:srgbClr val="000000">
+                <a:alpha val="50000"/>
+              </a:srgbClr>
+            </a:outerShdw>
+          </a:effectLst>
+        </p:spPr>
+        <p:txBody>
+          <a:bodyPr anchorCtr="0" anchor="t" bIns="91425" lIns="91425" spcFirstLastPara="1" rIns="91425" wrap="square" tIns="91425">
+            <a:normAutofit lnSpcReduction="10000"/>
+          </a:bodyPr>
+          <a:lstStyle/>
+          <a:p>
+            <a:pPr indent="0" lvl="0" marL="0" rtl="0" algn="l">
+              <a:lnSpc>
+                <a:spcPct val="122222"/>
+              </a:lnSpc>
+              <a:spcBef>
+                <a:spcPts val="0"/>
+              </a:spcBef>
+              <a:spcAft>
+                <a:spcPts val="0"/>
+              </a:spcAft>
+              <a:buNone/>
+            </a:pPr>
+            <a:r>
+              <a:rPr b="1" lang="en-GB" sz="1400" u="sng">
+                <a:solidFill>
+                  <a:srgbClr val="202124"/>
+                </a:solidFill>
+              </a:rPr>
+              <a:t>Benefits of this Architecture</a:t>
+            </a:r>
+            <a:endParaRPr b="1" sz="1400" u="sng">
+              <a:solidFill>
+                <a:srgbClr val="202124"/>
+              </a:solidFill>
+            </a:endParaRPr>
+          </a:p>
+          <a:p>
+            <a:pPr indent="-317500" lvl="0" marL="457200" rtl="0" algn="l">
+              <a:lnSpc>
+                <a:spcPct val="122222"/>
+              </a:lnSpc>
+              <a:spcBef>
+                <a:spcPts val="1200"/>
+              </a:spcBef>
+              <a:spcAft>
+                <a:spcPts val="0"/>
+              </a:spcAft>
+              <a:buClr>
+                <a:srgbClr val="202124"/>
+              </a:buClr>
+              <a:buSzPts val="1400"/>
+              <a:buAutoNum type="arabicPeriod"/>
+            </a:pPr>
+            <a:r>
+              <a:rPr lang="en-GB" sz="1400">
+                <a:solidFill>
+                  <a:srgbClr val="202124"/>
+                </a:solidFill>
+              </a:rPr>
+              <a:t>Can handle multiple requests simultaneously, </a:t>
+            </a:r>
+            <a:r>
+              <a:rPr lang="en-GB" sz="1400">
+                <a:solidFill>
+                  <a:srgbClr val="202124"/>
+                </a:solidFill>
+              </a:rPr>
+              <a:t>because</a:t>
+            </a:r>
+            <a:r>
+              <a:rPr lang="en-GB" sz="1400">
+                <a:solidFill>
+                  <a:srgbClr val="202124"/>
+                </a:solidFill>
+              </a:rPr>
+              <a:t> of its serverless architecture.</a:t>
+            </a:r>
+            <a:endParaRPr sz="1400">
+              <a:solidFill>
+                <a:srgbClr val="202124"/>
+              </a:solidFill>
+            </a:endParaRPr>
+          </a:p>
+          <a:p>
+            <a:pPr indent="-317500" lvl="0" marL="457200" rtl="0" algn="l">
+              <a:lnSpc>
+                <a:spcPct val="122222"/>
+              </a:lnSpc>
+              <a:spcBef>
+                <a:spcPts val="0"/>
+              </a:spcBef>
+              <a:spcAft>
+                <a:spcPts val="0"/>
+              </a:spcAft>
+              <a:buClr>
+                <a:srgbClr val="202124"/>
+              </a:buClr>
+              <a:buSzPts val="1400"/>
+              <a:buAutoNum type="arabicPeriod"/>
+            </a:pPr>
+            <a:r>
+              <a:rPr lang="en-GB" sz="1400">
+                <a:solidFill>
+                  <a:srgbClr val="202124"/>
+                </a:solidFill>
+              </a:rPr>
+              <a:t>Its scalable architecture.</a:t>
+            </a:r>
+            <a:endParaRPr sz="1400">
+              <a:solidFill>
+                <a:srgbClr val="202124"/>
+              </a:solidFill>
+            </a:endParaRPr>
+          </a:p>
+          <a:p>
+            <a:pPr indent="-317500" lvl="0" marL="457200" rtl="0" algn="l">
+              <a:lnSpc>
+                <a:spcPct val="122222"/>
+              </a:lnSpc>
+              <a:spcBef>
+                <a:spcPts val="0"/>
+              </a:spcBef>
+              <a:spcAft>
+                <a:spcPts val="0"/>
+              </a:spcAft>
+              <a:buClr>
+                <a:srgbClr val="202124"/>
+              </a:buClr>
+              <a:buSzPts val="1400"/>
+              <a:buAutoNum type="arabicPeriod"/>
+            </a:pPr>
+            <a:r>
+              <a:rPr lang="en-GB" sz="1400">
+                <a:solidFill>
+                  <a:srgbClr val="202124"/>
+                </a:solidFill>
+              </a:rPr>
+              <a:t>It hides sensitive data from exposing to user.</a:t>
+            </a:r>
+            <a:endParaRPr sz="1400">
+              <a:solidFill>
+                <a:srgbClr val="202124"/>
+              </a:solidFill>
+            </a:endParaRPr>
+          </a:p>
+          <a:p>
+            <a:pPr indent="-317500" lvl="0" marL="457200" rtl="0" algn="l">
+              <a:lnSpc>
+                <a:spcPct val="122222"/>
+              </a:lnSpc>
+              <a:spcBef>
+                <a:spcPts val="0"/>
+              </a:spcBef>
+              <a:spcAft>
+                <a:spcPts val="0"/>
+              </a:spcAft>
+              <a:buClr>
+                <a:srgbClr val="202124"/>
+              </a:buClr>
+              <a:buSzPts val="1400"/>
+              <a:buAutoNum type="arabicPeriod"/>
+            </a:pPr>
+            <a:r>
+              <a:rPr lang="en-GB" sz="1400">
+                <a:solidFill>
+                  <a:srgbClr val="202124"/>
+                </a:solidFill>
+              </a:rPr>
+              <a:t>It have protection against DDoS.</a:t>
+            </a:r>
+            <a:endParaRPr sz="1400">
+              <a:solidFill>
+                <a:srgbClr val="202124"/>
+              </a:solidFill>
+            </a:endParaRPr>
+          </a:p>
+          <a:p>
+            <a:pPr indent="-317500" lvl="0" marL="457200" rtl="0" algn="l">
+              <a:lnSpc>
+                <a:spcPct val="122222"/>
+              </a:lnSpc>
+              <a:spcBef>
+                <a:spcPts val="0"/>
+              </a:spcBef>
+              <a:spcAft>
+                <a:spcPts val="0"/>
+              </a:spcAft>
+              <a:buClr>
+                <a:srgbClr val="202124"/>
+              </a:buClr>
+              <a:buSzPts val="1400"/>
+              <a:buAutoNum type="arabicPeriod"/>
+            </a:pPr>
+            <a:r>
+              <a:rPr lang="en-GB" sz="1400">
+                <a:solidFill>
+                  <a:srgbClr val="202124"/>
+                </a:solidFill>
+              </a:rPr>
+              <a:t>It have proper CICD pipeline for future model development.</a:t>
+            </a:r>
+            <a:endParaRPr sz="1400">
+              <a:solidFill>
+                <a:srgbClr val="202124"/>
+              </a:solidFill>
+            </a:endParaRPr>
+          </a:p>
+          <a:p>
+            <a:pPr indent="-317500" lvl="0" marL="457200" rtl="0" algn="l">
+              <a:lnSpc>
+                <a:spcPct val="122222"/>
+              </a:lnSpc>
+              <a:spcBef>
+                <a:spcPts val="0"/>
+              </a:spcBef>
+              <a:spcAft>
+                <a:spcPts val="0"/>
+              </a:spcAft>
+              <a:buClr>
+                <a:srgbClr val="202124"/>
+              </a:buClr>
+              <a:buSzPts val="1400"/>
+              <a:buAutoNum type="arabicPeriod"/>
+            </a:pPr>
+            <a:r>
+              <a:rPr lang="en-GB" sz="1400">
+                <a:solidFill>
+                  <a:srgbClr val="202124"/>
+                </a:solidFill>
+              </a:rPr>
+              <a:t>Proper </a:t>
+            </a:r>
+            <a:r>
+              <a:rPr lang="en-GB" sz="1400">
+                <a:solidFill>
+                  <a:srgbClr val="202124"/>
+                </a:solidFill>
+              </a:rPr>
+              <a:t>separation</a:t>
+            </a:r>
+            <a:r>
+              <a:rPr lang="en-GB" sz="1400">
+                <a:solidFill>
+                  <a:srgbClr val="202124"/>
+                </a:solidFill>
+              </a:rPr>
+              <a:t> between frontend and backend, helps in parallel development.</a:t>
+            </a:r>
+            <a:endParaRPr sz="1400">
+              <a:solidFill>
+                <a:srgbClr val="202124"/>
+              </a:solidFill>
+            </a:endParaRPr>
+          </a:p>
+          <a:p>
+            <a:pPr indent="0" lvl="0" marL="0" rtl="0" algn="l">
+              <a:lnSpc>
+                <a:spcPct val="122222"/>
+              </a:lnSpc>
+              <a:spcBef>
+                <a:spcPts val="1200"/>
+              </a:spcBef>
+              <a:spcAft>
+                <a:spcPts val="1200"/>
+              </a:spcAft>
+              <a:buNone/>
+            </a:pPr>
+            <a:r>
+              <a:t/>
+            </a:r>
+            <a:endParaRPr sz="1400">
+              <a:solidFill>
+                <a:srgbClr val="202124"/>
+              </a:solidFill>
+            </a:endParaRPr>
+          </a:p>
+        </p:txBody>
+      </p:sp>
+    </p:spTree>
+  </p:cSld>
+  <p:clrMapOvr>
+    <a:masterClrMapping/>
+  </p:clrMapOvr>
+</p:sld>
+</file>
+
+<file path=ppt/slides/slide13.xml><?xml version="1.0" encoding="utf-8"?>
+<p:sld xmlns:a="http://schemas.openxmlformats.org/drawingml/2006/main" xmlns:r="http://schemas.openxmlformats.org/officeDocument/2006/relationships" xmlns:mc="http://schemas.openxmlformats.org/markup-compatibility/2006" xmlns:mv="urn:schemas-microsoft-com:mac:vml" xmlns:p="http://schemas.openxmlformats.org/presentationml/2006/main" xmlns:c="http://schemas.openxmlformats.org/drawingml/2006/chart" xmlns:dgm="http://schemas.openxmlformats.org/drawingml/2006/diagram" xmlns:o="urn:schemas-microsoft-com:office:office" xmlns:v="urn:schemas-microsoft-com:vml" xmlns:pvml="urn:schemas-microsoft-com:office:powerpoint" xmlns:com="http://schemas.openxmlformats.org/drawingml/2006/compatibility" xmlns:p14="http://schemas.microsoft.com/office/powerpoint/2010/main" xmlns:p15="http://schemas.microsoft.com/office/powerpoint/2012/main" xmlns:ahyp="http://schemas.microsoft.com/office/drawing/2018/hyperlinkcolor">
+  <p:cSld>
+    <p:spTree>
+      <p:nvGrpSpPr>
+        <p:cNvPr id="178" name="Shape 178"/>
+        <p:cNvGrpSpPr/>
+        <p:nvPr/>
+      </p:nvGrpSpPr>
+      <p:grpSpPr>
+        <a:xfrm>
+          <a:off x="0" y="0"/>
+          <a:ext cx="0" cy="0"/>
+          <a:chOff x="0" y="0"/>
+          <a:chExt cx="0" cy="0"/>
+        </a:xfrm>
+      </p:grpSpPr>
+      <p:sp>
+        <p:nvSpPr>
+          <p:cNvPr id="179" name="Google Shape;179;p26"/>
+          <p:cNvSpPr txBox="1"/>
+          <p:nvPr>
+            <p:ph type="title"/>
+          </p:nvPr>
+        </p:nvSpPr>
+        <p:spPr>
+          <a:xfrm>
+            <a:off x="311700" y="216425"/>
+            <a:ext cx="8520600" cy="572700"/>
+          </a:xfrm>
+          <a:prstGeom prst="rect">
+            <a:avLst/>
+          </a:prstGeom>
+        </p:spPr>
+        <p:txBody>
+          <a:bodyPr anchorCtr="0" anchor="t" bIns="91425" lIns="91425" spcFirstLastPara="1" rIns="91425" wrap="square" tIns="91425">
+            <a:normAutofit fontScale="90000"/>
+          </a:bodyPr>
+          <a:lstStyle/>
+          <a:p>
+            <a:pPr indent="0" lvl="0" marL="0" rtl="0" algn="l">
+              <a:spcBef>
+                <a:spcPts val="0"/>
+              </a:spcBef>
+              <a:spcAft>
+                <a:spcPts val="0"/>
+              </a:spcAft>
+              <a:buNone/>
+            </a:pPr>
+            <a:r>
+              <a:rPr b="1" lang="en-GB">
+                <a:latin typeface="Inter"/>
+                <a:ea typeface="Inter"/>
+                <a:cs typeface="Inter"/>
+                <a:sym typeface="Inter"/>
+              </a:rPr>
+              <a:t>Streamlit </a:t>
+            </a:r>
+            <a:r>
+              <a:rPr b="1" lang="en-GB">
+                <a:latin typeface="Inter"/>
+                <a:ea typeface="Inter"/>
+                <a:cs typeface="Inter"/>
+                <a:sym typeface="Inter"/>
+              </a:rPr>
+              <a:t>Deployment</a:t>
+            </a:r>
+            <a:endParaRPr b="1">
+              <a:latin typeface="Inter"/>
+              <a:ea typeface="Inter"/>
+              <a:cs typeface="Inter"/>
+              <a:sym typeface="Inter"/>
+            </a:endParaRPr>
+          </a:p>
+        </p:txBody>
+      </p:sp>
+      <p:cxnSp>
+        <p:nvCxnSpPr>
+          <p:cNvPr id="180" name="Google Shape;180;p26"/>
+          <p:cNvCxnSpPr/>
+          <p:nvPr/>
+        </p:nvCxnSpPr>
+        <p:spPr>
+          <a:xfrm>
+            <a:off x="164825" y="797944"/>
+            <a:ext cx="8842200" cy="9300"/>
+          </a:xfrm>
+          <a:prstGeom prst="straightConnector1">
+            <a:avLst/>
+          </a:prstGeom>
+          <a:noFill/>
+          <a:ln cap="flat" cmpd="sng" w="9525">
+            <a:solidFill>
+              <a:srgbClr val="B7B7B7"/>
+            </a:solidFill>
+            <a:prstDash val="dash"/>
+            <a:round/>
+            <a:headEnd len="sm" w="sm" type="none"/>
+            <a:tailEnd len="sm" w="sm" type="none"/>
+          </a:ln>
+        </p:spPr>
+      </p:cxnSp>
+      <p:pic>
+        <p:nvPicPr>
+          <p:cNvPr id="181" name="Google Shape;181;p26"/>
+          <p:cNvPicPr preferRelativeResize="0"/>
+          <p:nvPr/>
+        </p:nvPicPr>
+        <p:blipFill rotWithShape="1">
+          <a:blip r:embed="rId3">
+            <a:alphaModFix/>
+          </a:blip>
+          <a:srcRect b="2413" l="75755" r="0" t="92010"/>
+          <a:stretch/>
+        </p:blipFill>
+        <p:spPr>
+          <a:xfrm>
+            <a:off x="8157393" y="57007"/>
+            <a:ext cx="1003925" cy="246351"/>
+          </a:xfrm>
+          <a:prstGeom prst="rect">
+            <a:avLst/>
+          </a:prstGeom>
+          <a:noFill/>
+          <a:ln>
+            <a:noFill/>
+          </a:ln>
+        </p:spPr>
+      </p:pic>
+      <p:pic>
+        <p:nvPicPr>
+          <p:cNvPr id="182" name="Google Shape;182;p26" title="streamlit-deployment.png"/>
+          <p:cNvPicPr preferRelativeResize="0"/>
+          <p:nvPr/>
+        </p:nvPicPr>
+        <p:blipFill>
+          <a:blip r:embed="rId4">
+            <a:alphaModFix/>
+          </a:blip>
+          <a:stretch>
+            <a:fillRect/>
+          </a:stretch>
+        </p:blipFill>
+        <p:spPr>
+          <a:xfrm>
+            <a:off x="2185063" y="807250"/>
+            <a:ext cx="4773871" cy="4336249"/>
+          </a:xfrm>
+          <a:prstGeom prst="rect">
+            <a:avLst/>
+          </a:prstGeom>
+          <a:noFill/>
+          <a:ln>
+            <a:noFill/>
+          </a:ln>
+        </p:spPr>
+      </p:pic>
+    </p:spTree>
+  </p:cSld>
+  <p:clrMapOvr>
+    <a:masterClrMapping/>
+  </p:clrMapOvr>
+</p:sld>
+</file>
+
+<file path=ppt/slides/slide14.xml><?xml version="1.0" encoding="utf-8"?>
+<p:sld xmlns:a="http://schemas.openxmlformats.org/drawingml/2006/main" xmlns:r="http://schemas.openxmlformats.org/officeDocument/2006/relationships" xmlns:mc="http://schemas.openxmlformats.org/markup-compatibility/2006" xmlns:mv="urn:schemas-microsoft-com:mac:vml" xmlns:p="http://schemas.openxmlformats.org/presentationml/2006/main" xmlns:c="http://schemas.openxmlformats.org/drawingml/2006/chart" xmlns:dgm="http://schemas.openxmlformats.org/drawingml/2006/diagram" xmlns:o="urn:schemas-microsoft-com:office:office" xmlns:v="urn:schemas-microsoft-com:vml" xmlns:pvml="urn:schemas-microsoft-com:office:powerpoint" xmlns:com="http://schemas.openxmlformats.org/drawingml/2006/compatibility" xmlns:p14="http://schemas.microsoft.com/office/powerpoint/2010/main" xmlns:p15="http://schemas.microsoft.com/office/powerpoint/2012/main" xmlns:ahyp="http://schemas.microsoft.com/office/drawing/2018/hyperlinkcolor">
+  <p:cSld>
+    <p:bg>
+      <p:bgPr>
+        <a:blipFill>
+          <a:blip r:embed="rId3">
+            <a:alphaModFix/>
+          </a:blip>
+          <a:stretch>
+            <a:fillRect/>
+          </a:stretch>
+        </a:blipFill>
+      </p:bgPr>
+    </p:bg>
+    <p:spTree>
+      <p:nvGrpSpPr>
+        <p:cNvPr id="186" name="Shape 186"/>
+        <p:cNvGrpSpPr/>
+        <p:nvPr/>
+      </p:nvGrpSpPr>
+      <p:grpSpPr>
+        <a:xfrm>
+          <a:off x="0" y="0"/>
+          <a:ext cx="0" cy="0"/>
+          <a:chOff x="0" y="0"/>
+          <a:chExt cx="0" cy="0"/>
+        </a:xfrm>
+      </p:grpSpPr>
+      <p:pic>
+        <p:nvPicPr>
+          <p:cNvPr id="187" name="Google Shape;187;p27"/>
+          <p:cNvPicPr preferRelativeResize="0"/>
+          <p:nvPr/>
+        </p:nvPicPr>
+        <p:blipFill rotWithShape="1">
+          <a:blip r:embed="rId4">
+            <a:alphaModFix/>
+          </a:blip>
+          <a:srcRect b="0" l="0" r="0" t="1293"/>
+          <a:stretch/>
+        </p:blipFill>
+        <p:spPr>
+          <a:xfrm>
+            <a:off x="0" y="0"/>
+            <a:ext cx="9144000" cy="5143500"/>
+          </a:xfrm>
+          <a:prstGeom prst="rect">
+            <a:avLst/>
+          </a:prstGeom>
+          <a:noFill/>
+          <a:ln>
+            <a:noFill/>
+          </a:ln>
+        </p:spPr>
+      </p:pic>
+      <p:pic>
+        <p:nvPicPr>
+          <p:cNvPr id="188" name="Google Shape;188;p27"/>
+          <p:cNvPicPr preferRelativeResize="0"/>
+          <p:nvPr/>
+        </p:nvPicPr>
+        <p:blipFill>
+          <a:blip r:embed="rId5">
+            <a:alphaModFix/>
+          </a:blip>
+          <a:stretch>
+            <a:fillRect/>
+          </a:stretch>
+        </p:blipFill>
+        <p:spPr>
+          <a:xfrm>
+            <a:off x="6170425" y="1350775"/>
+            <a:ext cx="362625" cy="362625"/>
+          </a:xfrm>
+          <a:prstGeom prst="rect">
+            <a:avLst/>
+          </a:prstGeom>
+          <a:noFill/>
+          <a:ln>
+            <a:noFill/>
+          </a:ln>
+        </p:spPr>
+      </p:pic>
+      <p:pic>
+        <p:nvPicPr>
+          <p:cNvPr id="189" name="Google Shape;189;p27"/>
+          <p:cNvPicPr preferRelativeResize="0"/>
+          <p:nvPr/>
+        </p:nvPicPr>
+        <p:blipFill>
+          <a:blip r:embed="rId6">
+            <a:alphaModFix/>
+          </a:blip>
+          <a:stretch>
+            <a:fillRect/>
+          </a:stretch>
+        </p:blipFill>
+        <p:spPr>
+          <a:xfrm rot="-4856636">
+            <a:off x="325903" y="795496"/>
+            <a:ext cx="362625" cy="301339"/>
+          </a:xfrm>
+          <a:prstGeom prst="rect">
+            <a:avLst/>
+          </a:prstGeom>
+          <a:noFill/>
+          <a:ln>
+            <a:noFill/>
+          </a:ln>
+        </p:spPr>
+      </p:pic>
+      <p:pic>
+        <p:nvPicPr>
+          <p:cNvPr descr="A white letters on a black background&#10;&#10;Description automatically generated with medium confidence" id="190" name="Google Shape;190;p27"/>
+          <p:cNvPicPr preferRelativeResize="0"/>
+          <p:nvPr/>
+        </p:nvPicPr>
+        <p:blipFill rotWithShape="1">
+          <a:blip r:embed="rId7">
+            <a:alphaModFix/>
+          </a:blip>
+          <a:srcRect b="0" l="4461" r="0" t="0"/>
+          <a:stretch/>
+        </p:blipFill>
+        <p:spPr>
+          <a:xfrm>
+            <a:off x="474925" y="4110275"/>
+            <a:ext cx="2462950" cy="679700"/>
+          </a:xfrm>
+          <a:prstGeom prst="rect">
+            <a:avLst/>
+          </a:prstGeom>
+          <a:noFill/>
+          <a:ln>
+            <a:noFill/>
+          </a:ln>
+        </p:spPr>
+      </p:pic>
+      <p:sp>
+        <p:nvSpPr>
+          <p:cNvPr id="191" name="Google Shape;191;p27"/>
+          <p:cNvSpPr txBox="1"/>
+          <p:nvPr/>
+        </p:nvSpPr>
+        <p:spPr>
+          <a:xfrm>
+            <a:off x="1193425" y="1863750"/>
+            <a:ext cx="6884700" cy="708000"/>
+          </a:xfrm>
+          <a:prstGeom prst="rect">
+            <a:avLst/>
+          </a:prstGeom>
+          <a:noFill/>
+          <a:ln>
+            <a:noFill/>
+          </a:ln>
+        </p:spPr>
+        <p:txBody>
+          <a:bodyPr anchorCtr="0" anchor="t" bIns="45700" lIns="91425" spcFirstLastPara="1" rIns="91425" wrap="square" tIns="45700">
+            <a:spAutoFit/>
+          </a:bodyPr>
+          <a:lstStyle/>
+          <a:p>
+            <a:pPr indent="0" lvl="0" marL="0" marR="0" rtl="0" algn="ctr">
+              <a:lnSpc>
+                <a:spcPct val="115000"/>
+              </a:lnSpc>
+              <a:spcBef>
+                <a:spcPts val="0"/>
+              </a:spcBef>
+              <a:spcAft>
+                <a:spcPts val="0"/>
+              </a:spcAft>
+              <a:buClr>
+                <a:srgbClr val="000000"/>
+              </a:buClr>
+              <a:buSzPts val="3200"/>
+              <a:buFont typeface="Arial"/>
+              <a:buNone/>
+            </a:pPr>
+            <a:r>
+              <a:rPr b="1" lang="en-GB" sz="4000">
+                <a:solidFill>
+                  <a:srgbClr val="FFFFFF"/>
+                </a:solidFill>
+                <a:latin typeface="Inter"/>
+                <a:ea typeface="Inter"/>
+                <a:cs typeface="Inter"/>
+                <a:sym typeface="Inter"/>
+              </a:rPr>
+              <a:t>Appendix</a:t>
+            </a:r>
+            <a:endParaRPr b="1" sz="4000">
+              <a:solidFill>
+                <a:srgbClr val="FFFFFF"/>
+              </a:solidFill>
+              <a:latin typeface="Inter"/>
+              <a:ea typeface="Inter"/>
+              <a:cs typeface="Inter"/>
+              <a:sym typeface="Inter"/>
+            </a:endParaRPr>
+          </a:p>
+        </p:txBody>
+      </p:sp>
+    </p:spTree>
+  </p:cSld>
+  <p:clrMapOvr>
+    <a:masterClrMapping/>
+  </p:clrMapOvr>
+</p:sld>
+</file>
+
+<file path=ppt/slides/slide15.xml><?xml version="1.0" encoding="utf-8"?>
+<p:sld xmlns:a="http://schemas.openxmlformats.org/drawingml/2006/main" xmlns:r="http://schemas.openxmlformats.org/officeDocument/2006/relationships" xmlns:mc="http://schemas.openxmlformats.org/markup-compatibility/2006" xmlns:mv="urn:schemas-microsoft-com:mac:vml" xmlns:p="http://schemas.openxmlformats.org/presentationml/2006/main" xmlns:c="http://schemas.openxmlformats.org/drawingml/2006/chart" xmlns:dgm="http://schemas.openxmlformats.org/drawingml/2006/diagram" xmlns:o="urn:schemas-microsoft-com:office:office" xmlns:v="urn:schemas-microsoft-com:vml" xmlns:pvml="urn:schemas-microsoft-com:office:powerpoint" xmlns:com="http://schemas.openxmlformats.org/drawingml/2006/compatibility" xmlns:p14="http://schemas.microsoft.com/office/powerpoint/2010/main" xmlns:p15="http://schemas.microsoft.com/office/powerpoint/2012/main" xmlns:ahyp="http://schemas.microsoft.com/office/drawing/2018/hyperlinkcolor">
+  <p:cSld>
+    <p:spTree>
+      <p:nvGrpSpPr>
+        <p:cNvPr id="195" name="Shape 195"/>
         <p:cNvGrpSpPr/>
         <p:nvPr/>
       </p:nvGrpSpPr>
@@ -9115,7 +11503,7 @@
       </p:grpSpPr>
       <p:graphicFrame>
         <p:nvGraphicFramePr>
-          <p:cNvPr id="149" name="Google Shape;149;p23"/>
+          <p:cNvPr id="196" name="Google Shape;196;p28"/>
           <p:cNvGraphicFramePr/>
           <p:nvPr/>
         </p:nvGraphicFramePr>
@@ -9128,7 +11516,7 @@
             <a:tbl>
               <a:tblPr>
                 <a:noFill/>
-                <a:tableStyleId>{8842695C-21A2-456C-9866-8A7303E41BA8}</a:tableStyleId>
+                <a:tableStyleId>{D6A7A21B-003F-455C-A127-CE841FBD6F3E}</a:tableStyleId>
               </a:tblPr>
               <a:tblGrid>
                 <a:gridCol w="1447800"/>
@@ -11056,7 +13444,7 @@
       </p:graphicFrame>
       <p:pic>
         <p:nvPicPr>
-          <p:cNvPr id="150" name="Google Shape;150;p23"/>
+          <p:cNvPr id="197" name="Google Shape;197;p28"/>
           <p:cNvPicPr preferRelativeResize="0"/>
           <p:nvPr/>
         </p:nvPicPr>
@@ -11089,12 +13477,12 @@
 </p:sld>
 </file>
 
-<file path=ppt/slides/slide11.xml><?xml version="1.0" encoding="utf-8"?>
+<file path=ppt/slides/slide16.xml><?xml version="1.0" encoding="utf-8"?>
 <p:sld xmlns:a="http://schemas.openxmlformats.org/drawingml/2006/main" xmlns:r="http://schemas.openxmlformats.org/officeDocument/2006/relationships" xmlns:mc="http://schemas.openxmlformats.org/markup-compatibility/2006" xmlns:mv="urn:schemas-microsoft-com:mac:vml" xmlns:p="http://schemas.openxmlformats.org/presentationml/2006/main" xmlns:c="http://schemas.openxmlformats.org/drawingml/2006/chart" xmlns:dgm="http://schemas.openxmlformats.org/drawingml/2006/diagram" xmlns:o="urn:schemas-microsoft-com:office:office" xmlns:v="urn:schemas-microsoft-com:vml" xmlns:pvml="urn:schemas-microsoft-com:office:powerpoint" xmlns:com="http://schemas.openxmlformats.org/drawingml/2006/compatibility" xmlns:p14="http://schemas.microsoft.com/office/powerpoint/2010/main" xmlns:p15="http://schemas.microsoft.com/office/powerpoint/2012/main" xmlns:ahyp="http://schemas.microsoft.com/office/drawing/2018/hyperlinkcolor">
   <p:cSld>
     <p:spTree>
       <p:nvGrpSpPr>
-        <p:cNvPr id="154" name="Shape 154"/>
+        <p:cNvPr id="201" name="Shape 201"/>
         <p:cNvGrpSpPr/>
         <p:nvPr/>
       </p:nvGrpSpPr>
@@ -11108,22 +13496,21 @@
       </p:grpSpPr>
       <p:pic>
         <p:nvPicPr>
-          <p:cNvPr id="155" name="Google Shape;155;p24"/>
+          <p:cNvPr id="202" name="Google Shape;202;p29"/>
           <p:cNvPicPr preferRelativeResize="0"/>
           <p:nvPr/>
         </p:nvPicPr>
-        <p:blipFill>
+        <p:blipFill rotWithShape="1">
           <a:blip r:embed="rId3">
             <a:alphaModFix/>
           </a:blip>
-          <a:stretch>
-            <a:fillRect/>
-          </a:stretch>
+          <a:srcRect b="0" l="48979" r="0" t="12625"/>
+          <a:stretch/>
         </p:blipFill>
         <p:spPr>
           <a:xfrm>
-            <a:off x="152400" y="523850"/>
-            <a:ext cx="8839199" cy="4095809"/>
+            <a:off x="3749500" y="1195975"/>
+            <a:ext cx="4509776" cy="3578599"/>
           </a:xfrm>
           <a:prstGeom prst="rect">
             <a:avLst/>
@@ -11136,7 +13523,7 @@
       </p:pic>
       <p:pic>
         <p:nvPicPr>
-          <p:cNvPr id="156" name="Google Shape;156;p24"/>
+          <p:cNvPr id="203" name="Google Shape;203;p29"/>
           <p:cNvPicPr preferRelativeResize="0"/>
           <p:nvPr/>
         </p:nvPicPr>
@@ -11161,166 +13548,347 @@
           </a:ln>
         </p:spPr>
       </p:pic>
-    </p:spTree>
-  </p:cSld>
-  <p:clrMapOvr>
-    <a:masterClrMapping/>
-  </p:clrMapOvr>
-</p:sld>
-</file>
-
-<file path=ppt/slides/slide12.xml><?xml version="1.0" encoding="utf-8"?>
-<p:sld xmlns:a="http://schemas.openxmlformats.org/drawingml/2006/main" xmlns:r="http://schemas.openxmlformats.org/officeDocument/2006/relationships" xmlns:mc="http://schemas.openxmlformats.org/markup-compatibility/2006" xmlns:mv="urn:schemas-microsoft-com:mac:vml" xmlns:p="http://schemas.openxmlformats.org/presentationml/2006/main" xmlns:c="http://schemas.openxmlformats.org/drawingml/2006/chart" xmlns:dgm="http://schemas.openxmlformats.org/drawingml/2006/diagram" xmlns:o="urn:schemas-microsoft-com:office:office" xmlns:v="urn:schemas-microsoft-com:vml" xmlns:pvml="urn:schemas-microsoft-com:office:powerpoint" xmlns:com="http://schemas.openxmlformats.org/drawingml/2006/compatibility" xmlns:p14="http://schemas.microsoft.com/office/powerpoint/2010/main" xmlns:p15="http://schemas.microsoft.com/office/powerpoint/2012/main" xmlns:ahyp="http://schemas.microsoft.com/office/drawing/2018/hyperlinkcolor">
-  <p:cSld>
-    <p:spTree>
-      <p:nvGrpSpPr>
-        <p:cNvPr id="160" name="Shape 160"/>
-        <p:cNvGrpSpPr/>
-        <p:nvPr/>
-      </p:nvGrpSpPr>
-      <p:grpSpPr>
-        <a:xfrm>
-          <a:off x="0" y="0"/>
-          <a:ext cx="0" cy="0"/>
-          <a:chOff x="0" y="0"/>
-          <a:chExt cx="0" cy="0"/>
-        </a:xfrm>
-      </p:grpSpPr>
-      <p:pic>
-        <p:nvPicPr>
-          <p:cNvPr id="161" name="Google Shape;161;p25"/>
-          <p:cNvPicPr preferRelativeResize="0"/>
+      <p:graphicFrame>
+        <p:nvGraphicFramePr>
+          <p:cNvPr id="204" name="Google Shape;204;p29"/>
+          <p:cNvGraphicFramePr/>
           <p:nvPr/>
-        </p:nvPicPr>
-        <p:blipFill>
-          <a:blip r:embed="rId3">
-            <a:alphaModFix/>
-          </a:blip>
-          <a:stretch>
-            <a:fillRect/>
-          </a:stretch>
-        </p:blipFill>
+        </p:nvGraphicFramePr>
+        <p:xfrm>
+          <a:off x="837750" y="1994775"/>
+          <a:ext cx="3000000" cy="3000000"/>
+        </p:xfrm>
+        <a:graphic>
+          <a:graphicData uri="http://schemas.openxmlformats.org/drawingml/2006/table">
+            <a:tbl>
+              <a:tblPr>
+                <a:noFill/>
+                <a:tableStyleId>{D6A7A21B-003F-455C-A127-CE841FBD6F3E}</a:tableStyleId>
+              </a:tblPr>
+              <a:tblGrid>
+                <a:gridCol w="1163975"/>
+                <a:gridCol w="1019750"/>
+              </a:tblGrid>
+              <a:tr h="352100">
+                <a:tc>
+                  <a:txBody>
+                    <a:bodyPr/>
+                    <a:lstStyle/>
+                    <a:p>
+                      <a:pPr indent="0" lvl="0" marL="0" rtl="0" algn="l">
+                        <a:spcBef>
+                          <a:spcPts val="0"/>
+                        </a:spcBef>
+                        <a:spcAft>
+                          <a:spcPts val="0"/>
+                        </a:spcAft>
+                        <a:buNone/>
+                      </a:pPr>
+                      <a:r>
+                        <a:rPr b="1" lang="en-GB"/>
+                        <a:t>Metric</a:t>
+                      </a:r>
+                      <a:endParaRPr b="1"/>
+                    </a:p>
+                  </a:txBody>
+                  <a:tcPr marT="91425" marB="91425" marR="91425" marL="91425"/>
+                </a:tc>
+                <a:tc>
+                  <a:txBody>
+                    <a:bodyPr/>
+                    <a:lstStyle/>
+                    <a:p>
+                      <a:pPr indent="0" lvl="0" marL="0" rtl="0" algn="l">
+                        <a:spcBef>
+                          <a:spcPts val="0"/>
+                        </a:spcBef>
+                        <a:spcAft>
+                          <a:spcPts val="0"/>
+                        </a:spcAft>
+                        <a:buNone/>
+                      </a:pPr>
+                      <a:r>
+                        <a:rPr b="1" lang="en-GB"/>
+                        <a:t>Score</a:t>
+                      </a:r>
+                      <a:endParaRPr b="1"/>
+                    </a:p>
+                  </a:txBody>
+                  <a:tcPr marT="91425" marB="91425" marR="91425" marL="91425"/>
+                </a:tc>
+              </a:tr>
+              <a:tr h="352100">
+                <a:tc>
+                  <a:txBody>
+                    <a:bodyPr/>
+                    <a:lstStyle/>
+                    <a:p>
+                      <a:pPr indent="0" lvl="0" marL="0" rtl="0" algn="l">
+                        <a:spcBef>
+                          <a:spcPts val="0"/>
+                        </a:spcBef>
+                        <a:spcAft>
+                          <a:spcPts val="0"/>
+                        </a:spcAft>
+                        <a:buNone/>
+                      </a:pPr>
+                      <a:r>
+                        <a:rPr lang="en-GB"/>
+                        <a:t>Precision</a:t>
+                      </a:r>
+                      <a:endParaRPr/>
+                    </a:p>
+                  </a:txBody>
+                  <a:tcPr marT="91425" marB="91425" marR="91425" marL="91425"/>
+                </a:tc>
+                <a:tc>
+                  <a:txBody>
+                    <a:bodyPr/>
+                    <a:lstStyle/>
+                    <a:p>
+                      <a:pPr indent="0" lvl="0" marL="0" rtl="0" algn="l">
+                        <a:spcBef>
+                          <a:spcPts val="0"/>
+                        </a:spcBef>
+                        <a:spcAft>
+                          <a:spcPts val="0"/>
+                        </a:spcAft>
+                        <a:buNone/>
+                      </a:pPr>
+                      <a:r>
+                        <a:rPr lang="en-GB"/>
+                        <a:t>0.43</a:t>
+                      </a:r>
+                      <a:endParaRPr/>
+                    </a:p>
+                  </a:txBody>
+                  <a:tcPr marT="91425" marB="91425" marR="91425" marL="91425"/>
+                </a:tc>
+              </a:tr>
+              <a:tr h="352100">
+                <a:tc>
+                  <a:txBody>
+                    <a:bodyPr/>
+                    <a:lstStyle/>
+                    <a:p>
+                      <a:pPr indent="0" lvl="0" marL="0" rtl="0" algn="l">
+                        <a:spcBef>
+                          <a:spcPts val="0"/>
+                        </a:spcBef>
+                        <a:spcAft>
+                          <a:spcPts val="0"/>
+                        </a:spcAft>
+                        <a:buNone/>
+                      </a:pPr>
+                      <a:r>
+                        <a:rPr lang="en-GB"/>
+                        <a:t>Recall </a:t>
+                      </a:r>
+                      <a:endParaRPr/>
+                    </a:p>
+                  </a:txBody>
+                  <a:tcPr marT="91425" marB="91425" marR="91425" marL="91425"/>
+                </a:tc>
+                <a:tc>
+                  <a:txBody>
+                    <a:bodyPr/>
+                    <a:lstStyle/>
+                    <a:p>
+                      <a:pPr indent="0" lvl="0" marL="0" rtl="0" algn="l">
+                        <a:spcBef>
+                          <a:spcPts val="0"/>
+                        </a:spcBef>
+                        <a:spcAft>
+                          <a:spcPts val="0"/>
+                        </a:spcAft>
+                        <a:buNone/>
+                      </a:pPr>
+                      <a:r>
+                        <a:rPr lang="en-GB"/>
+                        <a:t>0.52</a:t>
+                      </a:r>
+                      <a:endParaRPr/>
+                    </a:p>
+                  </a:txBody>
+                  <a:tcPr marT="91425" marB="91425" marR="91425" marL="91425"/>
+                </a:tc>
+              </a:tr>
+              <a:tr h="352100">
+                <a:tc>
+                  <a:txBody>
+                    <a:bodyPr/>
+                    <a:lstStyle/>
+                    <a:p>
+                      <a:pPr indent="0" lvl="0" marL="0" rtl="0" algn="l">
+                        <a:spcBef>
+                          <a:spcPts val="0"/>
+                        </a:spcBef>
+                        <a:spcAft>
+                          <a:spcPts val="0"/>
+                        </a:spcAft>
+                        <a:buNone/>
+                      </a:pPr>
+                      <a:r>
+                        <a:rPr lang="en-GB"/>
+                        <a:t>F1 Score</a:t>
+                      </a:r>
+                      <a:endParaRPr/>
+                    </a:p>
+                  </a:txBody>
+                  <a:tcPr marT="91425" marB="91425" marR="91425" marL="91425"/>
+                </a:tc>
+                <a:tc>
+                  <a:txBody>
+                    <a:bodyPr/>
+                    <a:lstStyle/>
+                    <a:p>
+                      <a:pPr indent="0" lvl="0" marL="0" rtl="0" algn="l">
+                        <a:spcBef>
+                          <a:spcPts val="0"/>
+                        </a:spcBef>
+                        <a:spcAft>
+                          <a:spcPts val="0"/>
+                        </a:spcAft>
+                        <a:buNone/>
+                      </a:pPr>
+                      <a:r>
+                        <a:rPr lang="en-GB"/>
+                        <a:t>0.47</a:t>
+                      </a:r>
+                      <a:endParaRPr/>
+                    </a:p>
+                  </a:txBody>
+                  <a:tcPr marT="91425" marB="91425" marR="91425" marL="91425"/>
+                </a:tc>
+              </a:tr>
+              <a:tr h="352100">
+                <a:tc>
+                  <a:txBody>
+                    <a:bodyPr/>
+                    <a:lstStyle/>
+                    <a:p>
+                      <a:pPr indent="0" lvl="0" marL="0" rtl="0" algn="l">
+                        <a:spcBef>
+                          <a:spcPts val="0"/>
+                        </a:spcBef>
+                        <a:spcAft>
+                          <a:spcPts val="0"/>
+                        </a:spcAft>
+                        <a:buNone/>
+                      </a:pPr>
+                      <a:r>
+                        <a:rPr lang="en-GB"/>
+                        <a:t>AUC ROC</a:t>
+                      </a:r>
+                      <a:endParaRPr/>
+                    </a:p>
+                  </a:txBody>
+                  <a:tcPr marT="91425" marB="91425" marR="91425" marL="91425"/>
+                </a:tc>
+                <a:tc>
+                  <a:txBody>
+                    <a:bodyPr/>
+                    <a:lstStyle/>
+                    <a:p>
+                      <a:pPr indent="0" lvl="0" marL="0" rtl="0" algn="l">
+                        <a:spcBef>
+                          <a:spcPts val="0"/>
+                        </a:spcBef>
+                        <a:spcAft>
+                          <a:spcPts val="0"/>
+                        </a:spcAft>
+                        <a:buNone/>
+                      </a:pPr>
+                      <a:r>
+                        <a:rPr lang="en-GB"/>
+                        <a:t>0.79</a:t>
+                      </a:r>
+                      <a:endParaRPr/>
+                    </a:p>
+                  </a:txBody>
+                  <a:tcPr marT="91425" marB="91425" marR="91425" marL="91425"/>
+                </a:tc>
+              </a:tr>
+            </a:tbl>
+          </a:graphicData>
+        </a:graphic>
+      </p:graphicFrame>
+      <p:sp>
+        <p:nvSpPr>
+          <p:cNvPr id="205" name="Google Shape;205;p29"/>
+          <p:cNvSpPr txBox="1"/>
+          <p:nvPr>
+            <p:ph type="title"/>
+          </p:nvPr>
+        </p:nvSpPr>
         <p:spPr>
           <a:xfrm>
-            <a:off x="152400" y="523850"/>
-            <a:ext cx="8839199" cy="4095809"/>
+            <a:off x="311700" y="216425"/>
+            <a:ext cx="8520600" cy="572700"/>
           </a:xfrm>
           <a:prstGeom prst="rect">
             <a:avLst/>
           </a:prstGeom>
-          <a:noFill/>
-          <a:ln>
-            <a:noFill/>
-          </a:ln>
         </p:spPr>
-      </p:pic>
-      <p:pic>
-        <p:nvPicPr>
-          <p:cNvPr id="162" name="Google Shape;162;p25"/>
-          <p:cNvPicPr preferRelativeResize="0"/>
+        <p:txBody>
+          <a:bodyPr anchorCtr="0" anchor="t" bIns="91425" lIns="91425" spcFirstLastPara="1" rIns="91425" wrap="square" tIns="91425">
+            <a:normAutofit fontScale="90000"/>
+          </a:bodyPr>
+          <a:lstStyle/>
+          <a:p>
+            <a:pPr indent="0" lvl="0" marL="0" rtl="0" algn="l">
+              <a:spcBef>
+                <a:spcPts val="0"/>
+              </a:spcBef>
+              <a:spcAft>
+                <a:spcPts val="0"/>
+              </a:spcAft>
+              <a:buNone/>
+            </a:pPr>
+            <a:r>
+              <a:rPr b="1" lang="en-GB">
+                <a:latin typeface="Inter"/>
+                <a:ea typeface="Inter"/>
+                <a:cs typeface="Inter"/>
+                <a:sym typeface="Inter"/>
+              </a:rPr>
+              <a:t>Test Set Evaluation</a:t>
+            </a:r>
+            <a:endParaRPr b="1">
+              <a:latin typeface="Inter"/>
+              <a:ea typeface="Inter"/>
+              <a:cs typeface="Inter"/>
+              <a:sym typeface="Inter"/>
+            </a:endParaRPr>
+          </a:p>
+        </p:txBody>
+      </p:sp>
+      <p:cxnSp>
+        <p:nvCxnSpPr>
+          <p:cNvPr id="206" name="Google Shape;206;p29"/>
+          <p:cNvCxnSpPr/>
           <p:nvPr/>
-        </p:nvPicPr>
-        <p:blipFill rotWithShape="1">
-          <a:blip r:embed="rId4">
-            <a:alphaModFix/>
-          </a:blip>
-          <a:srcRect b="2413" l="75755" r="0" t="92010"/>
-          <a:stretch/>
-        </p:blipFill>
+        </p:nvCxnSpPr>
         <p:spPr>
           <a:xfrm>
-            <a:off x="8157393" y="57007"/>
-            <a:ext cx="1003925" cy="246351"/>
+            <a:off x="164825" y="797944"/>
+            <a:ext cx="8842200" cy="9300"/>
           </a:xfrm>
-          <a:prstGeom prst="rect">
+          <a:prstGeom prst="straightConnector1">
             <a:avLst/>
           </a:prstGeom>
           <a:noFill/>
-          <a:ln>
-            <a:noFill/>
+          <a:ln cap="flat" cmpd="sng" w="9525">
+            <a:solidFill>
+              <a:srgbClr val="B7B7B7"/>
+            </a:solidFill>
+            <a:prstDash val="dash"/>
+            <a:round/>
+            <a:headEnd len="sm" w="sm" type="none"/>
+            <a:tailEnd len="sm" w="sm" type="none"/>
           </a:ln>
         </p:spPr>
-      </p:pic>
-    </p:spTree>
-  </p:cSld>
-  <p:clrMapOvr>
-    <a:masterClrMapping/>
-  </p:clrMapOvr>
-</p:sld>
-</file>
-
-<file path=ppt/slides/slide13.xml><?xml version="1.0" encoding="utf-8"?>
-<p:sld xmlns:a="http://schemas.openxmlformats.org/drawingml/2006/main" xmlns:r="http://schemas.openxmlformats.org/officeDocument/2006/relationships" xmlns:mc="http://schemas.openxmlformats.org/markup-compatibility/2006" xmlns:mv="urn:schemas-microsoft-com:mac:vml" xmlns:p="http://schemas.openxmlformats.org/presentationml/2006/main" xmlns:c="http://schemas.openxmlformats.org/drawingml/2006/chart" xmlns:dgm="http://schemas.openxmlformats.org/drawingml/2006/diagram" xmlns:o="urn:schemas-microsoft-com:office:office" xmlns:v="urn:schemas-microsoft-com:vml" xmlns:pvml="urn:schemas-microsoft-com:office:powerpoint" xmlns:com="http://schemas.openxmlformats.org/drawingml/2006/compatibility" xmlns:p14="http://schemas.microsoft.com/office/powerpoint/2010/main" xmlns:p15="http://schemas.microsoft.com/office/powerpoint/2012/main" xmlns:ahyp="http://schemas.microsoft.com/office/drawing/2018/hyperlinkcolor">
-  <p:cSld>
-    <p:spTree>
-      <p:nvGrpSpPr>
-        <p:cNvPr id="166" name="Shape 166"/>
-        <p:cNvGrpSpPr/>
-        <p:nvPr/>
-      </p:nvGrpSpPr>
-      <p:grpSpPr>
-        <a:xfrm>
-          <a:off x="0" y="0"/>
-          <a:ext cx="0" cy="0"/>
-          <a:chOff x="0" y="0"/>
-          <a:chExt cx="0" cy="0"/>
-        </a:xfrm>
-      </p:grpSpPr>
-      <p:pic>
-        <p:nvPicPr>
-          <p:cNvPr id="167" name="Google Shape;167;p26"/>
-          <p:cNvPicPr preferRelativeResize="0"/>
-          <p:nvPr/>
-        </p:nvPicPr>
-        <p:blipFill>
-          <a:blip r:embed="rId3">
-            <a:alphaModFix/>
-          </a:blip>
-          <a:stretch>
-            <a:fillRect/>
-          </a:stretch>
-        </p:blipFill>
-        <p:spPr>
-          <a:xfrm>
-            <a:off x="152400" y="523850"/>
-            <a:ext cx="8839199" cy="4095809"/>
-          </a:xfrm>
-          <a:prstGeom prst="rect">
-            <a:avLst/>
-          </a:prstGeom>
-          <a:noFill/>
-          <a:ln>
-            <a:noFill/>
-          </a:ln>
-        </p:spPr>
-      </p:pic>
-      <p:pic>
-        <p:nvPicPr>
-          <p:cNvPr id="168" name="Google Shape;168;p26"/>
-          <p:cNvPicPr preferRelativeResize="0"/>
-          <p:nvPr/>
-        </p:nvPicPr>
-        <p:blipFill rotWithShape="1">
-          <a:blip r:embed="rId4">
-            <a:alphaModFix/>
-          </a:blip>
-          <a:srcRect b="2413" l="75755" r="0" t="92010"/>
-          <a:stretch/>
-        </p:blipFill>
-        <p:spPr>
-          <a:xfrm>
-            <a:off x="8157393" y="57007"/>
-            <a:ext cx="1003925" cy="246351"/>
-          </a:xfrm>
-          <a:prstGeom prst="rect">
-            <a:avLst/>
-          </a:prstGeom>
-          <a:noFill/>
-          <a:ln>
-            <a:noFill/>
-          </a:ln>
-        </p:spPr>
-      </p:pic>
+      </p:cxnSp>
     </p:spTree>
   </p:cSld>
   <p:clrMapOvr>
@@ -12374,22 +14942,313 @@
             </a:endParaRPr>
           </a:p>
           <a:p>
-            <a:pPr indent="0" lvl="0" marL="457200" rtl="0" algn="l">
+            <a:pPr indent="-317500" lvl="0" marL="457200" rtl="0" algn="l">
               <a:lnSpc>
                 <a:spcPct val="122222"/>
               </a:lnSpc>
               <a:spcBef>
-                <a:spcPts val="1200"/>
-              </a:spcBef>
-              <a:spcAft>
-                <a:spcPts val="0"/>
-              </a:spcAft>
-              <a:buNone/>
+                <a:spcPts val="0"/>
+              </a:spcBef>
+              <a:spcAft>
+                <a:spcPts val="0"/>
+              </a:spcAft>
+              <a:buClr>
+                <a:srgbClr val="202124"/>
+              </a:buClr>
+              <a:buSzPts val="1400"/>
+              <a:buChar char="●"/>
             </a:pPr>
             <a:r>
-              <a:t/>
+              <a:rPr lang="en-GB" sz="1400">
+                <a:solidFill>
+                  <a:srgbClr val="202124"/>
+                </a:solidFill>
+              </a:rPr>
+              <a:t>Categories:</a:t>
             </a:r>
             <a:endParaRPr sz="1400">
+              <a:solidFill>
+                <a:srgbClr val="202124"/>
+              </a:solidFill>
+            </a:endParaRPr>
+          </a:p>
+          <a:p>
+            <a:pPr indent="-317500" lvl="1" marL="914400" rtl="0" algn="l">
+              <a:lnSpc>
+                <a:spcPct val="122222"/>
+              </a:lnSpc>
+              <a:spcBef>
+                <a:spcPts val="0"/>
+              </a:spcBef>
+              <a:spcAft>
+                <a:spcPts val="0"/>
+              </a:spcAft>
+              <a:buClr>
+                <a:srgbClr val="202124"/>
+              </a:buClr>
+              <a:buSzPts val="1400"/>
+              <a:buChar char="○"/>
+            </a:pPr>
+            <a:r>
+              <a:rPr b="1" lang="en-GB">
+                <a:solidFill>
+                  <a:srgbClr val="202124"/>
+                </a:solidFill>
+              </a:rPr>
+              <a:t>Demographics</a:t>
+            </a:r>
+            <a:r>
+              <a:rPr lang="en-GB">
+                <a:solidFill>
+                  <a:srgbClr val="202124"/>
+                </a:solidFill>
+              </a:rPr>
+              <a:t> — </a:t>
+            </a:r>
+            <a:r>
+              <a:rPr i="1" lang="en-GB">
+                <a:solidFill>
+                  <a:srgbClr val="202124"/>
+                </a:solidFill>
+              </a:rPr>
+              <a:t>Age, Gender, Marital Status</a:t>
+            </a:r>
+            <a:endParaRPr i="1">
+              <a:solidFill>
+                <a:srgbClr val="202124"/>
+              </a:solidFill>
+            </a:endParaRPr>
+          </a:p>
+          <a:p>
+            <a:pPr indent="-298450" lvl="1" marL="914400" rtl="0" algn="l">
+              <a:lnSpc>
+                <a:spcPct val="122222"/>
+              </a:lnSpc>
+              <a:spcBef>
+                <a:spcPts val="0"/>
+              </a:spcBef>
+              <a:spcAft>
+                <a:spcPts val="0"/>
+              </a:spcAft>
+              <a:buClr>
+                <a:srgbClr val="202124"/>
+              </a:buClr>
+              <a:buSzPts val="1100"/>
+              <a:buChar char="○"/>
+            </a:pPr>
+            <a:r>
+              <a:rPr b="1" lang="en-GB">
+                <a:solidFill>
+                  <a:srgbClr val="202124"/>
+                </a:solidFill>
+              </a:rPr>
+              <a:t>Education</a:t>
+            </a:r>
+            <a:r>
+              <a:rPr lang="en-GB">
+                <a:solidFill>
+                  <a:srgbClr val="202124"/>
+                </a:solidFill>
+              </a:rPr>
+              <a:t> — </a:t>
+            </a:r>
+            <a:r>
+              <a:rPr i="1" lang="en-GB">
+                <a:solidFill>
+                  <a:srgbClr val="202124"/>
+                </a:solidFill>
+              </a:rPr>
+              <a:t>Education Level , Education Field</a:t>
+            </a:r>
+            <a:endParaRPr i="1">
+              <a:solidFill>
+                <a:srgbClr val="202124"/>
+              </a:solidFill>
+            </a:endParaRPr>
+          </a:p>
+          <a:p>
+            <a:pPr indent="-298450" lvl="1" marL="914400" rtl="0" algn="l">
+              <a:lnSpc>
+                <a:spcPct val="122222"/>
+              </a:lnSpc>
+              <a:spcBef>
+                <a:spcPts val="0"/>
+              </a:spcBef>
+              <a:spcAft>
+                <a:spcPts val="0"/>
+              </a:spcAft>
+              <a:buClr>
+                <a:srgbClr val="202124"/>
+              </a:buClr>
+              <a:buSzPts val="1100"/>
+              <a:buChar char="○"/>
+            </a:pPr>
+            <a:r>
+              <a:rPr b="1" lang="en-GB">
+                <a:solidFill>
+                  <a:srgbClr val="202124"/>
+                </a:solidFill>
+              </a:rPr>
+              <a:t>Job &amp; Role</a:t>
+            </a:r>
+            <a:r>
+              <a:rPr lang="en-GB">
+                <a:solidFill>
+                  <a:srgbClr val="202124"/>
+                </a:solidFill>
+              </a:rPr>
+              <a:t> — </a:t>
+            </a:r>
+            <a:r>
+              <a:rPr i="1" lang="en-GB">
+                <a:solidFill>
+                  <a:srgbClr val="202124"/>
+                </a:solidFill>
+              </a:rPr>
+              <a:t>Job Role , Department , Business Travel etc.</a:t>
+            </a:r>
+            <a:endParaRPr i="1">
+              <a:solidFill>
+                <a:srgbClr val="202124"/>
+              </a:solidFill>
+            </a:endParaRPr>
+          </a:p>
+          <a:p>
+            <a:pPr indent="-298450" lvl="1" marL="914400" rtl="0" algn="l">
+              <a:lnSpc>
+                <a:spcPct val="122222"/>
+              </a:lnSpc>
+              <a:spcBef>
+                <a:spcPts val="0"/>
+              </a:spcBef>
+              <a:spcAft>
+                <a:spcPts val="0"/>
+              </a:spcAft>
+              <a:buClr>
+                <a:srgbClr val="202124"/>
+              </a:buClr>
+              <a:buSzPts val="1100"/>
+              <a:buChar char="○"/>
+            </a:pPr>
+            <a:r>
+              <a:rPr b="1" lang="en-GB">
+                <a:solidFill>
+                  <a:srgbClr val="202124"/>
+                </a:solidFill>
+              </a:rPr>
+              <a:t>Work History &amp; Experience</a:t>
+            </a:r>
+            <a:r>
+              <a:rPr lang="en-GB">
+                <a:solidFill>
+                  <a:srgbClr val="202124"/>
+                </a:solidFill>
+              </a:rPr>
+              <a:t> — </a:t>
+            </a:r>
+            <a:r>
+              <a:rPr i="1" lang="en-GB">
+                <a:solidFill>
+                  <a:srgbClr val="202124"/>
+                </a:solidFill>
+              </a:rPr>
+              <a:t>Total Working Years, Years At Company etc.</a:t>
+            </a:r>
+            <a:endParaRPr i="1">
+              <a:solidFill>
+                <a:srgbClr val="202124"/>
+              </a:solidFill>
+            </a:endParaRPr>
+          </a:p>
+          <a:p>
+            <a:pPr indent="-298450" lvl="1" marL="914400" rtl="0" algn="l">
+              <a:lnSpc>
+                <a:spcPct val="122222"/>
+              </a:lnSpc>
+              <a:spcBef>
+                <a:spcPts val="0"/>
+              </a:spcBef>
+              <a:spcAft>
+                <a:spcPts val="0"/>
+              </a:spcAft>
+              <a:buClr>
+                <a:srgbClr val="202124"/>
+              </a:buClr>
+              <a:buSzPts val="1100"/>
+              <a:buChar char="○"/>
+            </a:pPr>
+            <a:r>
+              <a:rPr b="1" lang="en-GB">
+                <a:solidFill>
+                  <a:srgbClr val="202124"/>
+                </a:solidFill>
+              </a:rPr>
+              <a:t>Work-Life</a:t>
+            </a:r>
+            <a:r>
+              <a:rPr lang="en-GB">
+                <a:solidFill>
+                  <a:srgbClr val="202124"/>
+                </a:solidFill>
+              </a:rPr>
+              <a:t> — </a:t>
+            </a:r>
+            <a:r>
+              <a:rPr i="1" lang="en-GB">
+                <a:solidFill>
+                  <a:srgbClr val="202124"/>
+                </a:solidFill>
+              </a:rPr>
+              <a:t>Work Life Balance , Environment Satisfaction , Over Time etc.</a:t>
+            </a:r>
+            <a:endParaRPr i="1">
+              <a:solidFill>
+                <a:srgbClr val="202124"/>
+              </a:solidFill>
+            </a:endParaRPr>
+          </a:p>
+          <a:p>
+            <a:pPr indent="-298450" lvl="1" marL="914400" rtl="0" algn="l">
+              <a:lnSpc>
+                <a:spcPct val="122222"/>
+              </a:lnSpc>
+              <a:spcBef>
+                <a:spcPts val="0"/>
+              </a:spcBef>
+              <a:spcAft>
+                <a:spcPts val="0"/>
+              </a:spcAft>
+              <a:buClr>
+                <a:srgbClr val="202124"/>
+              </a:buClr>
+              <a:buSzPts val="1100"/>
+              <a:buChar char="○"/>
+            </a:pPr>
+            <a:r>
+              <a:rPr b="1" lang="en-GB">
+                <a:solidFill>
+                  <a:srgbClr val="202124"/>
+                </a:solidFill>
+              </a:rPr>
+              <a:t>Compensation</a:t>
+            </a:r>
+            <a:r>
+              <a:rPr lang="en-GB">
+                <a:solidFill>
+                  <a:srgbClr val="202124"/>
+                </a:solidFill>
+              </a:rPr>
+              <a:t> — </a:t>
+            </a:r>
+            <a:r>
+              <a:rPr i="1" lang="en-GB">
+                <a:solidFill>
+                  <a:srgbClr val="202124"/>
+                </a:solidFill>
+              </a:rPr>
+              <a:t>Monthly Income , Monthly Rate , Hourly Rate etc.</a:t>
+            </a:r>
+            <a:endParaRPr i="1">
               <a:solidFill>
                 <a:srgbClr val="202124"/>
               </a:solidFill>
@@ -12472,765 +15331,6 @@
           </a:ln>
         </p:spPr>
       </p:pic>
-      <p:graphicFrame>
-        <p:nvGraphicFramePr>
-          <p:cNvPr id="89" name="Google Shape;89;p16"/>
-          <p:cNvGraphicFramePr/>
-          <p:nvPr/>
-        </p:nvGraphicFramePr>
-        <p:xfrm>
-          <a:off x="1067838" y="1882275"/>
-          <a:ext cx="3000000" cy="3000000"/>
-        </p:xfrm>
-        <a:graphic>
-          <a:graphicData uri="http://schemas.openxmlformats.org/drawingml/2006/table">
-            <a:tbl>
-              <a:tblPr>
-                <a:noFill/>
-                <a:tableStyleId>{8842695C-21A2-456C-9866-8A7303E41BA8}</a:tableStyleId>
-              </a:tblPr>
-              <a:tblGrid>
-                <a:gridCol w="1077625"/>
-                <a:gridCol w="1072300"/>
-                <a:gridCol w="1541750"/>
-                <a:gridCol w="1332050"/>
-                <a:gridCol w="2012450"/>
-              </a:tblGrid>
-              <a:tr h="321700">
-                <a:tc>
-                  <a:txBody>
-                    <a:bodyPr/>
-                    <a:lstStyle/>
-                    <a:p>
-                      <a:pPr indent="0" lvl="0" marL="0" rtl="0" algn="l">
-                        <a:spcBef>
-                          <a:spcPts val="0"/>
-                        </a:spcBef>
-                        <a:spcAft>
-                          <a:spcPts val="0"/>
-                        </a:spcAft>
-                        <a:buNone/>
-                      </a:pPr>
-                      <a:r>
-                        <a:rPr b="1" lang="en-GB" sz="1000"/>
-                        <a:t>Feature Count</a:t>
-                      </a:r>
-                      <a:endParaRPr b="1" sz="1000"/>
-                    </a:p>
-                  </a:txBody>
-                  <a:tcPr marT="91425" marB="91425" marR="91425" marL="91425"/>
-                </a:tc>
-                <a:tc>
-                  <a:txBody>
-                    <a:bodyPr/>
-                    <a:lstStyle/>
-                    <a:p>
-                      <a:pPr indent="0" lvl="0" marL="0" rtl="0" algn="l">
-                        <a:spcBef>
-                          <a:spcPts val="0"/>
-                        </a:spcBef>
-                        <a:spcAft>
-                          <a:spcPts val="0"/>
-                        </a:spcAft>
-                        <a:buNone/>
-                      </a:pPr>
-                      <a:r>
-                        <a:rPr b="1" lang="en-GB" sz="1000"/>
-                        <a:t>Category</a:t>
-                      </a:r>
-                      <a:endParaRPr b="1" sz="1000"/>
-                    </a:p>
-                  </a:txBody>
-                  <a:tcPr marT="91425" marB="91425" marR="91425" marL="91425"/>
-                </a:tc>
-                <a:tc>
-                  <a:txBody>
-                    <a:bodyPr/>
-                    <a:lstStyle/>
-                    <a:p>
-                      <a:pPr indent="0" lvl="0" marL="0" rtl="0" algn="l">
-                        <a:spcBef>
-                          <a:spcPts val="0"/>
-                        </a:spcBef>
-                        <a:spcAft>
-                          <a:spcPts val="0"/>
-                        </a:spcAft>
-                        <a:buNone/>
-                      </a:pPr>
-                      <a:r>
-                        <a:rPr b="1" lang="en-GB" sz="1000"/>
-                        <a:t>Variable (Examples)</a:t>
-                      </a:r>
-                      <a:endParaRPr b="1" sz="1000"/>
-                    </a:p>
-                  </a:txBody>
-                  <a:tcPr marT="91425" marB="91425" marR="91425" marL="91425"/>
-                </a:tc>
-                <a:tc>
-                  <a:txBody>
-                    <a:bodyPr/>
-                    <a:lstStyle/>
-                    <a:p>
-                      <a:pPr indent="0" lvl="0" marL="0" rtl="0" algn="l">
-                        <a:spcBef>
-                          <a:spcPts val="0"/>
-                        </a:spcBef>
-                        <a:spcAft>
-                          <a:spcPts val="0"/>
-                        </a:spcAft>
-                        <a:buNone/>
-                      </a:pPr>
-                      <a:r>
-                        <a:rPr b="1" lang="en-GB" sz="1000"/>
-                        <a:t>Variable Type</a:t>
-                      </a:r>
-                      <a:endParaRPr b="1" sz="1000"/>
-                    </a:p>
-                  </a:txBody>
-                  <a:tcPr marT="91425" marB="91425" marR="91425" marL="91425"/>
-                </a:tc>
-                <a:tc>
-                  <a:txBody>
-                    <a:bodyPr/>
-                    <a:lstStyle/>
-                    <a:p>
-                      <a:pPr indent="0" lvl="0" marL="0" rtl="0" algn="l">
-                        <a:spcBef>
-                          <a:spcPts val="0"/>
-                        </a:spcBef>
-                        <a:spcAft>
-                          <a:spcPts val="0"/>
-                        </a:spcAft>
-                        <a:buNone/>
-                      </a:pPr>
-                      <a:r>
-                        <a:rPr b="1" lang="en-GB" sz="1000"/>
-                        <a:t>Example</a:t>
-                      </a:r>
-                      <a:endParaRPr b="1" sz="1000"/>
-                    </a:p>
-                  </a:txBody>
-                  <a:tcPr marT="91425" marB="91425" marR="91425" marL="91425"/>
-                </a:tc>
-              </a:tr>
-              <a:tr h="321700">
-                <a:tc rowSpan="2">
-                  <a:txBody>
-                    <a:bodyPr/>
-                    <a:lstStyle/>
-                    <a:p>
-                      <a:pPr indent="0" lvl="0" marL="0" rtl="0" algn="l">
-                        <a:spcBef>
-                          <a:spcPts val="0"/>
-                        </a:spcBef>
-                        <a:spcAft>
-                          <a:spcPts val="0"/>
-                        </a:spcAft>
-                        <a:buNone/>
-                      </a:pPr>
-                      <a:r>
-                        <a:rPr lang="en-GB" sz="1000"/>
-                        <a:t>4</a:t>
-                      </a:r>
-                      <a:endParaRPr sz="1000"/>
-                    </a:p>
-                  </a:txBody>
-                  <a:tcPr marT="91425" marB="91425" marR="91425" marL="91425" anchor="ctr"/>
-                </a:tc>
-                <a:tc rowSpan="2">
-                  <a:txBody>
-                    <a:bodyPr/>
-                    <a:lstStyle/>
-                    <a:p>
-                      <a:pPr indent="0" lvl="0" marL="0" rtl="0" algn="l">
-                        <a:spcBef>
-                          <a:spcPts val="0"/>
-                        </a:spcBef>
-                        <a:spcAft>
-                          <a:spcPts val="0"/>
-                        </a:spcAft>
-                        <a:buNone/>
-                      </a:pPr>
-                      <a:r>
-                        <a:rPr lang="en-GB" sz="1000"/>
-                        <a:t>Demographic</a:t>
-                      </a:r>
-                      <a:endParaRPr sz="1000"/>
-                    </a:p>
-                  </a:txBody>
-                  <a:tcPr marT="91425" marB="91425" marR="91425" marL="91425" anchor="ctr"/>
-                </a:tc>
-                <a:tc>
-                  <a:txBody>
-                    <a:bodyPr/>
-                    <a:lstStyle/>
-                    <a:p>
-                      <a:pPr indent="0" lvl="0" marL="0" rtl="0" algn="l">
-                        <a:spcBef>
-                          <a:spcPts val="0"/>
-                        </a:spcBef>
-                        <a:spcAft>
-                          <a:spcPts val="0"/>
-                        </a:spcAft>
-                        <a:buNone/>
-                      </a:pPr>
-                      <a:r>
-                        <a:rPr lang="en-GB" sz="1000"/>
-                        <a:t>Age</a:t>
-                      </a:r>
-                      <a:endParaRPr sz="1000"/>
-                    </a:p>
-                  </a:txBody>
-                  <a:tcPr marT="91425" marB="91425" marR="91425" marL="91425"/>
-                </a:tc>
-                <a:tc>
-                  <a:txBody>
-                    <a:bodyPr/>
-                    <a:lstStyle/>
-                    <a:p>
-                      <a:pPr indent="0" lvl="0" marL="0" rtl="0" algn="l">
-                        <a:spcBef>
-                          <a:spcPts val="0"/>
-                        </a:spcBef>
-                        <a:spcAft>
-                          <a:spcPts val="0"/>
-                        </a:spcAft>
-                        <a:buNone/>
-                      </a:pPr>
-                      <a:r>
-                        <a:rPr lang="en-GB" sz="1000"/>
-                        <a:t>Numerical </a:t>
-                      </a:r>
-                      <a:endParaRPr sz="1000"/>
-                    </a:p>
-                  </a:txBody>
-                  <a:tcPr marT="91425" marB="91425" marR="91425" marL="91425"/>
-                </a:tc>
-                <a:tc>
-                  <a:txBody>
-                    <a:bodyPr/>
-                    <a:lstStyle/>
-                    <a:p>
-                      <a:pPr indent="0" lvl="0" marL="0" rtl="0" algn="l">
-                        <a:spcBef>
-                          <a:spcPts val="0"/>
-                        </a:spcBef>
-                        <a:spcAft>
-                          <a:spcPts val="0"/>
-                        </a:spcAft>
-                        <a:buNone/>
-                      </a:pPr>
-                      <a:r>
-                        <a:rPr lang="en-GB" sz="1000"/>
-                        <a:t>25, 30</a:t>
-                      </a:r>
-                      <a:endParaRPr sz="1000"/>
-                    </a:p>
-                  </a:txBody>
-                  <a:tcPr marT="91425" marB="91425" marR="91425" marL="91425"/>
-                </a:tc>
-              </a:tr>
-              <a:tr h="321700">
-                <a:tc vMerge="1"/>
-                <a:tc vMerge="1"/>
-                <a:tc>
-                  <a:txBody>
-                    <a:bodyPr/>
-                    <a:lstStyle/>
-                    <a:p>
-                      <a:pPr indent="0" lvl="0" marL="0" rtl="0" algn="l">
-                        <a:spcBef>
-                          <a:spcPts val="0"/>
-                        </a:spcBef>
-                        <a:spcAft>
-                          <a:spcPts val="0"/>
-                        </a:spcAft>
-                        <a:buNone/>
-                      </a:pPr>
-                      <a:r>
-                        <a:rPr lang="en-GB" sz="1000"/>
-                        <a:t>Marital Status</a:t>
-                      </a:r>
-                      <a:endParaRPr sz="1000"/>
-                    </a:p>
-                  </a:txBody>
-                  <a:tcPr marT="91425" marB="91425" marR="91425" marL="91425"/>
-                </a:tc>
-                <a:tc>
-                  <a:txBody>
-                    <a:bodyPr/>
-                    <a:lstStyle/>
-                    <a:p>
-                      <a:pPr indent="0" lvl="0" marL="0" rtl="0" algn="l">
-                        <a:spcBef>
-                          <a:spcPts val="0"/>
-                        </a:spcBef>
-                        <a:spcAft>
-                          <a:spcPts val="0"/>
-                        </a:spcAft>
-                        <a:buNone/>
-                      </a:pPr>
-                      <a:r>
-                        <a:rPr lang="en-GB" sz="1000"/>
-                        <a:t>Categorical</a:t>
-                      </a:r>
-                      <a:endParaRPr sz="1000"/>
-                    </a:p>
-                  </a:txBody>
-                  <a:tcPr marT="91425" marB="91425" marR="91425" marL="91425"/>
-                </a:tc>
-                <a:tc>
-                  <a:txBody>
-                    <a:bodyPr/>
-                    <a:lstStyle/>
-                    <a:p>
-                      <a:pPr indent="0" lvl="0" marL="0" rtl="0" algn="l">
-                        <a:spcBef>
-                          <a:spcPts val="0"/>
-                        </a:spcBef>
-                        <a:spcAft>
-                          <a:spcPts val="0"/>
-                        </a:spcAft>
-                        <a:buNone/>
-                      </a:pPr>
-                      <a:r>
-                        <a:rPr lang="en-GB" sz="1000"/>
-                        <a:t>Married or Single</a:t>
-                      </a:r>
-                      <a:endParaRPr sz="1000"/>
-                    </a:p>
-                  </a:txBody>
-                  <a:tcPr marT="91425" marB="91425" marR="91425" marL="91425"/>
-                </a:tc>
-              </a:tr>
-              <a:tr h="321700">
-                <a:tc>
-                  <a:txBody>
-                    <a:bodyPr/>
-                    <a:lstStyle/>
-                    <a:p>
-                      <a:pPr indent="0" lvl="0" marL="0" rtl="0" algn="l">
-                        <a:spcBef>
-                          <a:spcPts val="0"/>
-                        </a:spcBef>
-                        <a:spcAft>
-                          <a:spcPts val="0"/>
-                        </a:spcAft>
-                        <a:buNone/>
-                      </a:pPr>
-                      <a:r>
-                        <a:rPr lang="en-GB" sz="1000"/>
-                        <a:t>2</a:t>
-                      </a:r>
-                      <a:endParaRPr sz="1000"/>
-                    </a:p>
-                  </a:txBody>
-                  <a:tcPr marT="91425" marB="91425" marR="91425" marL="91425"/>
-                </a:tc>
-                <a:tc>
-                  <a:txBody>
-                    <a:bodyPr/>
-                    <a:lstStyle/>
-                    <a:p>
-                      <a:pPr indent="0" lvl="0" marL="0" rtl="0" algn="l">
-                        <a:spcBef>
-                          <a:spcPts val="0"/>
-                        </a:spcBef>
-                        <a:spcAft>
-                          <a:spcPts val="0"/>
-                        </a:spcAft>
-                        <a:buNone/>
-                      </a:pPr>
-                      <a:r>
-                        <a:rPr lang="en-GB" sz="1000"/>
-                        <a:t>Education</a:t>
-                      </a:r>
-                      <a:endParaRPr sz="1000"/>
-                    </a:p>
-                  </a:txBody>
-                  <a:tcPr marT="91425" marB="91425" marR="91425" marL="91425"/>
-                </a:tc>
-                <a:tc>
-                  <a:txBody>
-                    <a:bodyPr/>
-                    <a:lstStyle/>
-                    <a:p>
-                      <a:pPr indent="0" lvl="0" marL="0" rtl="0" algn="l">
-                        <a:spcBef>
-                          <a:spcPts val="0"/>
-                        </a:spcBef>
-                        <a:spcAft>
-                          <a:spcPts val="0"/>
-                        </a:spcAft>
-                        <a:buNone/>
-                      </a:pPr>
-                      <a:r>
-                        <a:rPr lang="en-GB" sz="1000"/>
-                        <a:t>Education Level</a:t>
-                      </a:r>
-                      <a:endParaRPr sz="1000"/>
-                    </a:p>
-                  </a:txBody>
-                  <a:tcPr marT="91425" marB="91425" marR="91425" marL="91425"/>
-                </a:tc>
-                <a:tc>
-                  <a:txBody>
-                    <a:bodyPr/>
-                    <a:lstStyle/>
-                    <a:p>
-                      <a:pPr indent="0" lvl="0" marL="0" rtl="0" algn="l">
-                        <a:spcBef>
-                          <a:spcPts val="0"/>
-                        </a:spcBef>
-                        <a:spcAft>
-                          <a:spcPts val="0"/>
-                        </a:spcAft>
-                        <a:buNone/>
-                      </a:pPr>
-                      <a:r>
-                        <a:rPr lang="en-GB" sz="1000"/>
-                        <a:t>Ordinal</a:t>
-                      </a:r>
-                      <a:endParaRPr sz="1000"/>
-                    </a:p>
-                  </a:txBody>
-                  <a:tcPr marT="91425" marB="91425" marR="91425" marL="91425"/>
-                </a:tc>
-                <a:tc>
-                  <a:txBody>
-                    <a:bodyPr/>
-                    <a:lstStyle/>
-                    <a:p>
-                      <a:pPr indent="0" lvl="0" marL="0" rtl="0" algn="l">
-                        <a:spcBef>
-                          <a:spcPts val="0"/>
-                        </a:spcBef>
-                        <a:spcAft>
-                          <a:spcPts val="0"/>
-                        </a:spcAft>
-                        <a:buNone/>
-                      </a:pPr>
-                      <a:r>
-                        <a:rPr lang="en-GB" sz="1000"/>
-                        <a:t>1 (Below College) - 5 (Doctor)</a:t>
-                      </a:r>
-                      <a:endParaRPr sz="1000"/>
-                    </a:p>
-                  </a:txBody>
-                  <a:tcPr marT="91425" marB="91425" marR="91425" marL="91425"/>
-                </a:tc>
-              </a:tr>
-              <a:tr h="321700">
-                <a:tc>
-                  <a:txBody>
-                    <a:bodyPr/>
-                    <a:lstStyle/>
-                    <a:p>
-                      <a:pPr indent="0" lvl="0" marL="0" rtl="0" algn="l">
-                        <a:spcBef>
-                          <a:spcPts val="0"/>
-                        </a:spcBef>
-                        <a:spcAft>
-                          <a:spcPts val="0"/>
-                        </a:spcAft>
-                        <a:buNone/>
-                      </a:pPr>
-                      <a:r>
-                        <a:rPr lang="en-GB" sz="1000"/>
-                        <a:t>6</a:t>
-                      </a:r>
-                      <a:endParaRPr sz="1000"/>
-                    </a:p>
-                  </a:txBody>
-                  <a:tcPr marT="91425" marB="91425" marR="91425" marL="91425"/>
-                </a:tc>
-                <a:tc>
-                  <a:txBody>
-                    <a:bodyPr/>
-                    <a:lstStyle/>
-                    <a:p>
-                      <a:pPr indent="0" lvl="0" marL="0" rtl="0" algn="l">
-                        <a:spcBef>
-                          <a:spcPts val="0"/>
-                        </a:spcBef>
-                        <a:spcAft>
-                          <a:spcPts val="0"/>
-                        </a:spcAft>
-                        <a:buNone/>
-                      </a:pPr>
-                      <a:r>
-                        <a:rPr lang="en-GB" sz="1000"/>
-                        <a:t>Work History</a:t>
-                      </a:r>
-                      <a:endParaRPr sz="1000"/>
-                    </a:p>
-                  </a:txBody>
-                  <a:tcPr marT="91425" marB="91425" marR="91425" marL="91425"/>
-                </a:tc>
-                <a:tc>
-                  <a:txBody>
-                    <a:bodyPr/>
-                    <a:lstStyle/>
-                    <a:p>
-                      <a:pPr indent="0" lvl="0" marL="0" rtl="0" algn="l">
-                        <a:spcBef>
-                          <a:spcPts val="0"/>
-                        </a:spcBef>
-                        <a:spcAft>
-                          <a:spcPts val="0"/>
-                        </a:spcAft>
-                        <a:buNone/>
-                      </a:pPr>
-                      <a:r>
-                        <a:rPr lang="en-GB" sz="1000"/>
-                        <a:t>Total Working Years</a:t>
-                      </a:r>
-                      <a:endParaRPr sz="1000"/>
-                    </a:p>
-                  </a:txBody>
-                  <a:tcPr marT="91425" marB="91425" marR="91425" marL="91425"/>
-                </a:tc>
-                <a:tc>
-                  <a:txBody>
-                    <a:bodyPr/>
-                    <a:lstStyle/>
-                    <a:p>
-                      <a:pPr indent="0" lvl="0" marL="0" rtl="0" algn="l">
-                        <a:spcBef>
-                          <a:spcPts val="0"/>
-                        </a:spcBef>
-                        <a:spcAft>
-                          <a:spcPts val="0"/>
-                        </a:spcAft>
-                        <a:buNone/>
-                      </a:pPr>
-                      <a:r>
-                        <a:rPr lang="en-GB" sz="1000"/>
-                        <a:t>Numerical</a:t>
-                      </a:r>
-                      <a:endParaRPr sz="1000"/>
-                    </a:p>
-                  </a:txBody>
-                  <a:tcPr marT="91425" marB="91425" marR="91425" marL="91425"/>
-                </a:tc>
-                <a:tc>
-                  <a:txBody>
-                    <a:bodyPr/>
-                    <a:lstStyle/>
-                    <a:p>
-                      <a:pPr indent="0" lvl="0" marL="0" rtl="0" algn="l">
-                        <a:spcBef>
-                          <a:spcPts val="0"/>
-                        </a:spcBef>
-                        <a:spcAft>
-                          <a:spcPts val="0"/>
-                        </a:spcAft>
-                        <a:buNone/>
-                      </a:pPr>
-                      <a:r>
-                        <a:rPr lang="en-GB" sz="1000"/>
-                        <a:t>5 </a:t>
-                      </a:r>
-                      <a:endParaRPr sz="1000"/>
-                    </a:p>
-                  </a:txBody>
-                  <a:tcPr marT="91425" marB="91425" marR="91425" marL="91425"/>
-                </a:tc>
-              </a:tr>
-              <a:tr h="321700">
-                <a:tc rowSpan="2">
-                  <a:txBody>
-                    <a:bodyPr/>
-                    <a:lstStyle/>
-                    <a:p>
-                      <a:pPr indent="0" lvl="0" marL="0" rtl="0" algn="l">
-                        <a:spcBef>
-                          <a:spcPts val="0"/>
-                        </a:spcBef>
-                        <a:spcAft>
-                          <a:spcPts val="0"/>
-                        </a:spcAft>
-                        <a:buNone/>
-                      </a:pPr>
-                      <a:r>
-                        <a:rPr lang="en-GB" sz="1000"/>
-                        <a:t>3</a:t>
-                      </a:r>
-                      <a:endParaRPr sz="1000"/>
-                    </a:p>
-                  </a:txBody>
-                  <a:tcPr marT="91425" marB="91425" marR="91425" marL="91425" anchor="ctr"/>
-                </a:tc>
-                <a:tc rowSpan="2">
-                  <a:txBody>
-                    <a:bodyPr/>
-                    <a:lstStyle/>
-                    <a:p>
-                      <a:pPr indent="0" lvl="0" marL="0" rtl="0" algn="l">
-                        <a:spcBef>
-                          <a:spcPts val="0"/>
-                        </a:spcBef>
-                        <a:spcAft>
-                          <a:spcPts val="0"/>
-                        </a:spcAft>
-                        <a:buNone/>
-                      </a:pPr>
-                      <a:r>
-                        <a:rPr lang="en-GB" sz="1000"/>
-                        <a:t>Internal Info</a:t>
-                      </a:r>
-                      <a:endParaRPr sz="1000"/>
-                    </a:p>
-                  </a:txBody>
-                  <a:tcPr marT="91425" marB="91425" marR="91425" marL="91425" anchor="ctr"/>
-                </a:tc>
-                <a:tc>
-                  <a:txBody>
-                    <a:bodyPr/>
-                    <a:lstStyle/>
-                    <a:p>
-                      <a:pPr indent="0" lvl="0" marL="0" rtl="0" algn="l">
-                        <a:spcBef>
-                          <a:spcPts val="0"/>
-                        </a:spcBef>
-                        <a:spcAft>
-                          <a:spcPts val="0"/>
-                        </a:spcAft>
-                        <a:buNone/>
-                      </a:pPr>
-                      <a:r>
-                        <a:rPr lang="en-GB" sz="1000"/>
-                        <a:t>Employee Number</a:t>
-                      </a:r>
-                      <a:endParaRPr sz="1000"/>
-                    </a:p>
-                  </a:txBody>
-                  <a:tcPr marT="91425" marB="91425" marR="91425" marL="91425"/>
-                </a:tc>
-                <a:tc>
-                  <a:txBody>
-                    <a:bodyPr/>
-                    <a:lstStyle/>
-                    <a:p>
-                      <a:pPr indent="0" lvl="0" marL="0" rtl="0" algn="l">
-                        <a:spcBef>
-                          <a:spcPts val="0"/>
-                        </a:spcBef>
-                        <a:spcAft>
-                          <a:spcPts val="0"/>
-                        </a:spcAft>
-                        <a:buNone/>
-                      </a:pPr>
-                      <a:r>
-                        <a:rPr lang="en-GB" sz="1000"/>
-                        <a:t>ID Columns</a:t>
-                      </a:r>
-                      <a:endParaRPr sz="1000"/>
-                    </a:p>
-                  </a:txBody>
-                  <a:tcPr marT="91425" marB="91425" marR="91425" marL="91425"/>
-                </a:tc>
-                <a:tc>
-                  <a:txBody>
-                    <a:bodyPr/>
-                    <a:lstStyle/>
-                    <a:p>
-                      <a:pPr indent="0" lvl="0" marL="0" rtl="0" algn="l">
-                        <a:spcBef>
-                          <a:spcPts val="0"/>
-                        </a:spcBef>
-                        <a:spcAft>
-                          <a:spcPts val="0"/>
-                        </a:spcAft>
-                        <a:buNone/>
-                      </a:pPr>
-                      <a:r>
-                        <a:rPr lang="en-GB" sz="1000"/>
-                        <a:t>1 </a:t>
-                      </a:r>
-                      <a:endParaRPr sz="1000"/>
-                    </a:p>
-                  </a:txBody>
-                  <a:tcPr marT="91425" marB="91425" marR="91425" marL="91425"/>
-                </a:tc>
-              </a:tr>
-              <a:tr h="321700">
-                <a:tc vMerge="1"/>
-                <a:tc vMerge="1"/>
-                <a:tc>
-                  <a:txBody>
-                    <a:bodyPr/>
-                    <a:lstStyle/>
-                    <a:p>
-                      <a:pPr indent="0" lvl="0" marL="0" rtl="0" algn="l">
-                        <a:spcBef>
-                          <a:spcPts val="0"/>
-                        </a:spcBef>
-                        <a:spcAft>
-                          <a:spcPts val="0"/>
-                        </a:spcAft>
-                        <a:buNone/>
-                      </a:pPr>
-                      <a:r>
-                        <a:rPr lang="en-GB" sz="1000"/>
-                        <a:t>Standard Hours</a:t>
-                      </a:r>
-                      <a:endParaRPr sz="1000"/>
-                    </a:p>
-                  </a:txBody>
-                  <a:tcPr marT="91425" marB="91425" marR="91425" marL="91425"/>
-                </a:tc>
-                <a:tc>
-                  <a:txBody>
-                    <a:bodyPr/>
-                    <a:lstStyle/>
-                    <a:p>
-                      <a:pPr indent="0" lvl="0" marL="0" rtl="0" algn="l">
-                        <a:spcBef>
-                          <a:spcPts val="0"/>
-                        </a:spcBef>
-                        <a:spcAft>
-                          <a:spcPts val="0"/>
-                        </a:spcAft>
-                        <a:buNone/>
-                      </a:pPr>
-                      <a:r>
-                        <a:rPr lang="en-GB" sz="1000"/>
-                        <a:t>Constant </a:t>
-                      </a:r>
-                      <a:endParaRPr sz="1000"/>
-                    </a:p>
-                  </a:txBody>
-                  <a:tcPr marT="91425" marB="91425" marR="91425" marL="91425"/>
-                </a:tc>
-                <a:tc>
-                  <a:txBody>
-                    <a:bodyPr/>
-                    <a:lstStyle/>
-                    <a:p>
-                      <a:pPr indent="0" lvl="0" marL="0" rtl="0" algn="l">
-                        <a:spcBef>
-                          <a:spcPts val="0"/>
-                        </a:spcBef>
-                        <a:spcAft>
-                          <a:spcPts val="0"/>
-                        </a:spcAft>
-                        <a:buNone/>
-                      </a:pPr>
-                      <a:r>
-                        <a:rPr lang="en-GB" sz="1000"/>
-                        <a:t>80 Hours</a:t>
-                      </a:r>
-                      <a:endParaRPr sz="1000"/>
-                    </a:p>
-                  </a:txBody>
-                  <a:tcPr marT="91425" marB="91425" marR="91425" marL="91425"/>
-                </a:tc>
-              </a:tr>
-            </a:tbl>
-          </a:graphicData>
-        </a:graphic>
-      </p:graphicFrame>
     </p:spTree>
   </p:cSld>
   <p:clrMapOvr>
@@ -13244,7 +15344,7 @@
   <p:cSld>
     <p:spTree>
       <p:nvGrpSpPr>
-        <p:cNvPr id="93" name="Shape 93"/>
+        <p:cNvPr id="92" name="Shape 92"/>
         <p:cNvGrpSpPr/>
         <p:nvPr/>
       </p:nvGrpSpPr>
@@ -13258,7 +15358,7 @@
       </p:grpSpPr>
       <p:sp>
         <p:nvSpPr>
-          <p:cNvPr id="94" name="Google Shape;94;p17"/>
+          <p:cNvPr id="93" name="Google Shape;93;p17"/>
           <p:cNvSpPr txBox="1"/>
           <p:nvPr>
             <p:ph idx="1" type="body"/>
@@ -13266,8 +15366,8 @@
         </p:nvSpPr>
         <p:spPr>
           <a:xfrm>
-            <a:off x="291750" y="1206975"/>
-            <a:ext cx="8560500" cy="2792700"/>
+            <a:off x="307988" y="1534700"/>
+            <a:ext cx="8560500" cy="3149400"/>
           </a:xfrm>
           <a:prstGeom prst="rect">
             <a:avLst/>
@@ -13336,7 +15436,7 @@
       </p:sp>
       <p:sp>
         <p:nvSpPr>
-          <p:cNvPr id="95" name="Google Shape;95;p17"/>
+          <p:cNvPr id="94" name="Google Shape;94;p17"/>
           <p:cNvSpPr txBox="1"/>
           <p:nvPr>
             <p:ph type="title"/>
@@ -13386,7 +15486,7 @@
       </p:sp>
       <p:cxnSp>
         <p:nvCxnSpPr>
-          <p:cNvPr id="96" name="Google Shape;96;p17"/>
+          <p:cNvPr id="95" name="Google Shape;95;p17"/>
           <p:cNvCxnSpPr/>
           <p:nvPr/>
         </p:nvCxnSpPr>
@@ -13412,21 +15512,20 @@
       </p:cxnSp>
       <p:pic>
         <p:nvPicPr>
-          <p:cNvPr id="97" name="Google Shape;97;p17"/>
+          <p:cNvPr id="96" name="Google Shape;96;p17" title="download.png"/>
           <p:cNvPicPr preferRelativeResize="0"/>
           <p:nvPr/>
         </p:nvPicPr>
-        <p:blipFill>
+        <p:blipFill rotWithShape="1">
           <a:blip r:embed="rId3">
             <a:alphaModFix/>
           </a:blip>
-          <a:stretch>
-            <a:fillRect/>
-          </a:stretch>
+          <a:srcRect b="0" l="0" r="0" t="0"/>
+          <a:stretch/>
         </p:blipFill>
         <p:spPr>
           <a:xfrm>
-            <a:off x="285438" y="1206975"/>
+            <a:off x="301675" y="1534700"/>
             <a:ext cx="4185020" cy="2496638"/>
           </a:xfrm>
           <a:prstGeom prst="rect">
@@ -13440,14 +15539,14 @@
       </p:pic>
       <p:sp>
         <p:nvSpPr>
-          <p:cNvPr id="98" name="Google Shape;98;p17"/>
+          <p:cNvPr id="97" name="Google Shape;97;p17"/>
           <p:cNvSpPr txBox="1"/>
           <p:nvPr/>
         </p:nvSpPr>
         <p:spPr>
           <a:xfrm>
-            <a:off x="259275" y="739875"/>
-            <a:ext cx="8240100" cy="572700"/>
+            <a:off x="275525" y="827900"/>
+            <a:ext cx="8240100" cy="624900"/>
           </a:xfrm>
           <a:prstGeom prst="rect">
             <a:avLst/>
@@ -13463,7 +15562,7 @@
           </a:bodyPr>
           <a:lstStyle/>
           <a:p>
-            <a:pPr indent="-298450" lvl="0" marL="457200" rtl="0" algn="l">
+            <a:pPr indent="-311150" lvl="0" marL="457200" rtl="0" algn="l">
               <a:lnSpc>
                 <a:spcPct val="115000"/>
               </a:lnSpc>
@@ -13476,12 +15575,12 @@
               <a:buClr>
                 <a:schemeClr val="dk1"/>
               </a:buClr>
-              <a:buSzPts val="1100"/>
+              <a:buSzPts val="1300"/>
               <a:buFont typeface="Roboto"/>
               <a:buChar char="●"/>
             </a:pPr>
             <a:r>
-              <a:rPr lang="en-GB" sz="1100">
+              <a:rPr lang="en-GB" sz="1300">
                 <a:solidFill>
                   <a:schemeClr val="dk1"/>
                 </a:solidFill>
@@ -13493,7 +15592,7 @@
               <a:t>A lower ratio of </a:t>
             </a:r>
             <a:r>
-              <a:rPr b="1" i="1" lang="en-GB" sz="1100">
+              <a:rPr b="1" i="1" lang="en-GB" sz="1300">
                 <a:solidFill>
                   <a:schemeClr val="dk1"/>
                 </a:solidFill>
@@ -13505,7 +15604,7 @@
               <a:t>No</a:t>
             </a:r>
             <a:r>
-              <a:rPr b="1" lang="en-GB" sz="1100">
+              <a:rPr b="1" lang="en-GB" sz="1300">
                 <a:solidFill>
                   <a:schemeClr val="dk1"/>
                 </a:solidFill>
@@ -13517,7 +15616,7 @@
               <a:t> to </a:t>
             </a:r>
             <a:r>
-              <a:rPr b="1" i="1" lang="en-GB" sz="1100">
+              <a:rPr b="1" i="1" lang="en-GB" sz="1300">
                 <a:solidFill>
                   <a:schemeClr val="dk1"/>
                 </a:solidFill>
@@ -13529,7 +15628,7 @@
               <a:t>Yes</a:t>
             </a:r>
             <a:r>
-              <a:rPr lang="en-GB" sz="1100">
+              <a:rPr lang="en-GB" sz="1300">
                 <a:solidFill>
                   <a:schemeClr val="dk1"/>
                 </a:solidFill>
@@ -13540,7 +15639,7 @@
               </a:rPr>
               <a:t> in the attrition column indicates a higher likelihood of employees leaving the company.</a:t>
             </a:r>
-            <a:endParaRPr sz="1100">
+            <a:endParaRPr sz="1300">
               <a:solidFill>
                 <a:schemeClr val="dk2"/>
               </a:solidFill>
@@ -13550,13 +15649,13 @@
       </p:sp>
       <p:sp>
         <p:nvSpPr>
-          <p:cNvPr id="99" name="Google Shape;99;p17"/>
+          <p:cNvPr id="98" name="Google Shape;98;p17"/>
           <p:cNvSpPr txBox="1"/>
           <p:nvPr/>
         </p:nvSpPr>
         <p:spPr>
           <a:xfrm>
-            <a:off x="311700" y="3703625"/>
+            <a:off x="327938" y="4031350"/>
             <a:ext cx="4132500" cy="369300"/>
           </a:xfrm>
           <a:prstGeom prst="rect">
@@ -13647,7 +15746,7 @@
       </p:sp>
       <p:pic>
         <p:nvPicPr>
-          <p:cNvPr id="100" name="Google Shape;100;p17"/>
+          <p:cNvPr id="99" name="Google Shape;99;p17"/>
           <p:cNvPicPr preferRelativeResize="0"/>
           <p:nvPr/>
         </p:nvPicPr>
@@ -13660,7 +15759,7 @@
         </p:blipFill>
         <p:spPr>
           <a:xfrm>
-            <a:off x="5021300" y="1206975"/>
+            <a:off x="5037538" y="1534700"/>
             <a:ext cx="3074334" cy="2496650"/>
           </a:xfrm>
           <a:prstGeom prst="rect">
@@ -13674,13 +15773,13 @@
       </p:pic>
       <p:sp>
         <p:nvSpPr>
-          <p:cNvPr id="101" name="Google Shape;101;p17"/>
+          <p:cNvPr id="100" name="Google Shape;100;p17"/>
           <p:cNvSpPr txBox="1"/>
           <p:nvPr/>
         </p:nvSpPr>
         <p:spPr>
           <a:xfrm>
-            <a:off x="4664488" y="3703625"/>
+            <a:off x="4680725" y="4031350"/>
             <a:ext cx="4132500" cy="369300"/>
           </a:xfrm>
           <a:prstGeom prst="rect">
@@ -13769,200 +15868,9 @@
           </a:p>
         </p:txBody>
       </p:sp>
-      <p:sp>
-        <p:nvSpPr>
-          <p:cNvPr id="102" name="Google Shape;102;p17"/>
-          <p:cNvSpPr txBox="1"/>
-          <p:nvPr/>
-        </p:nvSpPr>
-        <p:spPr>
-          <a:xfrm>
-            <a:off x="164825" y="4072925"/>
-            <a:ext cx="9144000" cy="956400"/>
-          </a:xfrm>
-          <a:prstGeom prst="rect">
-            <a:avLst/>
-          </a:prstGeom>
-          <a:noFill/>
-          <a:ln>
-            <a:noFill/>
-          </a:ln>
-        </p:spPr>
-        <p:txBody>
-          <a:bodyPr anchorCtr="0" anchor="t" bIns="91425" lIns="91425" spcFirstLastPara="1" rIns="91425" wrap="square" tIns="91425">
-            <a:noAutofit/>
-          </a:bodyPr>
-          <a:lstStyle/>
-          <a:p>
-            <a:pPr indent="-298450" lvl="0" marL="457200" rtl="0" algn="l">
-              <a:spcBef>
-                <a:spcPts val="0"/>
-              </a:spcBef>
-              <a:spcAft>
-                <a:spcPts val="0"/>
-              </a:spcAft>
-              <a:buSzPts val="1100"/>
-              <a:buChar char="●"/>
-            </a:pPr>
-            <a:r>
-              <a:rPr lang="en-GB" sz="1100">
-                <a:solidFill>
-                  <a:schemeClr val="dk1"/>
-                </a:solidFill>
-              </a:rPr>
-              <a:t>Imbalanced Dataset - Attrition Categories - No - 986 &amp; Yes - 190 </a:t>
-            </a:r>
-            <a:endParaRPr sz="1100">
-              <a:solidFill>
-                <a:schemeClr val="dk1"/>
-              </a:solidFill>
-            </a:endParaRPr>
-          </a:p>
-          <a:p>
-            <a:pPr indent="-298450" lvl="0" marL="457200" rtl="0" algn="l">
-              <a:spcBef>
-                <a:spcPts val="0"/>
-              </a:spcBef>
-              <a:spcAft>
-                <a:spcPts val="0"/>
-              </a:spcAft>
-              <a:buSzPts val="1100"/>
-              <a:buChar char="●"/>
-            </a:pPr>
-            <a:r>
-              <a:rPr lang="en-GB" sz="1100">
-                <a:solidFill>
-                  <a:schemeClr val="dk1"/>
-                </a:solidFill>
-              </a:rPr>
-              <a:t>8 new features were added based on existing features (Example): Ratio of Role Stability = Years In Current Role / Years At Company</a:t>
-            </a:r>
-            <a:endParaRPr sz="1100">
-              <a:solidFill>
-                <a:schemeClr val="dk1"/>
-              </a:solidFill>
-            </a:endParaRPr>
-          </a:p>
-          <a:p>
-            <a:pPr indent="-298450" lvl="0" marL="457200" rtl="0" algn="l">
-              <a:spcBef>
-                <a:spcPts val="0"/>
-              </a:spcBef>
-              <a:spcAft>
-                <a:spcPts val="0"/>
-              </a:spcAft>
-              <a:buClr>
-                <a:schemeClr val="dk1"/>
-              </a:buClr>
-              <a:buSzPts val="1100"/>
-              <a:buChar char="●"/>
-            </a:pPr>
-            <a:r>
-              <a:rPr lang="en-GB" sz="1100">
-                <a:solidFill>
-                  <a:schemeClr val="dk1"/>
-                </a:solidFill>
-              </a:rPr>
-              <a:t>Removal of irrelevant features (Example: Employee No. Over 18)</a:t>
-            </a:r>
-            <a:endParaRPr sz="1100">
-              <a:solidFill>
-                <a:schemeClr val="dk1"/>
-              </a:solidFill>
-            </a:endParaRPr>
-          </a:p>
-          <a:p>
-            <a:pPr indent="-298450" lvl="0" marL="457200" rtl="0" algn="l">
-              <a:spcBef>
-                <a:spcPts val="0"/>
-              </a:spcBef>
-              <a:spcAft>
-                <a:spcPts val="0"/>
-              </a:spcAft>
-              <a:buClr>
-                <a:schemeClr val="dk1"/>
-              </a:buClr>
-              <a:buSzPts val="1100"/>
-              <a:buChar char="●"/>
-            </a:pPr>
-            <a:r>
-              <a:rPr lang="en-GB" sz="1100">
-                <a:solidFill>
-                  <a:schemeClr val="dk1"/>
-                </a:solidFill>
-              </a:rPr>
-              <a:t>Removal of highly correlated </a:t>
-            </a:r>
-            <a:r>
-              <a:rPr lang="en-GB" sz="1100">
-                <a:solidFill>
-                  <a:schemeClr val="dk1"/>
-                </a:solidFill>
-              </a:rPr>
-              <a:t>features. (Example: Job Level - High correlation with Monthly Income)</a:t>
-            </a:r>
-            <a:endParaRPr sz="1100">
-              <a:solidFill>
-                <a:schemeClr val="dk1"/>
-              </a:solidFill>
-            </a:endParaRPr>
-          </a:p>
-          <a:p>
-            <a:pPr indent="-298450" lvl="0" marL="457200" rtl="0" algn="l">
-              <a:spcBef>
-                <a:spcPts val="0"/>
-              </a:spcBef>
-              <a:spcAft>
-                <a:spcPts val="0"/>
-              </a:spcAft>
-              <a:buClr>
-                <a:schemeClr val="dk1"/>
-              </a:buClr>
-              <a:buSzPts val="1100"/>
-              <a:buChar char="●"/>
-            </a:pPr>
-            <a:r>
-              <a:rPr lang="en-GB" sz="1100">
-                <a:solidFill>
-                  <a:schemeClr val="dk1"/>
-                </a:solidFill>
-              </a:rPr>
-              <a:t>Scaling of the features to avoid model bias.</a:t>
-            </a:r>
-            <a:endParaRPr sz="1100">
-              <a:solidFill>
-                <a:schemeClr val="dk1"/>
-              </a:solidFill>
-            </a:endParaRPr>
-          </a:p>
-          <a:p>
-            <a:pPr indent="0" lvl="0" marL="0" rtl="0" algn="ctr">
-              <a:spcBef>
-                <a:spcPts val="0"/>
-              </a:spcBef>
-              <a:spcAft>
-                <a:spcPts val="0"/>
-              </a:spcAft>
-              <a:buNone/>
-            </a:pPr>
-            <a:r>
-              <a:t/>
-            </a:r>
-            <a:endParaRPr sz="1200">
-              <a:solidFill>
-                <a:schemeClr val="dk1"/>
-              </a:solidFill>
-              <a:latin typeface="Roboto"/>
-              <a:ea typeface="Roboto"/>
-              <a:cs typeface="Roboto"/>
-              <a:sym typeface="Roboto"/>
-            </a:endParaRPr>
-          </a:p>
-        </p:txBody>
-      </p:sp>
       <p:pic>
         <p:nvPicPr>
-          <p:cNvPr id="103" name="Google Shape;103;p17"/>
+          <p:cNvPr id="101" name="Google Shape;101;p17"/>
           <p:cNvPicPr preferRelativeResize="0"/>
           <p:nvPr/>
         </p:nvPicPr>
@@ -14000,7 +15908,7 @@
   <p:cSld>
     <p:spTree>
       <p:nvGrpSpPr>
-        <p:cNvPr id="107" name="Shape 107"/>
+        <p:cNvPr id="105" name="Shape 105"/>
         <p:cNvGrpSpPr/>
         <p:nvPr/>
       </p:nvGrpSpPr>
@@ -14014,7 +15922,85 @@
       </p:grpSpPr>
       <p:sp>
         <p:nvSpPr>
-          <p:cNvPr id="108" name="Google Shape;108;p18"/>
+          <p:cNvPr id="106" name="Google Shape;106;p18"/>
+          <p:cNvSpPr txBox="1"/>
+          <p:nvPr>
+            <p:ph idx="1" type="body"/>
+          </p:nvPr>
+        </p:nvSpPr>
+        <p:spPr>
+          <a:xfrm>
+            <a:off x="307988" y="1534700"/>
+            <a:ext cx="8560500" cy="3149400"/>
+          </a:xfrm>
+          <a:prstGeom prst="rect">
+            <a:avLst/>
+          </a:prstGeom>
+          <a:solidFill>
+            <a:schemeClr val="lt1"/>
+          </a:solidFill>
+          <a:effectLst>
+            <a:outerShdw blurRad="57150" rotWithShape="0" algn="bl" dir="5400000" dist="19050">
+              <a:srgbClr val="000000">
+                <a:alpha val="50000"/>
+              </a:srgbClr>
+            </a:outerShdw>
+          </a:effectLst>
+        </p:spPr>
+        <p:txBody>
+          <a:bodyPr anchorCtr="0" anchor="t" bIns="91425" lIns="91425" spcFirstLastPara="1" rIns="91425" wrap="square" tIns="91425">
+            <a:normAutofit/>
+          </a:bodyPr>
+          <a:lstStyle/>
+          <a:p>
+            <a:pPr indent="0" lvl="0" marL="0" rtl="0" algn="l">
+              <a:lnSpc>
+                <a:spcPct val="122222"/>
+              </a:lnSpc>
+              <a:spcBef>
+                <a:spcPts val="0"/>
+              </a:spcBef>
+              <a:spcAft>
+                <a:spcPts val="0"/>
+              </a:spcAft>
+              <a:buNone/>
+            </a:pPr>
+            <a:r>
+              <a:t/>
+            </a:r>
+            <a:endParaRPr sz="1400">
+              <a:solidFill>
+                <a:srgbClr val="202124"/>
+              </a:solidFill>
+            </a:endParaRPr>
+          </a:p>
+          <a:p>
+            <a:pPr indent="0" lvl="0" marL="0" rtl="0" algn="l">
+              <a:lnSpc>
+                <a:spcPct val="122222"/>
+              </a:lnSpc>
+              <a:spcBef>
+                <a:spcPts val="1200"/>
+              </a:spcBef>
+              <a:spcAft>
+                <a:spcPts val="1200"/>
+              </a:spcAft>
+              <a:buNone/>
+            </a:pPr>
+            <a:r>
+              <a:t/>
+            </a:r>
+            <a:endParaRPr sz="1400">
+              <a:solidFill>
+                <a:srgbClr val="202124"/>
+              </a:solidFill>
+            </a:endParaRPr>
+          </a:p>
+        </p:txBody>
+      </p:sp>
+      <p:sp>
+        <p:nvSpPr>
+          <p:cNvPr id="107" name="Google Shape;107;p18"/>
           <p:cNvSpPr txBox="1"/>
           <p:nvPr>
             <p:ph type="title"/>
@@ -14051,6 +16037,1543 @@
                 <a:cs typeface="Inter"/>
                 <a:sym typeface="Inter"/>
               </a:rPr>
+              <a:t>Insights from EDA</a:t>
+            </a:r>
+            <a:endParaRPr b="1">
+              <a:latin typeface="Inter"/>
+              <a:ea typeface="Inter"/>
+              <a:cs typeface="Inter"/>
+              <a:sym typeface="Inter"/>
+            </a:endParaRPr>
+          </a:p>
+        </p:txBody>
+      </p:sp>
+      <p:cxnSp>
+        <p:nvCxnSpPr>
+          <p:cNvPr id="108" name="Google Shape;108;p18"/>
+          <p:cNvCxnSpPr/>
+          <p:nvPr/>
+        </p:nvCxnSpPr>
+        <p:spPr>
+          <a:xfrm>
+            <a:off x="164825" y="721744"/>
+            <a:ext cx="8842200" cy="9300"/>
+          </a:xfrm>
+          <a:prstGeom prst="straightConnector1">
+            <a:avLst/>
+          </a:prstGeom>
+          <a:noFill/>
+          <a:ln cap="flat" cmpd="sng" w="9525">
+            <a:solidFill>
+              <a:srgbClr val="B7B7B7"/>
+            </a:solidFill>
+            <a:prstDash val="dash"/>
+            <a:round/>
+            <a:headEnd len="sm" w="sm" type="none"/>
+            <a:tailEnd len="sm" w="sm" type="none"/>
+          </a:ln>
+        </p:spPr>
+      </p:cxnSp>
+      <p:pic>
+        <p:nvPicPr>
+          <p:cNvPr id="109" name="Google Shape;109;p18" title="download.png"/>
+          <p:cNvPicPr preferRelativeResize="0"/>
+          <p:nvPr/>
+        </p:nvPicPr>
+        <p:blipFill rotWithShape="1">
+          <a:blip r:embed="rId3">
+            <a:alphaModFix/>
+          </a:blip>
+          <a:srcRect b="0" l="0" r="0" t="0"/>
+          <a:stretch/>
+        </p:blipFill>
+        <p:spPr>
+          <a:xfrm>
+            <a:off x="301675" y="1534700"/>
+            <a:ext cx="4185020" cy="2496638"/>
+          </a:xfrm>
+          <a:prstGeom prst="rect">
+            <a:avLst/>
+          </a:prstGeom>
+          <a:noFill/>
+          <a:ln>
+            <a:noFill/>
+          </a:ln>
+        </p:spPr>
+      </p:pic>
+      <p:sp>
+        <p:nvSpPr>
+          <p:cNvPr id="110" name="Google Shape;110;p18"/>
+          <p:cNvSpPr txBox="1"/>
+          <p:nvPr/>
+        </p:nvSpPr>
+        <p:spPr>
+          <a:xfrm>
+            <a:off x="275525" y="827900"/>
+            <a:ext cx="8240100" cy="624900"/>
+          </a:xfrm>
+          <a:prstGeom prst="rect">
+            <a:avLst/>
+          </a:prstGeom>
+          <a:noFill/>
+          <a:ln>
+            <a:noFill/>
+          </a:ln>
+        </p:spPr>
+        <p:txBody>
+          <a:bodyPr anchorCtr="0" anchor="t" bIns="91425" lIns="91425" spcFirstLastPara="1" rIns="91425" wrap="square" tIns="91425">
+            <a:noAutofit/>
+          </a:bodyPr>
+          <a:lstStyle/>
+          <a:p>
+            <a:pPr indent="-311150" lvl="0" marL="457200" rtl="0" algn="l">
+              <a:lnSpc>
+                <a:spcPct val="115000"/>
+              </a:lnSpc>
+              <a:spcBef>
+                <a:spcPts val="600"/>
+              </a:spcBef>
+              <a:spcAft>
+                <a:spcPts val="0"/>
+              </a:spcAft>
+              <a:buClr>
+                <a:schemeClr val="dk1"/>
+              </a:buClr>
+              <a:buSzPts val="1300"/>
+              <a:buFont typeface="Roboto"/>
+              <a:buChar char="●"/>
+            </a:pPr>
+            <a:r>
+              <a:rPr lang="en-GB" sz="1300">
+                <a:solidFill>
+                  <a:schemeClr val="dk1"/>
+                </a:solidFill>
+                <a:latin typeface="Roboto"/>
+                <a:ea typeface="Roboto"/>
+                <a:cs typeface="Roboto"/>
+                <a:sym typeface="Roboto"/>
+              </a:rPr>
+              <a:t>Features that exhibit greater differences in </a:t>
+            </a:r>
+            <a:r>
+              <a:rPr b="1" lang="en-GB" sz="1300">
+                <a:solidFill>
+                  <a:schemeClr val="dk1"/>
+                </a:solidFill>
+                <a:latin typeface="Roboto"/>
+                <a:ea typeface="Roboto"/>
+                <a:cs typeface="Roboto"/>
+                <a:sym typeface="Roboto"/>
+              </a:rPr>
+              <a:t>box plots</a:t>
+            </a:r>
+            <a:r>
+              <a:rPr lang="en-GB" sz="1300">
+                <a:solidFill>
+                  <a:schemeClr val="dk1"/>
+                </a:solidFill>
+                <a:latin typeface="Roboto"/>
+                <a:ea typeface="Roboto"/>
+                <a:cs typeface="Roboto"/>
+                <a:sym typeface="Roboto"/>
+              </a:rPr>
+              <a:t> tend to be more effective at distinguishing between employees who leave and those who stay.</a:t>
+            </a:r>
+            <a:endParaRPr sz="1300">
+              <a:solidFill>
+                <a:schemeClr val="dk2"/>
+              </a:solidFill>
+            </a:endParaRPr>
+          </a:p>
+        </p:txBody>
+      </p:sp>
+      <p:sp>
+        <p:nvSpPr>
+          <p:cNvPr id="111" name="Google Shape;111;p18"/>
+          <p:cNvSpPr txBox="1"/>
+          <p:nvPr/>
+        </p:nvSpPr>
+        <p:spPr>
+          <a:xfrm>
+            <a:off x="327938" y="4031350"/>
+            <a:ext cx="4132500" cy="581700"/>
+          </a:xfrm>
+          <a:prstGeom prst="rect">
+            <a:avLst/>
+          </a:prstGeom>
+          <a:noFill/>
+          <a:ln>
+            <a:noFill/>
+          </a:ln>
+        </p:spPr>
+        <p:txBody>
+          <a:bodyPr anchorCtr="0" anchor="t" bIns="91425" lIns="91425" spcFirstLastPara="1" rIns="91425" wrap="square" tIns="91425">
+            <a:spAutoFit/>
+          </a:bodyPr>
+          <a:lstStyle/>
+          <a:p>
+            <a:pPr indent="0" lvl="0" marL="0" rtl="0" algn="ctr">
+              <a:lnSpc>
+                <a:spcPct val="115000"/>
+              </a:lnSpc>
+              <a:spcBef>
+                <a:spcPts val="600"/>
+              </a:spcBef>
+              <a:spcAft>
+                <a:spcPts val="600"/>
+              </a:spcAft>
+              <a:buNone/>
+            </a:pPr>
+            <a:r>
+              <a:rPr lang="en-GB" sz="1200">
+                <a:solidFill>
+                  <a:schemeClr val="dk1"/>
+                </a:solidFill>
+                <a:latin typeface="Roboto"/>
+                <a:ea typeface="Roboto"/>
+                <a:cs typeface="Roboto"/>
+                <a:sym typeface="Roboto"/>
+              </a:rPr>
+              <a:t>Employees who have better </a:t>
+            </a:r>
+            <a:r>
+              <a:rPr b="1" lang="en-GB" sz="1200">
+                <a:solidFill>
+                  <a:schemeClr val="dk1"/>
+                </a:solidFill>
+                <a:latin typeface="Roboto"/>
+                <a:ea typeface="Roboto"/>
+                <a:cs typeface="Roboto"/>
+                <a:sym typeface="Roboto"/>
+              </a:rPr>
+              <a:t>work life balance</a:t>
+            </a:r>
+            <a:r>
+              <a:rPr lang="en-GB" sz="1200">
+                <a:solidFill>
+                  <a:schemeClr val="dk1"/>
+                </a:solidFill>
+                <a:latin typeface="Roboto"/>
+                <a:ea typeface="Roboto"/>
+                <a:cs typeface="Roboto"/>
+                <a:sym typeface="Roboto"/>
+              </a:rPr>
+              <a:t> are less likely to </a:t>
+            </a:r>
+            <a:r>
+              <a:rPr b="1" lang="en-GB" sz="1200">
+                <a:solidFill>
+                  <a:schemeClr val="dk1"/>
+                </a:solidFill>
+                <a:latin typeface="Roboto"/>
+                <a:ea typeface="Roboto"/>
+                <a:cs typeface="Roboto"/>
+                <a:sym typeface="Roboto"/>
+              </a:rPr>
+              <a:t>leave</a:t>
+            </a:r>
+            <a:endParaRPr sz="1200">
+              <a:solidFill>
+                <a:schemeClr val="dk1"/>
+              </a:solidFill>
+              <a:latin typeface="Roboto"/>
+              <a:ea typeface="Roboto"/>
+              <a:cs typeface="Roboto"/>
+              <a:sym typeface="Roboto"/>
+            </a:endParaRPr>
+          </a:p>
+        </p:txBody>
+      </p:sp>
+      <p:sp>
+        <p:nvSpPr>
+          <p:cNvPr id="112" name="Google Shape;112;p18"/>
+          <p:cNvSpPr txBox="1"/>
+          <p:nvPr/>
+        </p:nvSpPr>
+        <p:spPr>
+          <a:xfrm>
+            <a:off x="4680725" y="4031350"/>
+            <a:ext cx="4132500" cy="581700"/>
+          </a:xfrm>
+          <a:prstGeom prst="rect">
+            <a:avLst/>
+          </a:prstGeom>
+          <a:noFill/>
+          <a:ln>
+            <a:noFill/>
+          </a:ln>
+        </p:spPr>
+        <p:txBody>
+          <a:bodyPr anchorCtr="0" anchor="t" bIns="91425" lIns="91425" spcFirstLastPara="1" rIns="91425" wrap="square" tIns="91425">
+            <a:spAutoFit/>
+          </a:bodyPr>
+          <a:lstStyle/>
+          <a:p>
+            <a:pPr indent="0" lvl="0" marL="0" rtl="0" algn="ctr">
+              <a:lnSpc>
+                <a:spcPct val="115000"/>
+              </a:lnSpc>
+              <a:spcBef>
+                <a:spcPts val="600"/>
+              </a:spcBef>
+              <a:spcAft>
+                <a:spcPts val="600"/>
+              </a:spcAft>
+              <a:buNone/>
+            </a:pPr>
+            <a:r>
+              <a:rPr lang="en-GB" sz="1200">
+                <a:solidFill>
+                  <a:schemeClr val="dk1"/>
+                </a:solidFill>
+                <a:latin typeface="Roboto"/>
+                <a:ea typeface="Roboto"/>
+                <a:cs typeface="Roboto"/>
+                <a:sym typeface="Roboto"/>
+              </a:rPr>
+              <a:t>Employees who remain with the same manager for more than </a:t>
+            </a:r>
+            <a:r>
+              <a:rPr b="1" lang="en-GB" sz="1200">
+                <a:solidFill>
+                  <a:schemeClr val="dk1"/>
+                </a:solidFill>
+                <a:latin typeface="Roboto"/>
+                <a:ea typeface="Roboto"/>
+                <a:cs typeface="Roboto"/>
+                <a:sym typeface="Roboto"/>
+              </a:rPr>
+              <a:t>2.5 years</a:t>
+            </a:r>
+            <a:r>
+              <a:rPr lang="en-GB" sz="1200">
+                <a:solidFill>
+                  <a:schemeClr val="dk1"/>
+                </a:solidFill>
+                <a:latin typeface="Roboto"/>
+                <a:ea typeface="Roboto"/>
+                <a:cs typeface="Roboto"/>
+                <a:sym typeface="Roboto"/>
+              </a:rPr>
+              <a:t> are less likely to </a:t>
+            </a:r>
+            <a:r>
+              <a:rPr b="1" lang="en-GB" sz="1200">
+                <a:solidFill>
+                  <a:schemeClr val="dk1"/>
+                </a:solidFill>
+                <a:latin typeface="Roboto"/>
+                <a:ea typeface="Roboto"/>
+                <a:cs typeface="Roboto"/>
+                <a:sym typeface="Roboto"/>
+              </a:rPr>
+              <a:t>leave</a:t>
+            </a:r>
+            <a:r>
+              <a:rPr lang="en-GB" sz="1200">
+                <a:solidFill>
+                  <a:schemeClr val="dk1"/>
+                </a:solidFill>
+                <a:latin typeface="Roboto"/>
+                <a:ea typeface="Roboto"/>
+                <a:cs typeface="Roboto"/>
+                <a:sym typeface="Roboto"/>
+              </a:rPr>
+              <a:t>.</a:t>
+            </a:r>
+            <a:endParaRPr sz="1200">
+              <a:solidFill>
+                <a:schemeClr val="dk1"/>
+              </a:solidFill>
+              <a:latin typeface="Roboto"/>
+              <a:ea typeface="Roboto"/>
+              <a:cs typeface="Roboto"/>
+              <a:sym typeface="Roboto"/>
+            </a:endParaRPr>
+          </a:p>
+        </p:txBody>
+      </p:sp>
+      <p:pic>
+        <p:nvPicPr>
+          <p:cNvPr id="113" name="Google Shape;113;p18"/>
+          <p:cNvPicPr preferRelativeResize="0"/>
+          <p:nvPr/>
+        </p:nvPicPr>
+        <p:blipFill rotWithShape="1">
+          <a:blip r:embed="rId4">
+            <a:alphaModFix/>
+          </a:blip>
+          <a:srcRect b="2413" l="75755" r="0" t="92010"/>
+          <a:stretch/>
+        </p:blipFill>
+        <p:spPr>
+          <a:xfrm>
+            <a:off x="8157393" y="57007"/>
+            <a:ext cx="1003925" cy="246351"/>
+          </a:xfrm>
+          <a:prstGeom prst="rect">
+            <a:avLst/>
+          </a:prstGeom>
+          <a:noFill/>
+          <a:ln>
+            <a:noFill/>
+          </a:ln>
+        </p:spPr>
+      </p:pic>
+      <p:pic>
+        <p:nvPicPr>
+          <p:cNvPr id="114" name="Google Shape;114;p18" title="download.png"/>
+          <p:cNvPicPr preferRelativeResize="0"/>
+          <p:nvPr/>
+        </p:nvPicPr>
+        <p:blipFill rotWithShape="1">
+          <a:blip r:embed="rId5">
+            <a:alphaModFix/>
+          </a:blip>
+          <a:srcRect b="0" l="0" r="65793" t="0"/>
+          <a:stretch/>
+        </p:blipFill>
+        <p:spPr>
+          <a:xfrm>
+            <a:off x="5183025" y="1549650"/>
+            <a:ext cx="3127901" cy="2504500"/>
+          </a:xfrm>
+          <a:prstGeom prst="rect">
+            <a:avLst/>
+          </a:prstGeom>
+          <a:noFill/>
+          <a:ln>
+            <a:noFill/>
+          </a:ln>
+        </p:spPr>
+      </p:pic>
+    </p:spTree>
+  </p:cSld>
+  <p:clrMapOvr>
+    <a:masterClrMapping/>
+  </p:clrMapOvr>
+</p:sld>
+</file>
+
+<file path=ppt/slides/slide6.xml><?xml version="1.0" encoding="utf-8"?>
+<p:sld xmlns:a="http://schemas.openxmlformats.org/drawingml/2006/main" xmlns:r="http://schemas.openxmlformats.org/officeDocument/2006/relationships" xmlns:mc="http://schemas.openxmlformats.org/markup-compatibility/2006" xmlns:mv="urn:schemas-microsoft-com:mac:vml" xmlns:p="http://schemas.openxmlformats.org/presentationml/2006/main" xmlns:c="http://schemas.openxmlformats.org/drawingml/2006/chart" xmlns:dgm="http://schemas.openxmlformats.org/drawingml/2006/diagram" xmlns:o="urn:schemas-microsoft-com:office:office" xmlns:v="urn:schemas-microsoft-com:vml" xmlns:pvml="urn:schemas-microsoft-com:office:powerpoint" xmlns:com="http://schemas.openxmlformats.org/drawingml/2006/compatibility" xmlns:p14="http://schemas.microsoft.com/office/powerpoint/2010/main" xmlns:p15="http://schemas.microsoft.com/office/powerpoint/2012/main" xmlns:ahyp="http://schemas.microsoft.com/office/drawing/2018/hyperlinkcolor">
+  <p:cSld>
+    <p:spTree>
+      <p:nvGrpSpPr>
+        <p:cNvPr id="118" name="Shape 118"/>
+        <p:cNvGrpSpPr/>
+        <p:nvPr/>
+      </p:nvGrpSpPr>
+      <p:grpSpPr>
+        <a:xfrm>
+          <a:off x="0" y="0"/>
+          <a:ext cx="0" cy="0"/>
+          <a:chOff x="0" y="0"/>
+          <a:chExt cx="0" cy="0"/>
+        </a:xfrm>
+      </p:grpSpPr>
+      <p:sp>
+        <p:nvSpPr>
+          <p:cNvPr id="119" name="Google Shape;119;p19"/>
+          <p:cNvSpPr txBox="1"/>
+          <p:nvPr>
+            <p:ph type="title"/>
+          </p:nvPr>
+        </p:nvSpPr>
+        <p:spPr>
+          <a:xfrm>
+            <a:off x="325625" y="107025"/>
+            <a:ext cx="8520600" cy="572700"/>
+          </a:xfrm>
+          <a:prstGeom prst="rect">
+            <a:avLst/>
+          </a:prstGeom>
+        </p:spPr>
+        <p:txBody>
+          <a:bodyPr anchorCtr="0" anchor="t" bIns="91425" lIns="91425" spcFirstLastPara="1" rIns="91425" wrap="square" tIns="91425">
+            <a:normAutofit fontScale="90000"/>
+          </a:bodyPr>
+          <a:lstStyle/>
+          <a:p>
+            <a:pPr indent="0" lvl="0" marL="0" rtl="0" algn="l">
+              <a:spcBef>
+                <a:spcPts val="0"/>
+              </a:spcBef>
+              <a:spcAft>
+                <a:spcPts val="0"/>
+              </a:spcAft>
+              <a:buNone/>
+            </a:pPr>
+            <a:r>
+              <a:rPr lang="en-GB"/>
+              <a:t>Dataset preprocessing &amp; Feature Engineering</a:t>
+            </a:r>
+            <a:endParaRPr/>
+          </a:p>
+        </p:txBody>
+      </p:sp>
+      <p:sp>
+        <p:nvSpPr>
+          <p:cNvPr id="120" name="Google Shape;120;p19"/>
+          <p:cNvSpPr txBox="1"/>
+          <p:nvPr>
+            <p:ph idx="1" type="body"/>
+          </p:nvPr>
+        </p:nvSpPr>
+        <p:spPr>
+          <a:xfrm>
+            <a:off x="311700" y="1152475"/>
+            <a:ext cx="8520600" cy="3416400"/>
+          </a:xfrm>
+          <a:prstGeom prst="rect">
+            <a:avLst/>
+          </a:prstGeom>
+        </p:spPr>
+        <p:txBody>
+          <a:bodyPr anchorCtr="0" anchor="t" bIns="91425" lIns="91425" spcFirstLastPara="1" rIns="91425" wrap="square" tIns="91425">
+            <a:normAutofit/>
+          </a:bodyPr>
+          <a:lstStyle/>
+          <a:p>
+            <a:pPr indent="-323850" lvl="0" marL="457200" rtl="0" algn="l">
+              <a:lnSpc>
+                <a:spcPct val="100000"/>
+              </a:lnSpc>
+              <a:spcBef>
+                <a:spcPts val="0"/>
+              </a:spcBef>
+              <a:spcAft>
+                <a:spcPts val="0"/>
+              </a:spcAft>
+              <a:buClr>
+                <a:schemeClr val="dk1"/>
+              </a:buClr>
+              <a:buSzPts val="1500"/>
+              <a:buChar char="●"/>
+            </a:pPr>
+            <a:r>
+              <a:rPr lang="en-GB" sz="1500">
+                <a:solidFill>
+                  <a:schemeClr val="dk1"/>
+                </a:solidFill>
+              </a:rPr>
+              <a:t>Imbalanced Dataset - Attrition Categories - No - 986 &amp; Yes - 190 </a:t>
+            </a:r>
+            <a:endParaRPr sz="1500">
+              <a:solidFill>
+                <a:schemeClr val="dk1"/>
+              </a:solidFill>
+            </a:endParaRPr>
+          </a:p>
+          <a:p>
+            <a:pPr indent="-323850" lvl="0" marL="457200" rtl="0" algn="l">
+              <a:lnSpc>
+                <a:spcPct val="100000"/>
+              </a:lnSpc>
+              <a:spcBef>
+                <a:spcPts val="0"/>
+              </a:spcBef>
+              <a:spcAft>
+                <a:spcPts val="0"/>
+              </a:spcAft>
+              <a:buClr>
+                <a:schemeClr val="dk1"/>
+              </a:buClr>
+              <a:buSzPts val="1500"/>
+              <a:buChar char="●"/>
+            </a:pPr>
+            <a:r>
+              <a:rPr lang="en-GB" sz="1500">
+                <a:solidFill>
+                  <a:schemeClr val="dk1"/>
+                </a:solidFill>
+              </a:rPr>
+              <a:t>8 new features were added based on existing features (Example): </a:t>
+            </a:r>
+            <a:endParaRPr sz="1500">
+              <a:solidFill>
+                <a:schemeClr val="dk1"/>
+              </a:solidFill>
+            </a:endParaRPr>
+          </a:p>
+          <a:p>
+            <a:pPr indent="-323850" lvl="1" marL="914400" rtl="0" algn="l">
+              <a:lnSpc>
+                <a:spcPct val="100000"/>
+              </a:lnSpc>
+              <a:spcBef>
+                <a:spcPts val="0"/>
+              </a:spcBef>
+              <a:spcAft>
+                <a:spcPts val="0"/>
+              </a:spcAft>
+              <a:buClr>
+                <a:schemeClr val="dk1"/>
+              </a:buClr>
+              <a:buSzPts val="1500"/>
+              <a:buChar char="○"/>
+            </a:pPr>
+            <a:r>
+              <a:rPr b="1" lang="en-GB" sz="1500">
+                <a:solidFill>
+                  <a:schemeClr val="dk1"/>
+                </a:solidFill>
+              </a:rPr>
+              <a:t>Ratio of Role Stability</a:t>
+            </a:r>
+            <a:r>
+              <a:rPr lang="en-GB" sz="1500">
+                <a:solidFill>
+                  <a:schemeClr val="dk1"/>
+                </a:solidFill>
+              </a:rPr>
+              <a:t> = Years In Current Role / Years At Company</a:t>
+            </a:r>
+            <a:endParaRPr sz="1500">
+              <a:solidFill>
+                <a:schemeClr val="dk1"/>
+              </a:solidFill>
+            </a:endParaRPr>
+          </a:p>
+          <a:p>
+            <a:pPr indent="-323850" lvl="1" marL="914400" rtl="0" algn="l">
+              <a:lnSpc>
+                <a:spcPct val="100000"/>
+              </a:lnSpc>
+              <a:spcBef>
+                <a:spcPts val="0"/>
+              </a:spcBef>
+              <a:spcAft>
+                <a:spcPts val="0"/>
+              </a:spcAft>
+              <a:buClr>
+                <a:schemeClr val="dk1"/>
+              </a:buClr>
+              <a:buSzPts val="1500"/>
+              <a:buChar char="○"/>
+            </a:pPr>
+            <a:r>
+              <a:rPr b="1" lang="en-GB" sz="1500">
+                <a:solidFill>
+                  <a:schemeClr val="dk1"/>
+                </a:solidFill>
+              </a:rPr>
+              <a:t>Promotion Rate</a:t>
+            </a:r>
+            <a:r>
+              <a:rPr lang="en-GB" sz="1500">
+                <a:solidFill>
+                  <a:schemeClr val="dk1"/>
+                </a:solidFill>
+              </a:rPr>
+              <a:t> = Years Since Last Promotion / Years At Company</a:t>
+            </a:r>
+            <a:endParaRPr sz="1500">
+              <a:solidFill>
+                <a:schemeClr val="dk1"/>
+              </a:solidFill>
+            </a:endParaRPr>
+          </a:p>
+          <a:p>
+            <a:pPr indent="-323850" lvl="1" marL="914400" rtl="0" algn="l">
+              <a:lnSpc>
+                <a:spcPct val="100000"/>
+              </a:lnSpc>
+              <a:spcBef>
+                <a:spcPts val="0"/>
+              </a:spcBef>
+              <a:spcAft>
+                <a:spcPts val="0"/>
+              </a:spcAft>
+              <a:buClr>
+                <a:schemeClr val="dk1"/>
+              </a:buClr>
+              <a:buSzPts val="1500"/>
+              <a:buChar char="○"/>
+            </a:pPr>
+            <a:r>
+              <a:rPr b="1" lang="en-GB" sz="1500">
+                <a:solidFill>
+                  <a:schemeClr val="dk1"/>
+                </a:solidFill>
+              </a:rPr>
+              <a:t>Income per Year of Experience</a:t>
+            </a:r>
+            <a:r>
+              <a:rPr lang="en-GB" sz="1500">
+                <a:solidFill>
+                  <a:schemeClr val="dk1"/>
+                </a:solidFill>
+              </a:rPr>
+              <a:t> = (Monthly Income * 12) / Total Working Years</a:t>
+            </a:r>
+            <a:endParaRPr sz="1500">
+              <a:solidFill>
+                <a:schemeClr val="dk1"/>
+              </a:solidFill>
+            </a:endParaRPr>
+          </a:p>
+          <a:p>
+            <a:pPr indent="-323850" lvl="1" marL="914400" rtl="0" algn="l">
+              <a:lnSpc>
+                <a:spcPct val="100000"/>
+              </a:lnSpc>
+              <a:spcBef>
+                <a:spcPts val="0"/>
+              </a:spcBef>
+              <a:spcAft>
+                <a:spcPts val="0"/>
+              </a:spcAft>
+              <a:buClr>
+                <a:schemeClr val="dk1"/>
+              </a:buClr>
+              <a:buSzPts val="1500"/>
+              <a:buChar char="○"/>
+            </a:pPr>
+            <a:r>
+              <a:rPr b="1" lang="en-GB" sz="1500">
+                <a:solidFill>
+                  <a:schemeClr val="dk1"/>
+                </a:solidFill>
+              </a:rPr>
+              <a:t>Is Manager</a:t>
+            </a:r>
+            <a:r>
+              <a:rPr lang="en-GB" sz="1500">
+                <a:solidFill>
+                  <a:schemeClr val="dk1"/>
+                </a:solidFill>
+              </a:rPr>
+              <a:t> = True if Job Level ≥ 4, else False</a:t>
+            </a:r>
+            <a:endParaRPr sz="1500">
+              <a:solidFill>
+                <a:schemeClr val="dk1"/>
+              </a:solidFill>
+            </a:endParaRPr>
+          </a:p>
+          <a:p>
+            <a:pPr indent="-323850" lvl="1" marL="914400" rtl="0" algn="l">
+              <a:lnSpc>
+                <a:spcPct val="100000"/>
+              </a:lnSpc>
+              <a:spcBef>
+                <a:spcPts val="0"/>
+              </a:spcBef>
+              <a:spcAft>
+                <a:spcPts val="0"/>
+              </a:spcAft>
+              <a:buClr>
+                <a:schemeClr val="dk1"/>
+              </a:buClr>
+              <a:buSzPts val="1500"/>
+              <a:buChar char="○"/>
+            </a:pPr>
+            <a:r>
+              <a:rPr b="1" lang="en-GB" sz="1500">
+                <a:solidFill>
+                  <a:schemeClr val="dk1"/>
+                </a:solidFill>
+              </a:rPr>
+              <a:t>Loyalty Index</a:t>
+            </a:r>
+            <a:r>
+              <a:rPr lang="en-GB" sz="1500">
+                <a:solidFill>
+                  <a:schemeClr val="dk1"/>
+                </a:solidFill>
+              </a:rPr>
+              <a:t> = Years With Curr Manager / Total Working Years</a:t>
+            </a:r>
+            <a:endParaRPr sz="1500">
+              <a:solidFill>
+                <a:schemeClr val="dk1"/>
+              </a:solidFill>
+            </a:endParaRPr>
+          </a:p>
+          <a:p>
+            <a:pPr indent="-323850" lvl="1" marL="914400" rtl="0" algn="l">
+              <a:lnSpc>
+                <a:spcPct val="100000"/>
+              </a:lnSpc>
+              <a:spcBef>
+                <a:spcPts val="0"/>
+              </a:spcBef>
+              <a:spcAft>
+                <a:spcPts val="0"/>
+              </a:spcAft>
+              <a:buClr>
+                <a:schemeClr val="dk1"/>
+              </a:buClr>
+              <a:buSzPts val="1500"/>
+              <a:buChar char="○"/>
+            </a:pPr>
+            <a:r>
+              <a:rPr b="1" lang="en-GB" sz="1500">
+                <a:solidFill>
+                  <a:schemeClr val="dk1"/>
+                </a:solidFill>
+              </a:rPr>
+              <a:t>Job Hop Rate</a:t>
+            </a:r>
+            <a:r>
+              <a:rPr lang="en-GB" sz="1500">
+                <a:solidFill>
+                  <a:schemeClr val="dk1"/>
+                </a:solidFill>
+              </a:rPr>
+              <a:t> = Num Companies Worked / Total Working Years</a:t>
+            </a:r>
+            <a:endParaRPr sz="1500">
+              <a:solidFill>
+                <a:schemeClr val="dk1"/>
+              </a:solidFill>
+            </a:endParaRPr>
+          </a:p>
+          <a:p>
+            <a:pPr indent="-323850" lvl="1" marL="914400" rtl="0" algn="l">
+              <a:lnSpc>
+                <a:spcPct val="100000"/>
+              </a:lnSpc>
+              <a:spcBef>
+                <a:spcPts val="0"/>
+              </a:spcBef>
+              <a:spcAft>
+                <a:spcPts val="0"/>
+              </a:spcAft>
+              <a:buClr>
+                <a:schemeClr val="dk1"/>
+              </a:buClr>
+              <a:buSzPts val="1500"/>
+              <a:buChar char="○"/>
+            </a:pPr>
+            <a:r>
+              <a:rPr b="1" lang="en-GB" sz="1500">
+                <a:solidFill>
+                  <a:schemeClr val="dk1"/>
+                </a:solidFill>
+              </a:rPr>
+              <a:t>Is Recently Promoted</a:t>
+            </a:r>
+            <a:r>
+              <a:rPr lang="en-GB" sz="1500">
+                <a:solidFill>
+                  <a:schemeClr val="dk1"/>
+                </a:solidFill>
+              </a:rPr>
+              <a:t> = True if Years Since Last Promotion ≤ 2, else False</a:t>
+            </a:r>
+            <a:endParaRPr sz="1500">
+              <a:solidFill>
+                <a:schemeClr val="dk1"/>
+              </a:solidFill>
+            </a:endParaRPr>
+          </a:p>
+          <a:p>
+            <a:pPr indent="-323850" lvl="1" marL="914400" rtl="0" algn="l">
+              <a:lnSpc>
+                <a:spcPct val="100000"/>
+              </a:lnSpc>
+              <a:spcBef>
+                <a:spcPts val="0"/>
+              </a:spcBef>
+              <a:spcAft>
+                <a:spcPts val="0"/>
+              </a:spcAft>
+              <a:buClr>
+                <a:schemeClr val="dk1"/>
+              </a:buClr>
+              <a:buSzPts val="1500"/>
+              <a:buChar char="○"/>
+            </a:pPr>
+            <a:r>
+              <a:rPr b="1" lang="en-GB" sz="1500">
+                <a:solidFill>
+                  <a:schemeClr val="dk1"/>
+                </a:solidFill>
+              </a:rPr>
+              <a:t>Is New Joiner</a:t>
+            </a:r>
+            <a:r>
+              <a:rPr lang="en-GB" sz="1500">
+                <a:solidFill>
+                  <a:schemeClr val="dk1"/>
+                </a:solidFill>
+              </a:rPr>
+              <a:t> = True if YearsAtCompany ≤ 2, else False</a:t>
+            </a:r>
+            <a:endParaRPr sz="1500">
+              <a:solidFill>
+                <a:schemeClr val="dk1"/>
+              </a:solidFill>
+            </a:endParaRPr>
+          </a:p>
+          <a:p>
+            <a:pPr indent="-323850" lvl="0" marL="457200" rtl="0" algn="l">
+              <a:lnSpc>
+                <a:spcPct val="100000"/>
+              </a:lnSpc>
+              <a:spcBef>
+                <a:spcPts val="0"/>
+              </a:spcBef>
+              <a:spcAft>
+                <a:spcPts val="0"/>
+              </a:spcAft>
+              <a:buClr>
+                <a:schemeClr val="dk1"/>
+              </a:buClr>
+              <a:buSzPts val="1500"/>
+              <a:buChar char="●"/>
+            </a:pPr>
+            <a:r>
+              <a:rPr lang="en-GB" sz="1500">
+                <a:solidFill>
+                  <a:schemeClr val="dk1"/>
+                </a:solidFill>
+              </a:rPr>
+              <a:t>Removal of irrelevant features (Example: Employee No. Over 18)</a:t>
+            </a:r>
+            <a:endParaRPr sz="1500">
+              <a:solidFill>
+                <a:schemeClr val="dk1"/>
+              </a:solidFill>
+            </a:endParaRPr>
+          </a:p>
+          <a:p>
+            <a:pPr indent="-323850" lvl="0" marL="457200" rtl="0" algn="l">
+              <a:lnSpc>
+                <a:spcPct val="100000"/>
+              </a:lnSpc>
+              <a:spcBef>
+                <a:spcPts val="0"/>
+              </a:spcBef>
+              <a:spcAft>
+                <a:spcPts val="0"/>
+              </a:spcAft>
+              <a:buClr>
+                <a:schemeClr val="dk1"/>
+              </a:buClr>
+              <a:buSzPts val="1500"/>
+              <a:buChar char="●"/>
+            </a:pPr>
+            <a:r>
+              <a:rPr lang="en-GB" sz="1500">
+                <a:solidFill>
+                  <a:schemeClr val="dk1"/>
+                </a:solidFill>
+              </a:rPr>
+              <a:t>Removal of highly correlated features. (Example: Job Level - High correlation with Monthly Income)</a:t>
+            </a:r>
+            <a:endParaRPr sz="1500">
+              <a:solidFill>
+                <a:schemeClr val="dk1"/>
+              </a:solidFill>
+            </a:endParaRPr>
+          </a:p>
+          <a:p>
+            <a:pPr indent="-323850" lvl="0" marL="457200" rtl="0" algn="l">
+              <a:lnSpc>
+                <a:spcPct val="100000"/>
+              </a:lnSpc>
+              <a:spcBef>
+                <a:spcPts val="0"/>
+              </a:spcBef>
+              <a:spcAft>
+                <a:spcPts val="0"/>
+              </a:spcAft>
+              <a:buClr>
+                <a:schemeClr val="dk1"/>
+              </a:buClr>
+              <a:buSzPts val="1500"/>
+              <a:buChar char="●"/>
+            </a:pPr>
+            <a:r>
+              <a:rPr lang="en-GB" sz="1500">
+                <a:solidFill>
+                  <a:schemeClr val="dk1"/>
+                </a:solidFill>
+              </a:rPr>
+              <a:t>Scaling of the features to avoid model bias.</a:t>
+            </a:r>
+            <a:endParaRPr sz="2200"/>
+          </a:p>
+        </p:txBody>
+      </p:sp>
+      <p:cxnSp>
+        <p:nvCxnSpPr>
+          <p:cNvPr id="121" name="Google Shape;121;p19"/>
+          <p:cNvCxnSpPr/>
+          <p:nvPr/>
+        </p:nvCxnSpPr>
+        <p:spPr>
+          <a:xfrm>
+            <a:off x="164825" y="721744"/>
+            <a:ext cx="8842200" cy="9300"/>
+          </a:xfrm>
+          <a:prstGeom prst="straightConnector1">
+            <a:avLst/>
+          </a:prstGeom>
+          <a:noFill/>
+          <a:ln cap="flat" cmpd="sng" w="9525">
+            <a:solidFill>
+              <a:srgbClr val="B7B7B7"/>
+            </a:solidFill>
+            <a:prstDash val="dash"/>
+            <a:round/>
+            <a:headEnd len="sm" w="sm" type="none"/>
+            <a:tailEnd len="sm" w="sm" type="none"/>
+          </a:ln>
+        </p:spPr>
+      </p:cxnSp>
+    </p:spTree>
+  </p:cSld>
+  <p:clrMapOvr>
+    <a:masterClrMapping/>
+  </p:clrMapOvr>
+</p:sld>
+</file>
+
+<file path=ppt/slides/slide7.xml><?xml version="1.0" encoding="utf-8"?>
+<p:sld xmlns:a="http://schemas.openxmlformats.org/drawingml/2006/main" xmlns:r="http://schemas.openxmlformats.org/officeDocument/2006/relationships" xmlns:mc="http://schemas.openxmlformats.org/markup-compatibility/2006" xmlns:mv="urn:schemas-microsoft-com:mac:vml" xmlns:p="http://schemas.openxmlformats.org/presentationml/2006/main" xmlns:c="http://schemas.openxmlformats.org/drawingml/2006/chart" xmlns:dgm="http://schemas.openxmlformats.org/drawingml/2006/diagram" xmlns:o="urn:schemas-microsoft-com:office:office" xmlns:v="urn:schemas-microsoft-com:vml" xmlns:pvml="urn:schemas-microsoft-com:office:powerpoint" xmlns:com="http://schemas.openxmlformats.org/drawingml/2006/compatibility" xmlns:p14="http://schemas.microsoft.com/office/powerpoint/2010/main" xmlns:p15="http://schemas.microsoft.com/office/powerpoint/2012/main" xmlns:ahyp="http://schemas.microsoft.com/office/drawing/2018/hyperlinkcolor">
+  <p:cSld>
+    <p:spTree>
+      <p:nvGrpSpPr>
+        <p:cNvPr id="125" name="Shape 125"/>
+        <p:cNvGrpSpPr/>
+        <p:nvPr/>
+      </p:nvGrpSpPr>
+      <p:grpSpPr>
+        <a:xfrm>
+          <a:off x="0" y="0"/>
+          <a:ext cx="0" cy="0"/>
+          <a:chOff x="0" y="0"/>
+          <a:chExt cx="0" cy="0"/>
+        </a:xfrm>
+      </p:grpSpPr>
+      <p:pic>
+        <p:nvPicPr>
+          <p:cNvPr id="126" name="Google Shape;126;p20"/>
+          <p:cNvPicPr preferRelativeResize="0"/>
+          <p:nvPr/>
+        </p:nvPicPr>
+        <p:blipFill>
+          <a:blip r:embed="rId3">
+            <a:alphaModFix/>
+          </a:blip>
+          <a:stretch>
+            <a:fillRect/>
+          </a:stretch>
+        </p:blipFill>
+        <p:spPr>
+          <a:xfrm>
+            <a:off x="111050" y="141088"/>
+            <a:ext cx="4845600" cy="5002424"/>
+          </a:xfrm>
+          <a:prstGeom prst="rect">
+            <a:avLst/>
+          </a:prstGeom>
+          <a:noFill/>
+          <a:ln>
+            <a:noFill/>
+          </a:ln>
+        </p:spPr>
+      </p:pic>
+      <p:pic>
+        <p:nvPicPr>
+          <p:cNvPr id="127" name="Google Shape;127;p20"/>
+          <p:cNvPicPr preferRelativeResize="0"/>
+          <p:nvPr/>
+        </p:nvPicPr>
+        <p:blipFill rotWithShape="1">
+          <a:blip r:embed="rId4">
+            <a:alphaModFix/>
+          </a:blip>
+          <a:srcRect b="2413" l="75755" r="0" t="92010"/>
+          <a:stretch/>
+        </p:blipFill>
+        <p:spPr>
+          <a:xfrm>
+            <a:off x="8157393" y="57007"/>
+            <a:ext cx="1003925" cy="246351"/>
+          </a:xfrm>
+          <a:prstGeom prst="rect">
+            <a:avLst/>
+          </a:prstGeom>
+          <a:noFill/>
+          <a:ln>
+            <a:noFill/>
+          </a:ln>
+        </p:spPr>
+      </p:pic>
+      <p:sp>
+        <p:nvSpPr>
+          <p:cNvPr id="128" name="Google Shape;128;p20"/>
+          <p:cNvSpPr txBox="1"/>
+          <p:nvPr>
+            <p:ph idx="1" type="body"/>
+          </p:nvPr>
+        </p:nvSpPr>
+        <p:spPr>
+          <a:xfrm>
+            <a:off x="5144875" y="361875"/>
+            <a:ext cx="3845700" cy="4603800"/>
+          </a:xfrm>
+          <a:prstGeom prst="rect">
+            <a:avLst/>
+          </a:prstGeom>
+          <a:solidFill>
+            <a:schemeClr val="lt1"/>
+          </a:solidFill>
+          <a:effectLst>
+            <a:outerShdw blurRad="57150" rotWithShape="0" algn="bl" dir="5400000" dist="19050">
+              <a:srgbClr val="000000">
+                <a:alpha val="50000"/>
+              </a:srgbClr>
+            </a:outerShdw>
+          </a:effectLst>
+        </p:spPr>
+        <p:txBody>
+          <a:bodyPr anchorCtr="0" anchor="t" bIns="91425" lIns="91425" spcFirstLastPara="1" rIns="91425" wrap="square" tIns="91425">
+            <a:normAutofit/>
+          </a:bodyPr>
+          <a:lstStyle/>
+          <a:p>
+            <a:pPr indent="0" lvl="0" marL="0" rtl="0" algn="l">
+              <a:lnSpc>
+                <a:spcPct val="122222"/>
+              </a:lnSpc>
+              <a:spcBef>
+                <a:spcPts val="0"/>
+              </a:spcBef>
+              <a:spcAft>
+                <a:spcPts val="0"/>
+              </a:spcAft>
+              <a:buNone/>
+            </a:pPr>
+            <a:r>
+              <a:rPr b="1" lang="en-GB" sz="1500" u="sng">
+                <a:solidFill>
+                  <a:srgbClr val="202124"/>
+                </a:solidFill>
+              </a:rPr>
+              <a:t>Top positively correlated features</a:t>
+            </a:r>
+            <a:endParaRPr b="1" sz="1500" u="sng">
+              <a:solidFill>
+                <a:srgbClr val="202124"/>
+              </a:solidFill>
+            </a:endParaRPr>
+          </a:p>
+          <a:p>
+            <a:pPr indent="-323850" lvl="0" marL="457200" rtl="0" algn="l">
+              <a:lnSpc>
+                <a:spcPct val="122222"/>
+              </a:lnSpc>
+              <a:spcBef>
+                <a:spcPts val="1200"/>
+              </a:spcBef>
+              <a:spcAft>
+                <a:spcPts val="0"/>
+              </a:spcAft>
+              <a:buClr>
+                <a:srgbClr val="202124"/>
+              </a:buClr>
+              <a:buSzPts val="1500"/>
+              <a:buAutoNum type="arabicPeriod"/>
+            </a:pPr>
+            <a:r>
+              <a:rPr lang="en-GB" sz="1500">
+                <a:solidFill>
+                  <a:srgbClr val="202124"/>
+                </a:solidFill>
+              </a:rPr>
+              <a:t>OverTime</a:t>
+            </a:r>
+            <a:endParaRPr sz="1500">
+              <a:solidFill>
+                <a:srgbClr val="202124"/>
+              </a:solidFill>
+            </a:endParaRPr>
+          </a:p>
+          <a:p>
+            <a:pPr indent="-323850" lvl="0" marL="457200" rtl="0" algn="l">
+              <a:lnSpc>
+                <a:spcPct val="122222"/>
+              </a:lnSpc>
+              <a:spcBef>
+                <a:spcPts val="0"/>
+              </a:spcBef>
+              <a:spcAft>
+                <a:spcPts val="0"/>
+              </a:spcAft>
+              <a:buClr>
+                <a:srgbClr val="202124"/>
+              </a:buClr>
+              <a:buSzPts val="1500"/>
+              <a:buAutoNum type="arabicPeriod"/>
+            </a:pPr>
+            <a:r>
+              <a:rPr lang="en-GB" sz="1500">
+                <a:solidFill>
+                  <a:srgbClr val="202124"/>
+                </a:solidFill>
+              </a:rPr>
+              <a:t>MaritalStatus_Single</a:t>
+            </a:r>
+            <a:endParaRPr sz="1500">
+              <a:solidFill>
+                <a:srgbClr val="202124"/>
+              </a:solidFill>
+            </a:endParaRPr>
+          </a:p>
+          <a:p>
+            <a:pPr indent="-323850" lvl="0" marL="457200" rtl="0" algn="l">
+              <a:lnSpc>
+                <a:spcPct val="122222"/>
+              </a:lnSpc>
+              <a:spcBef>
+                <a:spcPts val="0"/>
+              </a:spcBef>
+              <a:spcAft>
+                <a:spcPts val="0"/>
+              </a:spcAft>
+              <a:buClr>
+                <a:srgbClr val="202124"/>
+              </a:buClr>
+              <a:buSzPts val="1500"/>
+              <a:buAutoNum type="arabicPeriod"/>
+            </a:pPr>
+            <a:r>
+              <a:rPr lang="en-GB" sz="1500">
+                <a:solidFill>
+                  <a:srgbClr val="202124"/>
+                </a:solidFill>
+              </a:rPr>
+              <a:t>JobRole_Sales Representative</a:t>
+            </a:r>
+            <a:endParaRPr sz="1500">
+              <a:solidFill>
+                <a:srgbClr val="202124"/>
+              </a:solidFill>
+            </a:endParaRPr>
+          </a:p>
+          <a:p>
+            <a:pPr indent="-323850" lvl="0" marL="457200" rtl="0" algn="l">
+              <a:lnSpc>
+                <a:spcPct val="122222"/>
+              </a:lnSpc>
+              <a:spcBef>
+                <a:spcPts val="0"/>
+              </a:spcBef>
+              <a:spcAft>
+                <a:spcPts val="0"/>
+              </a:spcAft>
+              <a:buClr>
+                <a:srgbClr val="202124"/>
+              </a:buClr>
+              <a:buSzPts val="1500"/>
+              <a:buAutoNum type="arabicPeriod"/>
+            </a:pPr>
+            <a:r>
+              <a:rPr lang="en-GB" sz="1500">
+                <a:solidFill>
+                  <a:srgbClr val="202124"/>
+                </a:solidFill>
+              </a:rPr>
+              <a:t>BusinessTravel</a:t>
+            </a:r>
+            <a:endParaRPr sz="1500">
+              <a:solidFill>
+                <a:srgbClr val="202124"/>
+              </a:solidFill>
+            </a:endParaRPr>
+          </a:p>
+          <a:p>
+            <a:pPr indent="-323850" lvl="0" marL="457200" rtl="0" algn="l">
+              <a:lnSpc>
+                <a:spcPct val="122222"/>
+              </a:lnSpc>
+              <a:spcBef>
+                <a:spcPts val="0"/>
+              </a:spcBef>
+              <a:spcAft>
+                <a:spcPts val="0"/>
+              </a:spcAft>
+              <a:buClr>
+                <a:srgbClr val="202124"/>
+              </a:buClr>
+              <a:buSzPts val="1500"/>
+              <a:buAutoNum type="arabicPeriod"/>
+            </a:pPr>
+            <a:r>
+              <a:rPr lang="en-GB" sz="1500">
+                <a:solidFill>
+                  <a:srgbClr val="202124"/>
+                </a:solidFill>
+              </a:rPr>
+              <a:t>JobRole_Laboratory Technician</a:t>
+            </a:r>
+            <a:br>
+              <a:rPr lang="en-GB" sz="1500">
+                <a:solidFill>
+                  <a:srgbClr val="202124"/>
+                </a:solidFill>
+              </a:rPr>
+            </a:br>
+            <a:endParaRPr sz="1500">
+              <a:solidFill>
+                <a:srgbClr val="202124"/>
+              </a:solidFill>
+            </a:endParaRPr>
+          </a:p>
+          <a:p>
+            <a:pPr indent="0" lvl="0" marL="0" rtl="0" algn="l">
+              <a:lnSpc>
+                <a:spcPct val="122222"/>
+              </a:lnSpc>
+              <a:spcBef>
+                <a:spcPts val="1200"/>
+              </a:spcBef>
+              <a:spcAft>
+                <a:spcPts val="0"/>
+              </a:spcAft>
+              <a:buNone/>
+            </a:pPr>
+            <a:r>
+              <a:rPr b="1" lang="en-GB" sz="1500" u="sng">
+                <a:solidFill>
+                  <a:srgbClr val="202124"/>
+                </a:solidFill>
+              </a:rPr>
+              <a:t>Top negatively correlated features</a:t>
+            </a:r>
+            <a:endParaRPr b="1" sz="1500" u="sng">
+              <a:solidFill>
+                <a:srgbClr val="202124"/>
+              </a:solidFill>
+            </a:endParaRPr>
+          </a:p>
+          <a:p>
+            <a:pPr indent="-323850" lvl="0" marL="457200" rtl="0" algn="l">
+              <a:lnSpc>
+                <a:spcPct val="122222"/>
+              </a:lnSpc>
+              <a:spcBef>
+                <a:spcPts val="1200"/>
+              </a:spcBef>
+              <a:spcAft>
+                <a:spcPts val="0"/>
+              </a:spcAft>
+              <a:buClr>
+                <a:srgbClr val="202124"/>
+              </a:buClr>
+              <a:buSzPts val="1500"/>
+              <a:buAutoNum type="arabicPeriod"/>
+            </a:pPr>
+            <a:r>
+              <a:rPr lang="en-GB" sz="1500">
+                <a:solidFill>
+                  <a:srgbClr val="202124"/>
+                </a:solidFill>
+              </a:rPr>
+              <a:t>TotalWorkingYears</a:t>
+            </a:r>
+            <a:endParaRPr sz="1500">
+              <a:solidFill>
+                <a:srgbClr val="202124"/>
+              </a:solidFill>
+            </a:endParaRPr>
+          </a:p>
+          <a:p>
+            <a:pPr indent="-323850" lvl="0" marL="457200" rtl="0" algn="l">
+              <a:lnSpc>
+                <a:spcPct val="122222"/>
+              </a:lnSpc>
+              <a:spcBef>
+                <a:spcPts val="0"/>
+              </a:spcBef>
+              <a:spcAft>
+                <a:spcPts val="0"/>
+              </a:spcAft>
+              <a:buClr>
+                <a:srgbClr val="202124"/>
+              </a:buClr>
+              <a:buSzPts val="1500"/>
+              <a:buAutoNum type="arabicPeriod"/>
+            </a:pPr>
+            <a:r>
+              <a:rPr lang="en-GB" sz="1500">
+                <a:solidFill>
+                  <a:srgbClr val="202124"/>
+                </a:solidFill>
+              </a:rPr>
+              <a:t>Age</a:t>
+            </a:r>
+            <a:endParaRPr sz="1500">
+              <a:solidFill>
+                <a:srgbClr val="202124"/>
+              </a:solidFill>
+            </a:endParaRPr>
+          </a:p>
+          <a:p>
+            <a:pPr indent="-323850" lvl="0" marL="457200" rtl="0" algn="l">
+              <a:lnSpc>
+                <a:spcPct val="122222"/>
+              </a:lnSpc>
+              <a:spcBef>
+                <a:spcPts val="0"/>
+              </a:spcBef>
+              <a:spcAft>
+                <a:spcPts val="0"/>
+              </a:spcAft>
+              <a:buClr>
+                <a:srgbClr val="202124"/>
+              </a:buClr>
+              <a:buSzPts val="1500"/>
+              <a:buAutoNum type="arabicPeriod"/>
+            </a:pPr>
+            <a:r>
+              <a:rPr lang="en-GB" sz="1500">
+                <a:solidFill>
+                  <a:srgbClr val="202124"/>
+                </a:solidFill>
+              </a:rPr>
+              <a:t>YearsWithCurrManager</a:t>
+            </a:r>
+            <a:endParaRPr sz="1500">
+              <a:solidFill>
+                <a:srgbClr val="202124"/>
+              </a:solidFill>
+            </a:endParaRPr>
+          </a:p>
+          <a:p>
+            <a:pPr indent="-323850" lvl="0" marL="457200" rtl="0" algn="l">
+              <a:lnSpc>
+                <a:spcPct val="122222"/>
+              </a:lnSpc>
+              <a:spcBef>
+                <a:spcPts val="0"/>
+              </a:spcBef>
+              <a:spcAft>
+                <a:spcPts val="0"/>
+              </a:spcAft>
+              <a:buClr>
+                <a:srgbClr val="202124"/>
+              </a:buClr>
+              <a:buSzPts val="1500"/>
+              <a:buAutoNum type="arabicPeriod"/>
+            </a:pPr>
+            <a:r>
+              <a:rPr lang="en-GB" sz="1500">
+                <a:solidFill>
+                  <a:srgbClr val="202124"/>
+                </a:solidFill>
+              </a:rPr>
+              <a:t>JobLevel</a:t>
+            </a:r>
+            <a:endParaRPr sz="1500">
+              <a:solidFill>
+                <a:srgbClr val="202124"/>
+              </a:solidFill>
+            </a:endParaRPr>
+          </a:p>
+          <a:p>
+            <a:pPr indent="-323850" lvl="0" marL="457200" rtl="0" algn="l">
+              <a:lnSpc>
+                <a:spcPct val="122222"/>
+              </a:lnSpc>
+              <a:spcBef>
+                <a:spcPts val="0"/>
+              </a:spcBef>
+              <a:spcAft>
+                <a:spcPts val="0"/>
+              </a:spcAft>
+              <a:buClr>
+                <a:srgbClr val="202124"/>
+              </a:buClr>
+              <a:buSzPts val="1500"/>
+              <a:buAutoNum type="arabicPeriod"/>
+            </a:pPr>
+            <a:r>
+              <a:rPr lang="en-GB" sz="1500">
+                <a:solidFill>
+                  <a:srgbClr val="202124"/>
+                </a:solidFill>
+              </a:rPr>
+              <a:t>YearsInCurrentRole</a:t>
+            </a:r>
+            <a:endParaRPr sz="1500">
+              <a:solidFill>
+                <a:srgbClr val="202124"/>
+              </a:solidFill>
+            </a:endParaRPr>
+          </a:p>
+        </p:txBody>
+      </p:sp>
+    </p:spTree>
+  </p:cSld>
+  <p:clrMapOvr>
+    <a:masterClrMapping/>
+  </p:clrMapOvr>
+</p:sld>
+</file>
+
+<file path=ppt/slides/slide8.xml><?xml version="1.0" encoding="utf-8"?>
+<p:sld xmlns:a="http://schemas.openxmlformats.org/drawingml/2006/main" xmlns:r="http://schemas.openxmlformats.org/officeDocument/2006/relationships" xmlns:mc="http://schemas.openxmlformats.org/markup-compatibility/2006" xmlns:mv="urn:schemas-microsoft-com:mac:vml" xmlns:p="http://schemas.openxmlformats.org/presentationml/2006/main" xmlns:c="http://schemas.openxmlformats.org/drawingml/2006/chart" xmlns:dgm="http://schemas.openxmlformats.org/drawingml/2006/diagram" xmlns:o="urn:schemas-microsoft-com:office:office" xmlns:v="urn:schemas-microsoft-com:vml" xmlns:pvml="urn:schemas-microsoft-com:office:powerpoint" xmlns:com="http://schemas.openxmlformats.org/drawingml/2006/compatibility" xmlns:p14="http://schemas.microsoft.com/office/powerpoint/2010/main" xmlns:p15="http://schemas.microsoft.com/office/powerpoint/2012/main" xmlns:ahyp="http://schemas.microsoft.com/office/drawing/2018/hyperlinkcolor">
+  <p:cSld>
+    <p:spTree>
+      <p:nvGrpSpPr>
+        <p:cNvPr id="132" name="Shape 132"/>
+        <p:cNvGrpSpPr/>
+        <p:nvPr/>
+      </p:nvGrpSpPr>
+      <p:grpSpPr>
+        <a:xfrm>
+          <a:off x="0" y="0"/>
+          <a:ext cx="0" cy="0"/>
+          <a:chOff x="0" y="0"/>
+          <a:chExt cx="0" cy="0"/>
+        </a:xfrm>
+      </p:grpSpPr>
+      <p:sp>
+        <p:nvSpPr>
+          <p:cNvPr id="133" name="Google Shape;133;p21"/>
+          <p:cNvSpPr txBox="1"/>
+          <p:nvPr>
+            <p:ph type="title"/>
+          </p:nvPr>
+        </p:nvSpPr>
+        <p:spPr>
+          <a:xfrm>
+            <a:off x="311700" y="140225"/>
+            <a:ext cx="8520600" cy="572700"/>
+          </a:xfrm>
+          <a:prstGeom prst="rect">
+            <a:avLst/>
+          </a:prstGeom>
+        </p:spPr>
+        <p:txBody>
+          <a:bodyPr anchorCtr="0" anchor="t" bIns="91425" lIns="91425" spcFirstLastPara="1" rIns="91425" wrap="square" tIns="91425">
+            <a:normAutofit fontScale="90000"/>
+          </a:bodyPr>
+          <a:lstStyle/>
+          <a:p>
+            <a:pPr indent="0" lvl="0" marL="0" rtl="0" algn="l">
+              <a:spcBef>
+                <a:spcPts val="0"/>
+              </a:spcBef>
+              <a:spcAft>
+                <a:spcPts val="0"/>
+              </a:spcAft>
+              <a:buNone/>
+            </a:pPr>
+            <a:r>
+              <a:rPr b="1" lang="en-GB">
+                <a:latin typeface="Inter"/>
+                <a:ea typeface="Inter"/>
+                <a:cs typeface="Inter"/>
+                <a:sym typeface="Inter"/>
+              </a:rPr>
               <a:t>Modelling &amp; </a:t>
             </a:r>
             <a:r>
@@ -14073,7 +17596,7 @@
       </p:sp>
       <p:sp>
         <p:nvSpPr>
-          <p:cNvPr id="109" name="Google Shape;109;p18"/>
+          <p:cNvPr id="134" name="Google Shape;134;p21"/>
           <p:cNvSpPr txBox="1"/>
           <p:nvPr>
             <p:ph idx="1" type="body"/>
@@ -14104,7 +17627,7 @@
           </a:bodyPr>
           <a:lstStyle/>
           <a:p>
-            <a:pPr indent="-317500" lvl="0" marL="457200" rtl="0" algn="l">
+            <a:pPr indent="-304800" lvl="0" marL="457200" rtl="0" algn="l">
               <a:lnSpc>
                 <a:spcPct val="122222"/>
               </a:lnSpc>
@@ -14117,42 +17640,18 @@
               <a:buClr>
                 <a:schemeClr val="dk1"/>
               </a:buClr>
-              <a:buSzPts val="1400"/>
+              <a:buSzPts val="1200"/>
               <a:buChar char="●"/>
             </a:pPr>
             <a:r>
-              <a:rPr lang="en-GB" sz="1400">
+              <a:rPr lang="en-GB" sz="900">
                 <a:solidFill>
                   <a:srgbClr val="202124"/>
                 </a:solidFill>
               </a:rPr>
-              <a:t>Choice of </a:t>
-            </a:r>
-            <a:r>
-              <a:rPr lang="en-GB" sz="1400">
-                <a:solidFill>
-                  <a:srgbClr val="202124"/>
-                </a:solidFill>
-              </a:rPr>
-              <a:t>benchmarking metrics </a:t>
-            </a:r>
-            <a:r>
-              <a:rPr lang="en-GB" sz="1200">
-                <a:solidFill>
-                  <a:srgbClr val="202124"/>
-                </a:solidFill>
-              </a:rPr>
-              <a:t>- </a:t>
-            </a:r>
-            <a:r>
-              <a:rPr lang="en-GB" sz="1400">
-                <a:solidFill>
-                  <a:srgbClr val="202124"/>
-                </a:solidFill>
-              </a:rPr>
-              <a:t>precision, recall, F1 score &amp; AUC-ROC</a:t>
-            </a:r>
-            <a:endParaRPr sz="1400">
+              <a:t>Tried multiple models (LogisticRegression, Random Forest, XGBoost, KNN, Naive Bayes, LightGBM, CatBoost, MLP)</a:t>
+            </a:r>
+            <a:endParaRPr sz="900">
               <a:solidFill>
                 <a:srgbClr val="202124"/>
               </a:solidFill>
@@ -14176,21 +17675,45 @@
               <a:buChar char="●"/>
             </a:pPr>
             <a:r>
-              <a:rPr lang="en-GB" sz="1400">
+              <a:rPr lang="en-GB" sz="900">
                 <a:solidFill>
                   <a:srgbClr val="202124"/>
                 </a:solidFill>
               </a:rPr>
-              <a:t>Application of class balancing and SMOTE strategy to balance dataset</a:t>
-            </a:r>
-            <a:endParaRPr sz="1400">
+              <a:t>Choice of </a:t>
+            </a:r>
+            <a:r>
+              <a:rPr lang="en-GB" sz="900">
+                <a:solidFill>
+                  <a:srgbClr val="202124"/>
+                </a:solidFill>
+              </a:rPr>
+              <a:t>benchmarking metrics </a:t>
+            </a:r>
+            <a:r>
+              <a:rPr lang="en-GB" sz="700">
+                <a:solidFill>
+                  <a:srgbClr val="202124"/>
+                </a:solidFill>
+              </a:rPr>
+              <a:t>- </a:t>
+            </a:r>
+            <a:r>
+              <a:rPr lang="en-GB" sz="900">
+                <a:solidFill>
+                  <a:srgbClr val="202124"/>
+                </a:solidFill>
+              </a:rPr>
+              <a:t>precision, recall, F1 score &amp; AUC-ROC</a:t>
+            </a:r>
+            <a:endParaRPr sz="900">
               <a:solidFill>
                 <a:srgbClr val="202124"/>
               </a:solidFill>
             </a:endParaRPr>
           </a:p>
           <a:p>
-            <a:pPr indent="-317500" lvl="0" marL="457200" rtl="0" algn="l">
+            <a:pPr indent="-304800" lvl="0" marL="457200" rtl="0" algn="l">
               <a:lnSpc>
                 <a:spcPct val="122222"/>
               </a:lnSpc>
@@ -14201,27 +17724,27 @@
                 <a:spcPts val="0"/>
               </a:spcAft>
               <a:buClr>
-                <a:srgbClr val="202124"/>
+                <a:schemeClr val="dk1"/>
               </a:buClr>
-              <a:buSzPts val="1400"/>
+              <a:buSzPts val="1200"/>
               <a:buChar char="●"/>
             </a:pPr>
             <a:r>
-              <a:rPr lang="en-GB" sz="1400">
+              <a:rPr lang="en-GB" sz="900">
                 <a:solidFill>
                   <a:srgbClr val="202124"/>
                 </a:solidFill>
               </a:rPr>
-              <a:t>Classification models were considered and optimized</a:t>
-            </a:r>
-            <a:endParaRPr sz="1400">
+              <a:t>Application of class balancing and SMOTE strategy to balance dataset</a:t>
+            </a:r>
+            <a:endParaRPr sz="900">
               <a:solidFill>
                 <a:srgbClr val="202124"/>
               </a:solidFill>
             </a:endParaRPr>
           </a:p>
           <a:p>
-            <a:pPr indent="-317500" lvl="0" marL="457200" rtl="0" algn="l">
+            <a:pPr indent="-304800" lvl="0" marL="457200" rtl="0" algn="l">
               <a:lnSpc>
                 <a:spcPct val="122222"/>
               </a:lnSpc>
@@ -14232,20 +17755,51 @@
                 <a:spcPts val="0"/>
               </a:spcAft>
               <a:buClr>
-                <a:srgbClr val="202124"/>
+                <a:schemeClr val="dk1"/>
               </a:buClr>
-              <a:buSzPts val="1400"/>
+              <a:buSzPts val="1200"/>
               <a:buChar char="●"/>
             </a:pPr>
             <a:r>
-              <a:rPr lang="en-GB" sz="1400">
+              <a:rPr lang="en-GB" sz="900">
+                <a:solidFill>
+                  <a:srgbClr val="202124"/>
+                </a:solidFill>
+              </a:rPr>
+              <a:t>Classification models were considered and optimized </a:t>
+            </a:r>
+            <a:endParaRPr sz="900">
+              <a:solidFill>
+                <a:srgbClr val="202124"/>
+              </a:solidFill>
+            </a:endParaRPr>
+          </a:p>
+          <a:p>
+            <a:pPr indent="-304800" lvl="0" marL="457200" rtl="0" algn="l">
+              <a:lnSpc>
+                <a:spcPct val="122222"/>
+              </a:lnSpc>
+              <a:spcBef>
+                <a:spcPts val="0"/>
+              </a:spcBef>
+              <a:spcAft>
+                <a:spcPts val="0"/>
+              </a:spcAft>
+              <a:buClr>
+                <a:schemeClr val="dk1"/>
+              </a:buClr>
+              <a:buSzPts val="1200"/>
+              <a:buChar char="●"/>
+            </a:pPr>
+            <a:r>
+              <a:rPr lang="en-GB" sz="900">
                 <a:solidFill>
                   <a:srgbClr val="202124"/>
                 </a:solidFill>
               </a:rPr>
               <a:t>Dataset has been split into training (80%), evaluation (10%) and test dataset (10%)</a:t>
             </a:r>
-            <a:endParaRPr sz="1400">
+            <a:endParaRPr sz="900">
               <a:solidFill>
                 <a:srgbClr val="202124"/>
               </a:solidFill>
@@ -14265,14 +17819,14 @@
               <a:buNone/>
             </a:pPr>
             <a:r>
-              <a:rPr lang="en-GB" sz="1400">
+              <a:rPr lang="en-GB" sz="900">
                 <a:solidFill>
                   <a:srgbClr val="202124"/>
                 </a:solidFill>
               </a:rPr>
               <a:t>Final Choice of Model - Voting Classifier Model (XGBoost &amp; CatBoost)</a:t>
             </a:r>
-            <a:endParaRPr sz="1400">
+            <a:endParaRPr sz="900">
               <a:solidFill>
                 <a:srgbClr val="202124"/>
               </a:solidFill>
@@ -14304,7 +17858,7 @@
       </p:sp>
       <p:cxnSp>
         <p:nvCxnSpPr>
-          <p:cNvPr id="110" name="Google Shape;110;p18"/>
+          <p:cNvPr id="135" name="Google Shape;135;p21"/>
           <p:cNvCxnSpPr/>
           <p:nvPr/>
         </p:nvCxnSpPr>
@@ -14330,7 +17884,7 @@
       </p:cxnSp>
       <p:graphicFrame>
         <p:nvGraphicFramePr>
-          <p:cNvPr id="111" name="Google Shape;111;p18"/>
+          <p:cNvPr id="136" name="Google Shape;136;p21"/>
           <p:cNvGraphicFramePr/>
           <p:nvPr/>
         </p:nvGraphicFramePr>
@@ -14343,7 +17897,7 @@
             <a:tbl>
               <a:tblPr>
                 <a:noFill/>
-                <a:tableStyleId>{8842695C-21A2-456C-9866-8A7303E41BA8}</a:tableStyleId>
+                <a:tableStyleId>{D6A7A21B-003F-455C-A127-CE841FBD6F3E}</a:tableStyleId>
               </a:tblPr>
               <a:tblGrid>
                 <a:gridCol w="1809750"/>
@@ -14827,7 +18381,7 @@
       </p:graphicFrame>
       <p:pic>
         <p:nvPicPr>
-          <p:cNvPr id="112" name="Google Shape;112;p18"/>
+          <p:cNvPr id="137" name="Google Shape;137;p21"/>
           <p:cNvPicPr preferRelativeResize="0"/>
           <p:nvPr/>
         </p:nvPicPr>
@@ -14860,12 +18414,12 @@
 </p:sld>
 </file>
 
-<file path=ppt/slides/slide6.xml><?xml version="1.0" encoding="utf-8"?>
+<file path=ppt/slides/slide9.xml><?xml version="1.0" encoding="utf-8"?>
 <p:sld xmlns:a="http://schemas.openxmlformats.org/drawingml/2006/main" xmlns:r="http://schemas.openxmlformats.org/officeDocument/2006/relationships" xmlns:mc="http://schemas.openxmlformats.org/markup-compatibility/2006" xmlns:mv="urn:schemas-microsoft-com:mac:vml" xmlns:p="http://schemas.openxmlformats.org/presentationml/2006/main" xmlns:c="http://schemas.openxmlformats.org/drawingml/2006/chart" xmlns:dgm="http://schemas.openxmlformats.org/drawingml/2006/diagram" xmlns:o="urn:schemas-microsoft-com:office:office" xmlns:v="urn:schemas-microsoft-com:vml" xmlns:pvml="urn:schemas-microsoft-com:office:powerpoint" xmlns:com="http://schemas.openxmlformats.org/drawingml/2006/compatibility" xmlns:p14="http://schemas.microsoft.com/office/powerpoint/2010/main" xmlns:p15="http://schemas.microsoft.com/office/powerpoint/2012/main" xmlns:ahyp="http://schemas.microsoft.com/office/drawing/2018/hyperlinkcolor">
   <p:cSld>
     <p:spTree>
       <p:nvGrpSpPr>
-        <p:cNvPr id="116" name="Shape 116"/>
+        <p:cNvPr id="141" name="Shape 141"/>
         <p:cNvGrpSpPr/>
         <p:nvPr/>
       </p:nvGrpSpPr>
@@ -14877,361 +18431,301 @@
           <a:chExt cx="0" cy="0"/>
         </a:xfrm>
       </p:grpSpPr>
-      <p:sp>
-        <p:nvSpPr>
-          <p:cNvPr id="117" name="Google Shape;117;p19"/>
-          <p:cNvSpPr txBox="1"/>
-          <p:nvPr>
-            <p:ph idx="1" type="body"/>
-          </p:nvPr>
-        </p:nvSpPr>
+      <p:pic>
+        <p:nvPicPr>
+          <p:cNvPr id="142" name="Google Shape;142;p22"/>
+          <p:cNvPicPr preferRelativeResize="0"/>
+          <p:nvPr/>
+        </p:nvPicPr>
+        <p:blipFill rotWithShape="1">
+          <a:blip r:embed="rId3">
+            <a:alphaModFix/>
+          </a:blip>
+          <a:srcRect b="2413" l="75755" r="0" t="92010"/>
+          <a:stretch/>
+        </p:blipFill>
         <p:spPr>
           <a:xfrm>
-            <a:off x="164825" y="797950"/>
-            <a:ext cx="8520600" cy="2792700"/>
+            <a:off x="8157393" y="57007"/>
+            <a:ext cx="1003925" cy="246351"/>
           </a:xfrm>
           <a:prstGeom prst="rect">
             <a:avLst/>
           </a:prstGeom>
-          <a:solidFill>
-            <a:schemeClr val="lt1"/>
-          </a:solidFill>
-          <a:effectLst>
-            <a:outerShdw blurRad="57150" rotWithShape="0" algn="bl" dir="5400000" dist="19050">
-              <a:srgbClr val="000000">
-                <a:alpha val="50000"/>
-              </a:srgbClr>
-            </a:outerShdw>
-          </a:effectLst>
+          <a:noFill/>
+          <a:ln>
+            <a:noFill/>
+          </a:ln>
         </p:spPr>
-        <p:txBody>
-          <a:bodyPr anchorCtr="0" anchor="t" bIns="91425" lIns="91425" spcFirstLastPara="1" rIns="91425" wrap="square" tIns="91425">
-            <a:normAutofit/>
-          </a:bodyPr>
-          <a:lstStyle/>
-          <a:p>
-            <a:pPr indent="0" lvl="0" marL="0" rtl="0" algn="l">
-              <a:lnSpc>
-                <a:spcPct val="122222"/>
-              </a:lnSpc>
-              <a:spcBef>
-                <a:spcPts val="0"/>
-              </a:spcBef>
-              <a:spcAft>
-                <a:spcPts val="0"/>
-              </a:spcAft>
-              <a:buNone/>
-            </a:pPr>
-            <a:r>
-              <a:t/>
-            </a:r>
-            <a:endParaRPr sz="1400">
-              <a:solidFill>
-                <a:srgbClr val="202124"/>
-              </a:solidFill>
-            </a:endParaRPr>
-          </a:p>
-          <a:p>
-            <a:pPr indent="0" lvl="0" marL="0" rtl="0" algn="l">
-              <a:lnSpc>
-                <a:spcPct val="122222"/>
-              </a:lnSpc>
-              <a:spcBef>
-                <a:spcPts val="1200"/>
-              </a:spcBef>
-              <a:spcAft>
-                <a:spcPts val="1200"/>
-              </a:spcAft>
-              <a:buNone/>
-            </a:pPr>
-            <a:r>
-              <a:t/>
-            </a:r>
-            <a:endParaRPr sz="1400">
-              <a:solidFill>
-                <a:srgbClr val="202124"/>
-              </a:solidFill>
-            </a:endParaRPr>
-          </a:p>
-        </p:txBody>
-      </p:sp>
+      </p:pic>
+      <p:graphicFrame>
+        <p:nvGraphicFramePr>
+          <p:cNvPr id="143" name="Google Shape;143;p22"/>
+          <p:cNvGraphicFramePr/>
+          <p:nvPr/>
+        </p:nvGraphicFramePr>
+        <p:xfrm>
+          <a:off x="1023025" y="1924225"/>
+          <a:ext cx="3000000" cy="3000000"/>
+        </p:xfrm>
+        <a:graphic>
+          <a:graphicData uri="http://schemas.openxmlformats.org/drawingml/2006/table">
+            <a:tbl>
+              <a:tblPr>
+                <a:noFill/>
+                <a:tableStyleId>{D6A7A21B-003F-455C-A127-CE841FBD6F3E}</a:tableStyleId>
+              </a:tblPr>
+              <a:tblGrid>
+                <a:gridCol w="1163975"/>
+                <a:gridCol w="1019750"/>
+              </a:tblGrid>
+              <a:tr h="352100">
+                <a:tc>
+                  <a:txBody>
+                    <a:bodyPr/>
+                    <a:lstStyle/>
+                    <a:p>
+                      <a:pPr indent="0" lvl="0" marL="0" rtl="0" algn="l">
+                        <a:spcBef>
+                          <a:spcPts val="0"/>
+                        </a:spcBef>
+                        <a:spcAft>
+                          <a:spcPts val="0"/>
+                        </a:spcAft>
+                        <a:buNone/>
+                      </a:pPr>
+                      <a:r>
+                        <a:rPr b="1" lang="en-GB"/>
+                        <a:t>Metric</a:t>
+                      </a:r>
+                      <a:endParaRPr b="1"/>
+                    </a:p>
+                  </a:txBody>
+                  <a:tcPr marT="91425" marB="91425" marR="91425" marL="91425"/>
+                </a:tc>
+                <a:tc>
+                  <a:txBody>
+                    <a:bodyPr/>
+                    <a:lstStyle/>
+                    <a:p>
+                      <a:pPr indent="0" lvl="0" marL="0" rtl="0" algn="l">
+                        <a:spcBef>
+                          <a:spcPts val="0"/>
+                        </a:spcBef>
+                        <a:spcAft>
+                          <a:spcPts val="0"/>
+                        </a:spcAft>
+                        <a:buNone/>
+                      </a:pPr>
+                      <a:r>
+                        <a:rPr b="1" lang="en-GB"/>
+                        <a:t>Score</a:t>
+                      </a:r>
+                      <a:endParaRPr b="1"/>
+                    </a:p>
+                  </a:txBody>
+                  <a:tcPr marT="91425" marB="91425" marR="91425" marL="91425"/>
+                </a:tc>
+              </a:tr>
+              <a:tr h="352100">
+                <a:tc>
+                  <a:txBody>
+                    <a:bodyPr/>
+                    <a:lstStyle/>
+                    <a:p>
+                      <a:pPr indent="0" lvl="0" marL="0" rtl="0" algn="l">
+                        <a:spcBef>
+                          <a:spcPts val="0"/>
+                        </a:spcBef>
+                        <a:spcAft>
+                          <a:spcPts val="0"/>
+                        </a:spcAft>
+                        <a:buNone/>
+                      </a:pPr>
+                      <a:r>
+                        <a:rPr lang="en-GB"/>
+                        <a:t>Precision</a:t>
+                      </a:r>
+                      <a:endParaRPr/>
+                    </a:p>
+                  </a:txBody>
+                  <a:tcPr marT="91425" marB="91425" marR="91425" marL="91425"/>
+                </a:tc>
+                <a:tc>
+                  <a:txBody>
+                    <a:bodyPr/>
+                    <a:lstStyle/>
+                    <a:p>
+                      <a:pPr indent="0" lvl="0" marL="0" rtl="0" algn="l">
+                        <a:spcBef>
+                          <a:spcPts val="0"/>
+                        </a:spcBef>
+                        <a:spcAft>
+                          <a:spcPts val="0"/>
+                        </a:spcAft>
+                        <a:buNone/>
+                      </a:pPr>
+                      <a:r>
+                        <a:rPr lang="en-GB"/>
+                        <a:t>0.87</a:t>
+                      </a:r>
+                      <a:endParaRPr/>
+                    </a:p>
+                  </a:txBody>
+                  <a:tcPr marT="91425" marB="91425" marR="91425" marL="91425"/>
+                </a:tc>
+              </a:tr>
+              <a:tr h="352100">
+                <a:tc>
+                  <a:txBody>
+                    <a:bodyPr/>
+                    <a:lstStyle/>
+                    <a:p>
+                      <a:pPr indent="0" lvl="0" marL="0" rtl="0" algn="l">
+                        <a:spcBef>
+                          <a:spcPts val="0"/>
+                        </a:spcBef>
+                        <a:spcAft>
+                          <a:spcPts val="0"/>
+                        </a:spcAft>
+                        <a:buNone/>
+                      </a:pPr>
+                      <a:r>
+                        <a:rPr lang="en-GB"/>
+                        <a:t>Recall </a:t>
+                      </a:r>
+                      <a:endParaRPr/>
+                    </a:p>
+                  </a:txBody>
+                  <a:tcPr marT="91425" marB="91425" marR="91425" marL="91425"/>
+                </a:tc>
+                <a:tc>
+                  <a:txBody>
+                    <a:bodyPr/>
+                    <a:lstStyle/>
+                    <a:p>
+                      <a:pPr indent="0" lvl="0" marL="0" rtl="0" algn="l">
+                        <a:spcBef>
+                          <a:spcPts val="0"/>
+                        </a:spcBef>
+                        <a:spcAft>
+                          <a:spcPts val="0"/>
+                        </a:spcAft>
+                        <a:buNone/>
+                      </a:pPr>
+                      <a:r>
+                        <a:rPr lang="en-GB"/>
+                        <a:t>0.98</a:t>
+                      </a:r>
+                      <a:endParaRPr/>
+                    </a:p>
+                  </a:txBody>
+                  <a:tcPr marT="91425" marB="91425" marR="91425" marL="91425"/>
+                </a:tc>
+              </a:tr>
+              <a:tr h="352100">
+                <a:tc>
+                  <a:txBody>
+                    <a:bodyPr/>
+                    <a:lstStyle/>
+                    <a:p>
+                      <a:pPr indent="0" lvl="0" marL="0" rtl="0" algn="l">
+                        <a:spcBef>
+                          <a:spcPts val="0"/>
+                        </a:spcBef>
+                        <a:spcAft>
+                          <a:spcPts val="0"/>
+                        </a:spcAft>
+                        <a:buNone/>
+                      </a:pPr>
+                      <a:r>
+                        <a:rPr lang="en-GB"/>
+                        <a:t>F1 Score</a:t>
+                      </a:r>
+                      <a:endParaRPr/>
+                    </a:p>
+                  </a:txBody>
+                  <a:tcPr marT="91425" marB="91425" marR="91425" marL="91425"/>
+                </a:tc>
+                <a:tc>
+                  <a:txBody>
+                    <a:bodyPr/>
+                    <a:lstStyle/>
+                    <a:p>
+                      <a:pPr indent="0" lvl="0" marL="0" rtl="0" algn="l">
+                        <a:spcBef>
+                          <a:spcPts val="0"/>
+                        </a:spcBef>
+                        <a:spcAft>
+                          <a:spcPts val="0"/>
+                        </a:spcAft>
+                        <a:buNone/>
+                      </a:pPr>
+                      <a:r>
+                        <a:rPr lang="en-GB"/>
+                        <a:t>0.92</a:t>
+                      </a:r>
+                      <a:endParaRPr/>
+                    </a:p>
+                  </a:txBody>
+                  <a:tcPr marT="91425" marB="91425" marR="91425" marL="91425"/>
+                </a:tc>
+              </a:tr>
+              <a:tr h="352100">
+                <a:tc>
+                  <a:txBody>
+                    <a:bodyPr/>
+                    <a:lstStyle/>
+                    <a:p>
+                      <a:pPr indent="0" lvl="0" marL="0" rtl="0" algn="l">
+                        <a:spcBef>
+                          <a:spcPts val="0"/>
+                        </a:spcBef>
+                        <a:spcAft>
+                          <a:spcPts val="0"/>
+                        </a:spcAft>
+                        <a:buNone/>
+                      </a:pPr>
+                      <a:r>
+                        <a:rPr lang="en-GB"/>
+                        <a:t>AUC ROC</a:t>
+                      </a:r>
+                      <a:endParaRPr/>
+                    </a:p>
+                  </a:txBody>
+                  <a:tcPr marT="91425" marB="91425" marR="91425" marL="91425"/>
+                </a:tc>
+                <a:tc>
+                  <a:txBody>
+                    <a:bodyPr/>
+                    <a:lstStyle/>
+                    <a:p>
+                      <a:pPr indent="0" lvl="0" marL="0" rtl="0" algn="l">
+                        <a:spcBef>
+                          <a:spcPts val="0"/>
+                        </a:spcBef>
+                        <a:spcAft>
+                          <a:spcPts val="0"/>
+                        </a:spcAft>
+                        <a:buNone/>
+                      </a:pPr>
+                      <a:r>
+                        <a:rPr lang="en-GB"/>
+                        <a:t>0.99</a:t>
+                      </a:r>
+                      <a:endParaRPr/>
+                    </a:p>
+                  </a:txBody>
+                  <a:tcPr marT="91425" marB="91425" marR="91425" marL="91425"/>
+                </a:tc>
+              </a:tr>
+            </a:tbl>
+          </a:graphicData>
+        </a:graphic>
+      </p:graphicFrame>
       <p:sp>
         <p:nvSpPr>
-          <p:cNvPr id="118" name="Google Shape;118;p19"/>
-          <p:cNvSpPr txBox="1"/>
-          <p:nvPr>
-            <p:ph idx="1" type="body"/>
-          </p:nvPr>
-        </p:nvSpPr>
-        <p:spPr>
-          <a:xfrm>
-            <a:off x="311700" y="859900"/>
-            <a:ext cx="8520600" cy="2442000"/>
-          </a:xfrm>
-          <a:prstGeom prst="rect">
-            <a:avLst/>
-          </a:prstGeom>
-        </p:spPr>
-        <p:txBody>
-          <a:bodyPr anchorCtr="0" anchor="t" bIns="91425" lIns="91425" spcFirstLastPara="1" rIns="91425" wrap="square" tIns="91425">
-            <a:noAutofit/>
-          </a:bodyPr>
-          <a:lstStyle/>
-          <a:p>
-            <a:pPr indent="0" lvl="0" marL="0" rtl="0" algn="l">
-              <a:spcBef>
-                <a:spcPts val="0"/>
-              </a:spcBef>
-              <a:spcAft>
-                <a:spcPts val="0"/>
-              </a:spcAft>
-              <a:buNone/>
-            </a:pPr>
-            <a:r>
-              <a:rPr b="1" lang="en-GB" sz="1400">
-                <a:solidFill>
-                  <a:schemeClr val="dk1"/>
-                </a:solidFill>
-              </a:rPr>
-              <a:t>Most influencing factors in the model</a:t>
-            </a:r>
-            <a:endParaRPr b="1" sz="1400">
-              <a:solidFill>
-                <a:schemeClr val="dk1"/>
-              </a:solidFill>
-            </a:endParaRPr>
-          </a:p>
-          <a:p>
-            <a:pPr indent="-317500" lvl="0" marL="457200" rtl="0" algn="l">
-              <a:spcBef>
-                <a:spcPts val="0"/>
-              </a:spcBef>
-              <a:spcAft>
-                <a:spcPts val="0"/>
-              </a:spcAft>
-              <a:buClr>
-                <a:schemeClr val="dk1"/>
-              </a:buClr>
-              <a:buSzPts val="1400"/>
-              <a:buChar char="●"/>
-            </a:pPr>
-            <a:r>
-              <a:rPr lang="en-GB" sz="1400">
-                <a:solidFill>
-                  <a:schemeClr val="dk1"/>
-                </a:solidFill>
-              </a:rPr>
-              <a:t>JobHopRate, OverTime are the most influencing factors</a:t>
-            </a:r>
-            <a:endParaRPr sz="1400">
-              <a:solidFill>
-                <a:schemeClr val="dk1"/>
-              </a:solidFill>
-            </a:endParaRPr>
-          </a:p>
-          <a:p>
-            <a:pPr indent="0" lvl="0" marL="0" rtl="0" algn="l">
-              <a:spcBef>
-                <a:spcPts val="0"/>
-              </a:spcBef>
-              <a:spcAft>
-                <a:spcPts val="0"/>
-              </a:spcAft>
-              <a:buNone/>
-            </a:pPr>
-            <a:r>
-              <a:t/>
-            </a:r>
-            <a:endParaRPr b="1" sz="1400">
-              <a:solidFill>
-                <a:schemeClr val="dk1"/>
-              </a:solidFill>
-            </a:endParaRPr>
-          </a:p>
-          <a:p>
-            <a:pPr indent="0" lvl="0" marL="0" rtl="0" algn="l">
-              <a:spcBef>
-                <a:spcPts val="0"/>
-              </a:spcBef>
-              <a:spcAft>
-                <a:spcPts val="0"/>
-              </a:spcAft>
-              <a:buNone/>
-            </a:pPr>
-            <a:r>
-              <a:rPr b="1" lang="en-GB" sz="1400">
-                <a:solidFill>
-                  <a:schemeClr val="dk1"/>
-                </a:solidFill>
-              </a:rPr>
-              <a:t>Suggested improvements in the model</a:t>
-            </a:r>
-            <a:endParaRPr b="1" sz="1400">
-              <a:solidFill>
-                <a:schemeClr val="dk1"/>
-              </a:solidFill>
-            </a:endParaRPr>
-          </a:p>
-          <a:p>
-            <a:pPr indent="-317500" lvl="0" marL="457200" rtl="0" algn="l">
-              <a:spcBef>
-                <a:spcPts val="0"/>
-              </a:spcBef>
-              <a:spcAft>
-                <a:spcPts val="0"/>
-              </a:spcAft>
-              <a:buClr>
-                <a:schemeClr val="dk1"/>
-              </a:buClr>
-              <a:buSzPts val="1400"/>
-              <a:buChar char="●"/>
-            </a:pPr>
-            <a:r>
-              <a:rPr lang="en-GB" sz="1400">
-                <a:solidFill>
-                  <a:schemeClr val="dk1"/>
-                </a:solidFill>
-              </a:rPr>
-              <a:t>Removal of outliers</a:t>
-            </a:r>
-            <a:endParaRPr sz="1400">
-              <a:solidFill>
-                <a:schemeClr val="dk1"/>
-              </a:solidFill>
-            </a:endParaRPr>
-          </a:p>
-          <a:p>
-            <a:pPr indent="-317500" lvl="0" marL="457200" rtl="0" algn="l">
-              <a:spcBef>
-                <a:spcPts val="0"/>
-              </a:spcBef>
-              <a:spcAft>
-                <a:spcPts val="0"/>
-              </a:spcAft>
-              <a:buClr>
-                <a:schemeClr val="dk1"/>
-              </a:buClr>
-              <a:buSzPts val="1400"/>
-              <a:buChar char="●"/>
-            </a:pPr>
-            <a:r>
-              <a:rPr lang="en-GB" sz="1400">
-                <a:solidFill>
-                  <a:schemeClr val="dk1"/>
-                </a:solidFill>
-              </a:rPr>
-              <a:t>RANdom SAmple Consensus (RANSAC)</a:t>
-            </a:r>
-            <a:endParaRPr sz="1400">
-              <a:solidFill>
-                <a:schemeClr val="dk1"/>
-              </a:solidFill>
-            </a:endParaRPr>
-          </a:p>
-          <a:p>
-            <a:pPr indent="0" lvl="0" marL="0" rtl="0" algn="l">
-              <a:spcBef>
-                <a:spcPts val="0"/>
-              </a:spcBef>
-              <a:spcAft>
-                <a:spcPts val="0"/>
-              </a:spcAft>
-              <a:buNone/>
-            </a:pPr>
-            <a:r>
-              <a:t/>
-            </a:r>
-            <a:endParaRPr b="1" sz="1400">
-              <a:solidFill>
-                <a:schemeClr val="dk1"/>
-              </a:solidFill>
-            </a:endParaRPr>
-          </a:p>
-          <a:p>
-            <a:pPr indent="0" lvl="0" marL="0" rtl="0" algn="l">
-              <a:spcBef>
-                <a:spcPts val="0"/>
-              </a:spcBef>
-              <a:spcAft>
-                <a:spcPts val="0"/>
-              </a:spcAft>
-              <a:buNone/>
-            </a:pPr>
-            <a:r>
-              <a:rPr b="1" lang="en-GB" sz="1400">
-                <a:solidFill>
-                  <a:schemeClr val="dk1"/>
-                </a:solidFill>
-              </a:rPr>
-              <a:t>Recommendations</a:t>
-            </a:r>
-            <a:endParaRPr b="1" sz="1400">
-              <a:solidFill>
-                <a:schemeClr val="dk1"/>
-              </a:solidFill>
-            </a:endParaRPr>
-          </a:p>
-          <a:p>
-            <a:pPr indent="-317500" lvl="0" marL="457200" rtl="0" algn="l">
-              <a:spcBef>
-                <a:spcPts val="0"/>
-              </a:spcBef>
-              <a:spcAft>
-                <a:spcPts val="0"/>
-              </a:spcAft>
-              <a:buClr>
-                <a:schemeClr val="dk1"/>
-              </a:buClr>
-              <a:buSzPts val="1400"/>
-              <a:buChar char="●"/>
-            </a:pPr>
-            <a:r>
-              <a:rPr lang="en-GB" sz="1400">
-                <a:solidFill>
-                  <a:schemeClr val="dk1"/>
-                </a:solidFill>
-              </a:rPr>
-              <a:t>HR team can be cautions when recruiting candidates with frequent jobs shifts.</a:t>
-            </a:r>
-            <a:endParaRPr sz="1400">
-              <a:solidFill>
-                <a:schemeClr val="dk1"/>
-              </a:solidFill>
-            </a:endParaRPr>
-          </a:p>
-          <a:p>
-            <a:pPr indent="-317500" lvl="0" marL="457200" rtl="0" algn="l">
-              <a:spcBef>
-                <a:spcPts val="0"/>
-              </a:spcBef>
-              <a:spcAft>
-                <a:spcPts val="0"/>
-              </a:spcAft>
-              <a:buClr>
-                <a:schemeClr val="dk1"/>
-              </a:buClr>
-              <a:buSzPts val="1400"/>
-              <a:buChar char="●"/>
-            </a:pPr>
-            <a:r>
-              <a:rPr lang="en-GB" sz="1400">
-                <a:solidFill>
-                  <a:schemeClr val="dk1"/>
-                </a:solidFill>
-              </a:rPr>
-              <a:t>Company policy changes to improve for restricting working hours.</a:t>
-            </a:r>
-            <a:endParaRPr sz="1400">
-              <a:solidFill>
-                <a:schemeClr val="dk1"/>
-              </a:solidFill>
-            </a:endParaRPr>
-          </a:p>
-        </p:txBody>
-      </p:sp>
-      <p:sp>
-        <p:nvSpPr>
-          <p:cNvPr id="119" name="Google Shape;119;p19"/>
+          <p:cNvPr id="144" name="Google Shape;144;p22"/>
           <p:cNvSpPr txBox="1"/>
           <p:nvPr>
             <p:ph type="title"/>
@@ -15268,25 +18762,7 @@
                 <a:cs typeface="Inter"/>
                 <a:sym typeface="Inter"/>
               </a:rPr>
-              <a:t>Recommendations for </a:t>
-            </a:r>
-            <a:r>
-              <a:rPr b="1" lang="en-GB">
-                <a:latin typeface="Inter"/>
-                <a:ea typeface="Inter"/>
-                <a:cs typeface="Inter"/>
-                <a:sym typeface="Inter"/>
-              </a:rPr>
-              <a:t>Proactive Measure</a:t>
-            </a:r>
-            <a:r>
-              <a:rPr b="1" lang="en-GB">
-                <a:latin typeface="Inter"/>
-                <a:ea typeface="Inter"/>
-                <a:cs typeface="Inter"/>
-                <a:sym typeface="Inter"/>
-              </a:rPr>
-              <a:t>s</a:t>
+              <a:t>Train Set Performance</a:t>
             </a:r>
             <a:endParaRPr b="1">
               <a:latin typeface="Inter"/>
@@ -15299,7 +18775,7 @@
       </p:sp>
       <p:cxnSp>
         <p:nvCxnSpPr>
-          <p:cNvPr id="120" name="Google Shape;120;p19"/>
+          <p:cNvPr id="145" name="Google Shape;145;p22"/>
           <p:cNvCxnSpPr/>
           <p:nvPr/>
         </p:nvCxnSpPr>
@@ -15325,227 +18801,7 @@
       </p:cxnSp>
       <p:pic>
         <p:nvPicPr>
-          <p:cNvPr id="121" name="Google Shape;121;p19"/>
-          <p:cNvPicPr preferRelativeResize="0"/>
-          <p:nvPr/>
-        </p:nvPicPr>
-        <p:blipFill rotWithShape="1">
-          <a:blip r:embed="rId3">
-            <a:alphaModFix/>
-          </a:blip>
-          <a:srcRect b="2413" l="75755" r="0" t="92010"/>
-          <a:stretch/>
-        </p:blipFill>
-        <p:spPr>
-          <a:xfrm>
-            <a:off x="8157393" y="57007"/>
-            <a:ext cx="1003925" cy="246351"/>
-          </a:xfrm>
-          <a:prstGeom prst="rect">
-            <a:avLst/>
-          </a:prstGeom>
-          <a:noFill/>
-          <a:ln>
-            <a:noFill/>
-          </a:ln>
-        </p:spPr>
-      </p:pic>
-    </p:spTree>
-  </p:cSld>
-  <p:clrMapOvr>
-    <a:masterClrMapping/>
-  </p:clrMapOvr>
-</p:sld>
-</file>
-
-<file path=ppt/slides/slide7.xml><?xml version="1.0" encoding="utf-8"?>
-<p:sld xmlns:a="http://schemas.openxmlformats.org/drawingml/2006/main" xmlns:r="http://schemas.openxmlformats.org/officeDocument/2006/relationships" xmlns:mc="http://schemas.openxmlformats.org/markup-compatibility/2006" xmlns:mv="urn:schemas-microsoft-com:mac:vml" xmlns:p="http://schemas.openxmlformats.org/presentationml/2006/main" xmlns:c="http://schemas.openxmlformats.org/drawingml/2006/chart" xmlns:dgm="http://schemas.openxmlformats.org/drawingml/2006/diagram" xmlns:o="urn:schemas-microsoft-com:office:office" xmlns:v="urn:schemas-microsoft-com:vml" xmlns:pvml="urn:schemas-microsoft-com:office:powerpoint" xmlns:com="http://schemas.openxmlformats.org/drawingml/2006/compatibility" xmlns:p14="http://schemas.microsoft.com/office/powerpoint/2010/main" xmlns:p15="http://schemas.microsoft.com/office/powerpoint/2012/main" xmlns:ahyp="http://schemas.microsoft.com/office/drawing/2018/hyperlinkcolor">
-  <p:cSld>
-    <p:spTree>
-      <p:nvGrpSpPr>
-        <p:cNvPr id="125" name="Shape 125"/>
-        <p:cNvGrpSpPr/>
-        <p:nvPr/>
-      </p:nvGrpSpPr>
-      <p:grpSpPr>
-        <a:xfrm>
-          <a:off x="0" y="0"/>
-          <a:ext cx="0" cy="0"/>
-          <a:chOff x="0" y="0"/>
-          <a:chExt cx="0" cy="0"/>
-        </a:xfrm>
-      </p:grpSpPr>
-      <p:sp>
-        <p:nvSpPr>
-          <p:cNvPr id="126" name="Google Shape;126;p20"/>
-          <p:cNvSpPr txBox="1"/>
-          <p:nvPr>
-            <p:ph type="title"/>
-          </p:nvPr>
-        </p:nvSpPr>
-        <p:spPr>
-          <a:xfrm>
-            <a:off x="311700" y="216425"/>
-            <a:ext cx="8520600" cy="572700"/>
-          </a:xfrm>
-          <a:prstGeom prst="rect">
-            <a:avLst/>
-          </a:prstGeom>
-        </p:spPr>
-        <p:txBody>
-          <a:bodyPr anchorCtr="0" anchor="t" bIns="91425" lIns="91425" spcFirstLastPara="1" rIns="91425" wrap="square" tIns="91425">
-            <a:normAutofit fontScale="90000"/>
-          </a:bodyPr>
-          <a:lstStyle/>
-          <a:p>
-            <a:pPr indent="0" lvl="0" marL="0" rtl="0" algn="l">
-              <a:spcBef>
-                <a:spcPts val="0"/>
-              </a:spcBef>
-              <a:spcAft>
-                <a:spcPts val="0"/>
-              </a:spcAft>
-              <a:buNone/>
-            </a:pPr>
-            <a:r>
-              <a:rPr b="1" lang="en-GB">
-                <a:latin typeface="Inter"/>
-                <a:ea typeface="Inter"/>
-                <a:cs typeface="Inter"/>
-                <a:sym typeface="Inter"/>
-              </a:rPr>
-              <a:t>Deployment Architecture</a:t>
-            </a:r>
-            <a:endParaRPr b="1">
-              <a:latin typeface="Inter"/>
-              <a:ea typeface="Inter"/>
-              <a:cs typeface="Inter"/>
-              <a:sym typeface="Inter"/>
-            </a:endParaRPr>
-          </a:p>
-        </p:txBody>
-      </p:sp>
-      <p:cxnSp>
-        <p:nvCxnSpPr>
-          <p:cNvPr id="127" name="Google Shape;127;p20"/>
-          <p:cNvCxnSpPr/>
-          <p:nvPr/>
-        </p:nvCxnSpPr>
-        <p:spPr>
-          <a:xfrm>
-            <a:off x="164825" y="797944"/>
-            <a:ext cx="8842200" cy="9300"/>
-          </a:xfrm>
-          <a:prstGeom prst="straightConnector1">
-            <a:avLst/>
-          </a:prstGeom>
-          <a:noFill/>
-          <a:ln cap="flat" cmpd="sng" w="9525">
-            <a:solidFill>
-              <a:srgbClr val="B7B7B7"/>
-            </a:solidFill>
-            <a:prstDash val="dash"/>
-            <a:round/>
-            <a:headEnd len="sm" w="sm" type="none"/>
-            <a:tailEnd len="sm" w="sm" type="none"/>
-          </a:ln>
-        </p:spPr>
-      </p:cxnSp>
-      <p:pic>
-        <p:nvPicPr>
-          <p:cNvPr id="128" name="Google Shape;128;p20"/>
-          <p:cNvPicPr preferRelativeResize="0"/>
-          <p:nvPr/>
-        </p:nvPicPr>
-        <p:blipFill rotWithShape="1">
-          <a:blip r:embed="rId3">
-            <a:alphaModFix/>
-          </a:blip>
-          <a:srcRect b="2413" l="75755" r="0" t="92010"/>
-          <a:stretch/>
-        </p:blipFill>
-        <p:spPr>
-          <a:xfrm>
-            <a:off x="8157393" y="57007"/>
-            <a:ext cx="1003925" cy="246351"/>
-          </a:xfrm>
-          <a:prstGeom prst="rect">
-            <a:avLst/>
-          </a:prstGeom>
-          <a:noFill/>
-          <a:ln>
-            <a:noFill/>
-          </a:ln>
-        </p:spPr>
-      </p:pic>
-      <p:pic>
-        <p:nvPicPr>
-          <p:cNvPr id="129" name="Google Shape;129;p20" title="taoiq.drawio2.png"/>
-          <p:cNvPicPr preferRelativeResize="0"/>
-          <p:nvPr/>
-        </p:nvPicPr>
-        <p:blipFill>
-          <a:blip r:embed="rId4">
-            <a:alphaModFix/>
-          </a:blip>
-          <a:stretch>
-            <a:fillRect/>
-          </a:stretch>
-        </p:blipFill>
-        <p:spPr>
-          <a:xfrm>
-            <a:off x="1745100" y="880250"/>
-            <a:ext cx="5653802" cy="4139399"/>
-          </a:xfrm>
-          <a:prstGeom prst="rect">
-            <a:avLst/>
-          </a:prstGeom>
-          <a:noFill/>
-          <a:ln>
-            <a:noFill/>
-          </a:ln>
-        </p:spPr>
-      </p:pic>
-    </p:spTree>
-  </p:cSld>
-  <p:clrMapOvr>
-    <a:masterClrMapping/>
-  </p:clrMapOvr>
-</p:sld>
-</file>
-
-<file path=ppt/slides/slide8.xml><?xml version="1.0" encoding="utf-8"?>
-<p:sld xmlns:a="http://schemas.openxmlformats.org/drawingml/2006/main" xmlns:r="http://schemas.openxmlformats.org/officeDocument/2006/relationships" xmlns:mc="http://schemas.openxmlformats.org/markup-compatibility/2006" xmlns:mv="urn:schemas-microsoft-com:mac:vml" xmlns:p="http://schemas.openxmlformats.org/presentationml/2006/main" xmlns:c="http://schemas.openxmlformats.org/drawingml/2006/chart" xmlns:dgm="http://schemas.openxmlformats.org/drawingml/2006/diagram" xmlns:o="urn:schemas-microsoft-com:office:office" xmlns:v="urn:schemas-microsoft-com:vml" xmlns:pvml="urn:schemas-microsoft-com:office:powerpoint" xmlns:com="http://schemas.openxmlformats.org/drawingml/2006/compatibility" xmlns:p14="http://schemas.microsoft.com/office/powerpoint/2010/main" xmlns:p15="http://schemas.microsoft.com/office/powerpoint/2012/main" xmlns:ahyp="http://schemas.microsoft.com/office/drawing/2018/hyperlinkcolor">
-  <p:cSld>
-    <p:bg>
-      <p:bgPr>
-        <a:blipFill>
-          <a:blip r:embed="rId3">
-            <a:alphaModFix/>
-          </a:blip>
-          <a:stretch>
-            <a:fillRect/>
-          </a:stretch>
-        </a:blipFill>
-      </p:bgPr>
-    </p:bg>
-    <p:spTree>
-      <p:nvGrpSpPr>
-        <p:cNvPr id="133" name="Shape 133"/>
-        <p:cNvGrpSpPr/>
-        <p:nvPr/>
-      </p:nvGrpSpPr>
-      <p:grpSpPr>
-        <a:xfrm>
-          <a:off x="0" y="0"/>
-          <a:ext cx="0" cy="0"/>
-          <a:chOff x="0" y="0"/>
-          <a:chExt cx="0" cy="0"/>
-        </a:xfrm>
-      </p:grpSpPr>
-      <p:pic>
-        <p:nvPicPr>
-          <p:cNvPr id="134" name="Google Shape;134;p21"/>
+          <p:cNvPr id="146" name="Google Shape;146;p22"/>
           <p:cNvPicPr preferRelativeResize="0"/>
           <p:nvPr/>
         </p:nvPicPr>
@@ -15553,242 +18809,13 @@
           <a:blip r:embed="rId4">
             <a:alphaModFix/>
           </a:blip>
-          <a:srcRect b="0" l="0" r="0" t="1293"/>
+          <a:srcRect b="0" l="48979" r="0" t="12411"/>
           <a:stretch/>
         </p:blipFill>
         <p:spPr>
           <a:xfrm>
-            <a:off x="0" y="0"/>
-            <a:ext cx="9144000" cy="5143500"/>
-          </a:xfrm>
-          <a:prstGeom prst="rect">
-            <a:avLst/>
-          </a:prstGeom>
-          <a:noFill/>
-          <a:ln>
-            <a:noFill/>
-          </a:ln>
-        </p:spPr>
-      </p:pic>
-      <p:pic>
-        <p:nvPicPr>
-          <p:cNvPr id="135" name="Google Shape;135;p21"/>
-          <p:cNvPicPr preferRelativeResize="0"/>
-          <p:nvPr/>
-        </p:nvPicPr>
-        <p:blipFill>
-          <a:blip r:embed="rId5">
-            <a:alphaModFix/>
-          </a:blip>
-          <a:stretch>
-            <a:fillRect/>
-          </a:stretch>
-        </p:blipFill>
-        <p:spPr>
-          <a:xfrm>
-            <a:off x="6170425" y="1350775"/>
-            <a:ext cx="362625" cy="362625"/>
-          </a:xfrm>
-          <a:prstGeom prst="rect">
-            <a:avLst/>
-          </a:prstGeom>
-          <a:noFill/>
-          <a:ln>
-            <a:noFill/>
-          </a:ln>
-        </p:spPr>
-      </p:pic>
-      <p:pic>
-        <p:nvPicPr>
-          <p:cNvPr id="136" name="Google Shape;136;p21"/>
-          <p:cNvPicPr preferRelativeResize="0"/>
-          <p:nvPr/>
-        </p:nvPicPr>
-        <p:blipFill>
-          <a:blip r:embed="rId6">
-            <a:alphaModFix/>
-          </a:blip>
-          <a:stretch>
-            <a:fillRect/>
-          </a:stretch>
-        </p:blipFill>
-        <p:spPr>
-          <a:xfrm rot="-4856636">
-            <a:off x="325903" y="795496"/>
-            <a:ext cx="362625" cy="301339"/>
-          </a:xfrm>
-          <a:prstGeom prst="rect">
-            <a:avLst/>
-          </a:prstGeom>
-          <a:noFill/>
-          <a:ln>
-            <a:noFill/>
-          </a:ln>
-        </p:spPr>
-      </p:pic>
-      <p:pic>
-        <p:nvPicPr>
-          <p:cNvPr descr="A white letters on a black background&#10;&#10;Description automatically generated with medium confidence" id="137" name="Google Shape;137;p21"/>
-          <p:cNvPicPr preferRelativeResize="0"/>
-          <p:nvPr/>
-        </p:nvPicPr>
-        <p:blipFill rotWithShape="1">
-          <a:blip r:embed="rId7">
-            <a:alphaModFix/>
-          </a:blip>
-          <a:srcRect b="0" l="4461" r="0" t="0"/>
-          <a:stretch/>
-        </p:blipFill>
-        <p:spPr>
-          <a:xfrm>
-            <a:off x="474925" y="4110275"/>
-            <a:ext cx="2462950" cy="679700"/>
-          </a:xfrm>
-          <a:prstGeom prst="rect">
-            <a:avLst/>
-          </a:prstGeom>
-          <a:noFill/>
-          <a:ln>
-            <a:noFill/>
-          </a:ln>
-        </p:spPr>
-      </p:pic>
-      <p:sp>
-        <p:nvSpPr>
-          <p:cNvPr id="138" name="Google Shape;138;p21"/>
-          <p:cNvSpPr txBox="1"/>
-          <p:nvPr/>
-        </p:nvSpPr>
-        <p:spPr>
-          <a:xfrm>
-            <a:off x="1193425" y="1863750"/>
-            <a:ext cx="6884700" cy="708000"/>
-          </a:xfrm>
-          <a:prstGeom prst="rect">
-            <a:avLst/>
-          </a:prstGeom>
-          <a:noFill/>
-          <a:ln>
-            <a:noFill/>
-          </a:ln>
-        </p:spPr>
-        <p:txBody>
-          <a:bodyPr anchorCtr="0" anchor="t" bIns="45700" lIns="91425" spcFirstLastPara="1" rIns="91425" wrap="square" tIns="45700">
-            <a:spAutoFit/>
-          </a:bodyPr>
-          <a:lstStyle/>
-          <a:p>
-            <a:pPr indent="0" lvl="0" marL="0" marR="0" rtl="0" algn="ctr">
-              <a:lnSpc>
-                <a:spcPct val="115000"/>
-              </a:lnSpc>
-              <a:spcBef>
-                <a:spcPts val="0"/>
-              </a:spcBef>
-              <a:spcAft>
-                <a:spcPts val="0"/>
-              </a:spcAft>
-              <a:buClr>
-                <a:srgbClr val="000000"/>
-              </a:buClr>
-              <a:buSzPts val="3200"/>
-              <a:buFont typeface="Arial"/>
-              <a:buNone/>
-            </a:pPr>
-            <a:r>
-              <a:rPr b="1" lang="en-GB" sz="4000">
-                <a:solidFill>
-                  <a:srgbClr val="FFFFFF"/>
-                </a:solidFill>
-                <a:latin typeface="Inter"/>
-                <a:ea typeface="Inter"/>
-                <a:cs typeface="Inter"/>
-                <a:sym typeface="Inter"/>
-              </a:rPr>
-              <a:t>Appendix</a:t>
-            </a:r>
-            <a:endParaRPr b="1" sz="4000">
-              <a:solidFill>
-                <a:srgbClr val="FFFFFF"/>
-              </a:solidFill>
-              <a:latin typeface="Inter"/>
-              <a:ea typeface="Inter"/>
-              <a:cs typeface="Inter"/>
-              <a:sym typeface="Inter"/>
-            </a:endParaRPr>
-          </a:p>
-        </p:txBody>
-      </p:sp>
-    </p:spTree>
-  </p:cSld>
-  <p:clrMapOvr>
-    <a:masterClrMapping/>
-  </p:clrMapOvr>
-</p:sld>
-</file>
-
-<file path=ppt/slides/slide9.xml><?xml version="1.0" encoding="utf-8"?>
-<p:sld xmlns:a="http://schemas.openxmlformats.org/drawingml/2006/main" xmlns:r="http://schemas.openxmlformats.org/officeDocument/2006/relationships" xmlns:mc="http://schemas.openxmlformats.org/markup-compatibility/2006" xmlns:mv="urn:schemas-microsoft-com:mac:vml" xmlns:p="http://schemas.openxmlformats.org/presentationml/2006/main" xmlns:c="http://schemas.openxmlformats.org/drawingml/2006/chart" xmlns:dgm="http://schemas.openxmlformats.org/drawingml/2006/diagram" xmlns:o="urn:schemas-microsoft-com:office:office" xmlns:v="urn:schemas-microsoft-com:vml" xmlns:pvml="urn:schemas-microsoft-com:office:powerpoint" xmlns:com="http://schemas.openxmlformats.org/drawingml/2006/compatibility" xmlns:p14="http://schemas.microsoft.com/office/powerpoint/2010/main" xmlns:p15="http://schemas.microsoft.com/office/powerpoint/2012/main" xmlns:ahyp="http://schemas.microsoft.com/office/drawing/2018/hyperlinkcolor">
-  <p:cSld>
-    <p:spTree>
-      <p:nvGrpSpPr>
-        <p:cNvPr id="142" name="Shape 142"/>
-        <p:cNvGrpSpPr/>
-        <p:nvPr/>
-      </p:nvGrpSpPr>
-      <p:grpSpPr>
-        <a:xfrm>
-          <a:off x="0" y="0"/>
-          <a:ext cx="0" cy="0"/>
-          <a:chOff x="0" y="0"/>
-          <a:chExt cx="0" cy="0"/>
-        </a:xfrm>
-      </p:grpSpPr>
-      <p:pic>
-        <p:nvPicPr>
-          <p:cNvPr id="143" name="Google Shape;143;p22"/>
-          <p:cNvPicPr preferRelativeResize="0"/>
-          <p:nvPr/>
-        </p:nvPicPr>
-        <p:blipFill>
-          <a:blip r:embed="rId3">
-            <a:alphaModFix/>
-          </a:blip>
-          <a:stretch>
-            <a:fillRect/>
-          </a:stretch>
-        </p:blipFill>
-        <p:spPr>
-          <a:xfrm>
-            <a:off x="2149200" y="70538"/>
-            <a:ext cx="4845600" cy="5002424"/>
-          </a:xfrm>
-          <a:prstGeom prst="rect">
-            <a:avLst/>
-          </a:prstGeom>
-          <a:noFill/>
-          <a:ln>
-            <a:noFill/>
-          </a:ln>
-        </p:spPr>
-      </p:pic>
-      <p:pic>
-        <p:nvPicPr>
-          <p:cNvPr id="144" name="Google Shape;144;p22"/>
-          <p:cNvPicPr preferRelativeResize="0"/>
-          <p:nvPr/>
-        </p:nvPicPr>
-        <p:blipFill rotWithShape="1">
-          <a:blip r:embed="rId4">
-            <a:alphaModFix/>
-          </a:blip>
-          <a:srcRect b="2413" l="75755" r="0" t="92010"/>
-          <a:stretch/>
-        </p:blipFill>
-        <p:spPr>
-          <a:xfrm>
-            <a:off x="8157393" y="57007"/>
-            <a:ext cx="1003925" cy="246351"/>
+            <a:off x="4058375" y="1165100"/>
+            <a:ext cx="4509776" cy="3587426"/>
           </a:xfrm>
           <a:prstGeom prst="rect">
             <a:avLst/>
@@ -15808,6 +18835,285 @@
 </file>
 
 <file path=ppt/theme/theme1.xml><?xml version="1.0" encoding="utf-8"?>
+<a:theme xmlns:a="http://schemas.openxmlformats.org/drawingml/2006/main" xmlns:r="http://schemas.openxmlformats.org/officeDocument/2006/relationships">
+  <a:themeElements>
+    <a:clrScheme name="Default">
+      <a:dk1>
+        <a:srgbClr val="000000"/>
+      </a:dk1>
+      <a:lt1>
+        <a:srgbClr val="FFFFFF"/>
+      </a:lt1>
+      <a:dk2>
+        <a:srgbClr val="158158"/>
+      </a:dk2>
+      <a:lt2>
+        <a:srgbClr val="F3F3F3"/>
+      </a:lt2>
+      <a:accent1>
+        <a:srgbClr val="058DC7"/>
+      </a:accent1>
+      <a:accent2>
+        <a:srgbClr val="50B432"/>
+      </a:accent2>
+      <a:accent3>
+        <a:srgbClr val="ED561B"/>
+      </a:accent3>
+      <a:accent4>
+        <a:srgbClr val="EDEF00"/>
+      </a:accent4>
+      <a:accent5>
+        <a:srgbClr val="24CBE5"/>
+      </a:accent5>
+      <a:accent6>
+        <a:srgbClr val="64E572"/>
+      </a:accent6>
+      <a:hlink>
+        <a:srgbClr val="2200CC"/>
+      </a:hlink>
+      <a:folHlink>
+        <a:srgbClr val="551A8B"/>
+      </a:folHlink>
+    </a:clrScheme>
+    <a:fontScheme name="Office">
+      <a:majorFont>
+        <a:latin typeface="Arial"/>
+        <a:ea typeface=""/>
+        <a:cs typeface=""/>
+        <a:font script="Jpan" typeface="ＭＳ Ｐゴシック"/>
+        <a:font script="Hang" typeface="맑은 고딕"/>
+        <a:font script="Hans" typeface="宋体"/>
+        <a:font script="Hant" typeface="新細明體"/>
+        <a:font script="Arab" typeface="Times New Roman"/>
+        <a:font script="Hebr" typeface="Times New Roman"/>
+        <a:font script="Thai" typeface="Angsana New"/>
+        <a:font script="Ethi" typeface="Nyala"/>
+        <a:font script="Beng" typeface="Vrinda"/>
+        <a:font script="Gujr" typeface="Shruti"/>
+        <a:font script="Khmr" typeface="MoolBoran"/>
+        <a:font script="Knda" typeface="Tunga"/>
+        <a:font script="Guru" typeface="Raavi"/>
+        <a:font script="Cans" typeface="Euphemia"/>
+        <a:font script="Cher" typeface="Plantagenet Cherokee"/>
+        <a:font script="Yiii" typeface="Microsoft Yi Baiti"/>
+        <a:font script="Tibt" typeface="Microsoft Himalaya"/>
+        <a:font script="Thaa" typeface="MV Boli"/>
+        <a:font script="Deva" typeface="Mangal"/>
+        <a:font script="Telu" typeface="Gautami"/>
+        <a:font script="Taml" typeface="Latha"/>
+        <a:font script="Syrc" typeface="Estrangelo Edessa"/>
+        <a:font script="Orya" typeface="Kalinga"/>
+        <a:font script="Mlym" typeface="Kartika"/>
+        <a:font script="Laoo" typeface="DokChampa"/>
+        <a:font script="Sinh" typeface="Iskoola Pota"/>
+        <a:font script="Mong" typeface="Mongolian Baiti"/>
+        <a:font script="Viet" typeface="Times New Roman"/>
+        <a:font script="Uigh" typeface="Microsoft Uighur"/>
+        <a:font script="Geor" typeface="Sylfaen"/>
+      </a:majorFont>
+      <a:minorFont>
+        <a:latin typeface="Arial"/>
+        <a:ea typeface=""/>
+        <a:cs typeface=""/>
+        <a:font script="Jpan" typeface="ＭＳ Ｐゴシック"/>
+        <a:font script="Hang" typeface="맑은 고딕"/>
+        <a:font script="Hans" typeface="宋体"/>
+        <a:font script="Hant" typeface="新細明體"/>
+        <a:font script="Arab" typeface="Arial"/>
+        <a:font script="Hebr" typeface="Arial"/>
+        <a:font script="Thai" typeface="Cordia New"/>
+        <a:font script="Ethi" typeface="Nyala"/>
+        <a:font script="Beng" typeface="Vrinda"/>
+        <a:font script="Gujr" typeface="Shruti"/>
+        <a:font script="Khmr" typeface="DaunPenh"/>
+        <a:font script="Knda" typeface="Tunga"/>
+        <a:font script="Guru" typeface="Raavi"/>
+        <a:font script="Cans" typeface="Euphemia"/>
+        <a:font script="Cher" typeface="Plantagenet Cherokee"/>
+        <a:font script="Yiii" typeface="Microsoft Yi Baiti"/>
+        <a:font script="Tibt" typeface="Microsoft Himalaya"/>
+        <a:font script="Thaa" typeface="MV Boli"/>
+        <a:font script="Deva" typeface="Mangal"/>
+        <a:font script="Telu" typeface="Gautami"/>
+        <a:font script="Taml" typeface="Latha"/>
+        <a:font script="Syrc" typeface="Estrangelo Edessa"/>
+        <a:font script="Orya" typeface="Kalinga"/>
+        <a:font script="Mlym" typeface="Kartika"/>
+        <a:font script="Laoo" typeface="DokChampa"/>
+        <a:font script="Sinh" typeface="Iskoola Pota"/>
+        <a:font script="Mong" typeface="Mongolian Baiti"/>
+        <a:font script="Viet" typeface="Arial"/>
+        <a:font script="Uigh" typeface="Microsoft Uighur"/>
+        <a:font script="Geor" typeface="Sylfaen"/>
+      </a:minorFont>
+    </a:fontScheme>
+    <a:fmtScheme name="Office">
+      <a:fillStyleLst>
+        <a:solidFill>
+          <a:schemeClr val="phClr"/>
+        </a:solidFill>
+        <a:gradFill rotWithShape="1">
+          <a:gsLst>
+            <a:gs pos="0">
+              <a:schemeClr val="phClr">
+                <a:tint val="50000"/>
+                <a:satMod val="300000"/>
+              </a:schemeClr>
+            </a:gs>
+            <a:gs pos="35000">
+              <a:schemeClr val="phClr">
+                <a:tint val="37000"/>
+                <a:satMod val="300000"/>
+              </a:schemeClr>
+            </a:gs>
+            <a:gs pos="100000">
+              <a:schemeClr val="phClr">
+                <a:tint val="15000"/>
+                <a:satMod val="350000"/>
+              </a:schemeClr>
+            </a:gs>
+          </a:gsLst>
+          <a:lin ang="16200000" scaled="1"/>
+        </a:gradFill>
+        <a:gradFill rotWithShape="1">
+          <a:gsLst>
+            <a:gs pos="0">
+              <a:schemeClr val="phClr">
+                <a:tint val="100000"/>
+                <a:shade val="100000"/>
+                <a:satMod val="130000"/>
+              </a:schemeClr>
+            </a:gs>
+            <a:gs pos="100000">
+              <a:schemeClr val="phClr">
+                <a:tint val="50000"/>
+                <a:shade val="100000"/>
+                <a:satMod val="350000"/>
+              </a:schemeClr>
+            </a:gs>
+          </a:gsLst>
+          <a:lin ang="16200000" scaled="0"/>
+        </a:gradFill>
+      </a:fillStyleLst>
+      <a:lnStyleLst>
+        <a:ln w="9525" cap="flat" cmpd="sng" algn="ctr">
+          <a:solidFill>
+            <a:schemeClr val="phClr">
+              <a:shade val="95000"/>
+              <a:satMod val="105000"/>
+            </a:schemeClr>
+          </a:solidFill>
+          <a:prstDash val="solid"/>
+        </a:ln>
+        <a:ln w="25400" cap="flat" cmpd="sng" algn="ctr">
+          <a:solidFill>
+            <a:schemeClr val="phClr"/>
+          </a:solidFill>
+          <a:prstDash val="solid"/>
+        </a:ln>
+        <a:ln w="38100" cap="flat" cmpd="sng" algn="ctr">
+          <a:solidFill>
+            <a:schemeClr val="phClr"/>
+          </a:solidFill>
+          <a:prstDash val="solid"/>
+        </a:ln>
+      </a:lnStyleLst>
+      <a:effectStyleLst>
+        <a:effectStyle>
+          <a:effectLst>
+            <a:outerShdw blurRad="40000" dist="20000" dir="5400000" rotWithShape="0">
+              <a:srgbClr val="000000">
+                <a:alpha val="38000"/>
+              </a:srgbClr>
+            </a:outerShdw>
+          </a:effectLst>
+        </a:effectStyle>
+        <a:effectStyle>
+          <a:effectLst>
+            <a:outerShdw blurRad="40000" dist="23000" dir="5400000" rotWithShape="0">
+              <a:srgbClr val="000000">
+                <a:alpha val="35000"/>
+              </a:srgbClr>
+            </a:outerShdw>
+          </a:effectLst>
+        </a:effectStyle>
+        <a:effectStyle>
+          <a:effectLst>
+            <a:outerShdw blurRad="40000" dist="23000" dir="5400000" rotWithShape="0">
+              <a:srgbClr val="000000">
+                <a:alpha val="35000"/>
+              </a:srgbClr>
+            </a:outerShdw>
+          </a:effectLst>
+          <a:scene3d>
+            <a:camera prst="orthographicFront">
+              <a:rot lat="0" lon="0" rev="0"/>
+            </a:camera>
+            <a:lightRig rig="threePt" dir="t">
+              <a:rot lat="0" lon="0" rev="1200000"/>
+            </a:lightRig>
+          </a:scene3d>
+          <a:sp3d>
+            <a:bevelT w="63500" h="25400"/>
+          </a:sp3d>
+        </a:effectStyle>
+      </a:effectStyleLst>
+      <a:bgFillStyleLst>
+        <a:solidFill>
+          <a:schemeClr val="phClr"/>
+        </a:solidFill>
+        <a:gradFill rotWithShape="1">
+          <a:gsLst>
+            <a:gs pos="0">
+              <a:schemeClr val="phClr">
+                <a:tint val="40000"/>
+                <a:satMod val="350000"/>
+              </a:schemeClr>
+            </a:gs>
+            <a:gs pos="40000">
+              <a:schemeClr val="phClr">
+                <a:tint val="45000"/>
+                <a:shade val="99000"/>
+                <a:satMod val="350000"/>
+              </a:schemeClr>
+            </a:gs>
+            <a:gs pos="100000">
+              <a:schemeClr val="phClr">
+                <a:shade val="20000"/>
+                <a:satMod val="255000"/>
+              </a:schemeClr>
+            </a:gs>
+          </a:gsLst>
+          <a:path path="circle">
+            <a:fillToRect l="50000" t="-80000" r="50000" b="180000"/>
+          </a:path>
+        </a:gradFill>
+        <a:gradFill rotWithShape="1">
+          <a:gsLst>
+            <a:gs pos="0">
+              <a:schemeClr val="phClr">
+                <a:tint val="80000"/>
+                <a:satMod val="300000"/>
+              </a:schemeClr>
+            </a:gs>
+            <a:gs pos="100000">
+              <a:schemeClr val="phClr">
+                <a:shade val="30000"/>
+                <a:satMod val="200000"/>
+              </a:schemeClr>
+            </a:gs>
+          </a:gsLst>
+          <a:path path="circle">
+            <a:fillToRect l="50000" t="50000" r="50000" b="50000"/>
+          </a:path>
+        </a:gradFill>
+      </a:bgFillStyleLst>
+    </a:fmtScheme>
+  </a:themeElements>
+</a:theme>
+</file>
+
+<file path=ppt/theme/theme2.xml><?xml version="1.0" encoding="utf-8"?>
 <a:theme xmlns:a="http://schemas.openxmlformats.org/drawingml/2006/main" xmlns:r="http://schemas.openxmlformats.org/officeDocument/2006/relationships" name="Simple Light">
   <a:themeElements>
     <a:clrScheme name="Simple Light">
@@ -16084,283 +19390,4 @@
     </a:fmtScheme>
   </a:themeElements>
 </a:theme>
-</file>
-
-<file path=ppt/theme/theme2.xml><?xml version="1.0" encoding="utf-8"?>
-<a:theme xmlns:a="http://schemas.openxmlformats.org/drawingml/2006/main" xmlns:r="http://schemas.openxmlformats.org/officeDocument/2006/relationships">
-  <a:themeElements>
-    <a:clrScheme name="Default">
-      <a:dk1>
-        <a:srgbClr val="000000"/>
-      </a:dk1>
-      <a:lt1>
-        <a:srgbClr val="FFFFFF"/>
-      </a:lt1>
-      <a:dk2>
-        <a:srgbClr val="158158"/>
-      </a:dk2>
-      <a:lt2>
-        <a:srgbClr val="F3F3F3"/>
-      </a:lt2>
-      <a:accent1>
-        <a:srgbClr val="058DC7"/>
-      </a:accent1>
-      <a:accent2>
-        <a:srgbClr val="50B432"/>
-      </a:accent2>
-      <a:accent3>
-        <a:srgbClr val="ED561B"/>
-      </a:accent3>
-      <a:accent4>
-        <a:srgbClr val="EDEF00"/>
-      </a:accent4>
-      <a:accent5>
-        <a:srgbClr val="24CBE5"/>
-      </a:accent5>
-      <a:accent6>
-        <a:srgbClr val="64E572"/>
-      </a:accent6>
-      <a:hlink>
-        <a:srgbClr val="2200CC"/>
-      </a:hlink>
-      <a:folHlink>
-        <a:srgbClr val="551A8B"/>
-      </a:folHlink>
-    </a:clrScheme>
-    <a:fontScheme name="Office">
-      <a:majorFont>
-        <a:latin typeface="Arial"/>
-        <a:ea typeface=""/>
-        <a:cs typeface=""/>
-        <a:font script="Jpan" typeface="ＭＳ Ｐゴシック"/>
-        <a:font script="Hang" typeface="맑은 고딕"/>
-        <a:font script="Hans" typeface="宋体"/>
-        <a:font script="Hant" typeface="新細明體"/>
-        <a:font script="Arab" typeface="Times New Roman"/>
-        <a:font script="Hebr" typeface="Times New Roman"/>
-        <a:font script="Thai" typeface="Angsana New"/>
-        <a:font script="Ethi" typeface="Nyala"/>
-        <a:font script="Beng" typeface="Vrinda"/>
-        <a:font script="Gujr" typeface="Shruti"/>
-        <a:font script="Khmr" typeface="MoolBoran"/>
-        <a:font script="Knda" typeface="Tunga"/>
-        <a:font script="Guru" typeface="Raavi"/>
-        <a:font script="Cans" typeface="Euphemia"/>
-        <a:font script="Cher" typeface="Plantagenet Cherokee"/>
-        <a:font script="Yiii" typeface="Microsoft Yi Baiti"/>
-        <a:font script="Tibt" typeface="Microsoft Himalaya"/>
-        <a:font script="Thaa" typeface="MV Boli"/>
-        <a:font script="Deva" typeface="Mangal"/>
-        <a:font script="Telu" typeface="Gautami"/>
-        <a:font script="Taml" typeface="Latha"/>
-        <a:font script="Syrc" typeface="Estrangelo Edessa"/>
-        <a:font script="Orya" typeface="Kalinga"/>
-        <a:font script="Mlym" typeface="Kartika"/>
-        <a:font script="Laoo" typeface="DokChampa"/>
-        <a:font script="Sinh" typeface="Iskoola Pota"/>
-        <a:font script="Mong" typeface="Mongolian Baiti"/>
-        <a:font script="Viet" typeface="Times New Roman"/>
-        <a:font script="Uigh" typeface="Microsoft Uighur"/>
-        <a:font script="Geor" typeface="Sylfaen"/>
-      </a:majorFont>
-      <a:minorFont>
-        <a:latin typeface="Arial"/>
-        <a:ea typeface=""/>
-        <a:cs typeface=""/>
-        <a:font script="Jpan" typeface="ＭＳ Ｐゴシック"/>
-        <a:font script="Hang" typeface="맑은 고딕"/>
-        <a:font script="Hans" typeface="宋体"/>
-        <a:font script="Hant" typeface="新細明體"/>
-        <a:font script="Arab" typeface="Arial"/>
-        <a:font script="Hebr" typeface="Arial"/>
-        <a:font script="Thai" typeface="Cordia New"/>
-        <a:font script="Ethi" typeface="Nyala"/>
-        <a:font script="Beng" typeface="Vrinda"/>
-        <a:font script="Gujr" typeface="Shruti"/>
-        <a:font script="Khmr" typeface="DaunPenh"/>
-        <a:font script="Knda" typeface="Tunga"/>
-        <a:font script="Guru" typeface="Raavi"/>
-        <a:font script="Cans" typeface="Euphemia"/>
-        <a:font script="Cher" typeface="Plantagenet Cherokee"/>
-        <a:font script="Yiii" typeface="Microsoft Yi Baiti"/>
-        <a:font script="Tibt" typeface="Microsoft Himalaya"/>
-        <a:font script="Thaa" typeface="MV Boli"/>
-        <a:font script="Deva" typeface="Mangal"/>
-        <a:font script="Telu" typeface="Gautami"/>
-        <a:font script="Taml" typeface="Latha"/>
-        <a:font script="Syrc" typeface="Estrangelo Edessa"/>
-        <a:font script="Orya" typeface="Kalinga"/>
-        <a:font script="Mlym" typeface="Kartika"/>
-        <a:font script="Laoo" typeface="DokChampa"/>
-        <a:font script="Sinh" typeface="Iskoola Pota"/>
-        <a:font script="Mong" typeface="Mongolian Baiti"/>
-        <a:font script="Viet" typeface="Arial"/>
-        <a:font script="Uigh" typeface="Microsoft Uighur"/>
-        <a:font script="Geor" typeface="Sylfaen"/>
-      </a:minorFont>
-    </a:fontScheme>
-    <a:fmtScheme name="Office">
-      <a:fillStyleLst>
-        <a:solidFill>
-          <a:schemeClr val="phClr"/>
-        </a:solidFill>
-        <a:gradFill rotWithShape="1">
-          <a:gsLst>
-            <a:gs pos="0">
-              <a:schemeClr val="phClr">
-                <a:tint val="50000"/>
-                <a:satMod val="300000"/>
-              </a:schemeClr>
-            </a:gs>
-            <a:gs pos="35000">
-              <a:schemeClr val="phClr">
-                <a:tint val="37000"/>
-                <a:satMod val="300000"/>
-              </a:schemeClr>
-            </a:gs>
-            <a:gs pos="100000">
-              <a:schemeClr val="phClr">
-                <a:tint val="15000"/>
-                <a:satMod val="350000"/>
-              </a:schemeClr>
-            </a:gs>
-          </a:gsLst>
-          <a:lin ang="16200000" scaled="1"/>
-        </a:gradFill>
-        <a:gradFill rotWithShape="1">
-          <a:gsLst>
-            <a:gs pos="0">
-              <a:schemeClr val="phClr">
-                <a:tint val="100000"/>
-                <a:shade val="100000"/>
-                <a:satMod val="130000"/>
-              </a:schemeClr>
-            </a:gs>
-            <a:gs pos="100000">
-              <a:schemeClr val="phClr">
-                <a:tint val="50000"/>
-                <a:shade val="100000"/>
-                <a:satMod val="350000"/>
-              </a:schemeClr>
-            </a:gs>
-          </a:gsLst>
-          <a:lin ang="16200000" scaled="0"/>
-        </a:gradFill>
-      </a:fillStyleLst>
-      <a:lnStyleLst>
-        <a:ln w="9525" cap="flat" cmpd="sng" algn="ctr">
-          <a:solidFill>
-            <a:schemeClr val="phClr">
-              <a:shade val="95000"/>
-              <a:satMod val="105000"/>
-            </a:schemeClr>
-          </a:solidFill>
-          <a:prstDash val="solid"/>
-        </a:ln>
-        <a:ln w="25400" cap="flat" cmpd="sng" algn="ctr">
-          <a:solidFill>
-            <a:schemeClr val="phClr"/>
-          </a:solidFill>
-          <a:prstDash val="solid"/>
-        </a:ln>
-        <a:ln w="38100" cap="flat" cmpd="sng" algn="ctr">
-          <a:solidFill>
-            <a:schemeClr val="phClr"/>
-          </a:solidFill>
-          <a:prstDash val="solid"/>
-        </a:ln>
-      </a:lnStyleLst>
-      <a:effectStyleLst>
-        <a:effectStyle>
-          <a:effectLst>
-            <a:outerShdw blurRad="40000" dist="20000" dir="5400000" rotWithShape="0">
-              <a:srgbClr val="000000">
-                <a:alpha val="38000"/>
-              </a:srgbClr>
-            </a:outerShdw>
-          </a:effectLst>
-        </a:effectStyle>
-        <a:effectStyle>
-          <a:effectLst>
-            <a:outerShdw blurRad="40000" dist="23000" dir="5400000" rotWithShape="0">
-              <a:srgbClr val="000000">
-                <a:alpha val="35000"/>
-              </a:srgbClr>
-            </a:outerShdw>
-          </a:effectLst>
-        </a:effectStyle>
-        <a:effectStyle>
-          <a:effectLst>
-            <a:outerShdw blurRad="40000" dist="23000" dir="5400000" rotWithShape="0">
-              <a:srgbClr val="000000">
-                <a:alpha val="35000"/>
-              </a:srgbClr>
-            </a:outerShdw>
-          </a:effectLst>
-          <a:scene3d>
-            <a:camera prst="orthographicFront">
-              <a:rot lat="0" lon="0" rev="0"/>
-            </a:camera>
-            <a:lightRig rig="threePt" dir="t">
-              <a:rot lat="0" lon="0" rev="1200000"/>
-            </a:lightRig>
-          </a:scene3d>
-          <a:sp3d>
-            <a:bevelT w="63500" h="25400"/>
-          </a:sp3d>
-        </a:effectStyle>
-      </a:effectStyleLst>
-      <a:bgFillStyleLst>
-        <a:solidFill>
-          <a:schemeClr val="phClr"/>
-        </a:solidFill>
-        <a:gradFill rotWithShape="1">
-          <a:gsLst>
-            <a:gs pos="0">
-              <a:schemeClr val="phClr">
-                <a:tint val="40000"/>
-                <a:satMod val="350000"/>
-              </a:schemeClr>
-            </a:gs>
-            <a:gs pos="40000">
-              <a:schemeClr val="phClr">
-                <a:tint val="45000"/>
-                <a:shade val="99000"/>
-                <a:satMod val="350000"/>
-              </a:schemeClr>
-            </a:gs>
-            <a:gs pos="100000">
-              <a:schemeClr val="phClr">
-                <a:shade val="20000"/>
-                <a:satMod val="255000"/>
-              </a:schemeClr>
-            </a:gs>
-          </a:gsLst>
-          <a:path path="circle">
-            <a:fillToRect l="50000" t="-80000" r="50000" b="180000"/>
-          </a:path>
-        </a:gradFill>
-        <a:gradFill rotWithShape="1">
-          <a:gsLst>
-            <a:gs pos="0">
-              <a:schemeClr val="phClr">
-                <a:tint val="80000"/>
-                <a:satMod val="300000"/>
-              </a:schemeClr>
-            </a:gs>
-            <a:gs pos="100000">
-              <a:schemeClr val="phClr">
-                <a:shade val="30000"/>
-                <a:satMod val="200000"/>
-              </a:schemeClr>
-            </a:gs>
-          </a:gsLst>
-          <a:path path="circle">
-            <a:fillToRect l="50000" t="50000" r="50000" b="50000"/>
-          </a:path>
-        </a:gradFill>
-      </a:bgFillStyleLst>
-    </a:fmtScheme>
-  </a:themeElements>
-</a:theme>
 </file>
--- a/taoiq.pptx
+++ b/taoiq.pptx
@@ -9763,7 +9763,7 @@
             <a:tbl>
               <a:tblPr>
                 <a:noFill/>
-                <a:tableStyleId>{D6A7A21B-003F-455C-A127-CE841FBD6F3E}</a:tableStyleId>
+                <a:tableStyleId>{3937AF7E-1DDA-49CF-8745-FA827A8A5EAE}</a:tableStyleId>
               </a:tblPr>
               <a:tblGrid>
                 <a:gridCol w="1163975"/>
@@ -11516,7 +11516,7 @@
             <a:tbl>
               <a:tblPr>
                 <a:noFill/>
-                <a:tableStyleId>{D6A7A21B-003F-455C-A127-CE841FBD6F3E}</a:tableStyleId>
+                <a:tableStyleId>{3937AF7E-1DDA-49CF-8745-FA827A8A5EAE}</a:tableStyleId>
               </a:tblPr>
               <a:tblGrid>
                 <a:gridCol w="1447800"/>
@@ -13563,7 +13563,7 @@
             <a:tbl>
               <a:tblPr>
                 <a:noFill/>
-                <a:tableStyleId>{D6A7A21B-003F-455C-A127-CE841FBD6F3E}</a:tableStyleId>
+                <a:tableStyleId>{3937AF7E-1DDA-49CF-8745-FA827A8A5EAE}</a:tableStyleId>
               </a:tblPr>
               <a:tblGrid>
                 <a:gridCol w="1163975"/>
@@ -17897,7 +17897,7 @@
             <a:tbl>
               <a:tblPr>
                 <a:noFill/>
-                <a:tableStyleId>{D6A7A21B-003F-455C-A127-CE841FBD6F3E}</a:tableStyleId>
+                <a:tableStyleId>{3937AF7E-1DDA-49CF-8745-FA827A8A5EAE}</a:tableStyleId>
               </a:tblPr>
               <a:tblGrid>
                 <a:gridCol w="1809750"/>
@@ -18473,7 +18473,7 @@
             <a:tbl>
               <a:tblPr>
                 <a:noFill/>
-                <a:tableStyleId>{D6A7A21B-003F-455C-A127-CE841FBD6F3E}</a:tableStyleId>
+                <a:tableStyleId>{3937AF7E-1DDA-49CF-8745-FA827A8A5EAE}</a:tableStyleId>
               </a:tblPr>
               <a:tblGrid>
                 <a:gridCol w="1163975"/>
